--- a/presentation/slides.pptx
+++ b/presentation/slides.pptx
@@ -2,8 +2,11 @@
 <file path=ppt/presentation.xml><?xml version="1.0" encoding="utf-8"?>
 <p:presentation xmlns:a="http://schemas.openxmlformats.org/drawingml/2006/main" xmlns:r="http://schemas.openxmlformats.org/officeDocument/2006/relationships" xmlns:p="http://schemas.openxmlformats.org/presentationml/2006/main" saveSubsetFonts="1">
   <p:sldMasterIdLst>
-    <p:sldMasterId id="2147483942" r:id="rId1"/>
+    <p:sldMasterId id="2147483648" r:id="rId1"/>
   </p:sldMasterIdLst>
+  <p:notesMasterIdLst>
+    <p:notesMasterId r:id="rId16"/>
+  </p:notesMasterIdLst>
   <p:sldIdLst>
     <p:sldId id="256" r:id="rId2"/>
     <p:sldId id="257" r:id="rId3"/>
@@ -15,8 +18,12 @@
     <p:sldId id="263" r:id="rId9"/>
     <p:sldId id="264" r:id="rId10"/>
     <p:sldId id="265" r:id="rId11"/>
+    <p:sldId id="269" r:id="rId12"/>
+    <p:sldId id="266" r:id="rId13"/>
+    <p:sldId id="267" r:id="rId14"/>
+    <p:sldId id="268" r:id="rId15"/>
   </p:sldIdLst>
-  <p:sldSz cx="9144000" cy="6858000" type="screen4x3"/>
+  <p:sldSz cx="12192000" cy="6858000"/>
   <p:notesSz cx="6858000" cy="9144000"/>
   <p:defaultTextStyle>
     <a:defPPr>
@@ -121,6 +128,493 @@
 </p:presentation>
 </file>
 
+<file path=ppt/notesMasters/notesMaster1.xml><?xml version="1.0" encoding="utf-8"?>
+<p:notesMaster xmlns:a="http://schemas.openxmlformats.org/drawingml/2006/main" xmlns:r="http://schemas.openxmlformats.org/officeDocument/2006/relationships" xmlns:p="http://schemas.openxmlformats.org/presentationml/2006/main">
+  <p:cSld>
+    <p:bg>
+      <p:bgRef idx="1001">
+        <a:schemeClr val="bg1"/>
+      </p:bgRef>
+    </p:bg>
+    <p:spTree>
+      <p:nvGrpSpPr>
+        <p:cNvPr id="1" name=""/>
+        <p:cNvGrpSpPr/>
+        <p:nvPr/>
+      </p:nvGrpSpPr>
+      <p:grpSpPr>
+        <a:xfrm>
+          <a:off x="0" y="0"/>
+          <a:ext cx="0" cy="0"/>
+          <a:chOff x="0" y="0"/>
+          <a:chExt cx="0" cy="0"/>
+        </a:xfrm>
+      </p:grpSpPr>
+      <p:sp>
+        <p:nvSpPr>
+          <p:cNvPr id="2" name="Header Placeholder 1"/>
+          <p:cNvSpPr>
+            <a:spLocks noGrp="1"/>
+          </p:cNvSpPr>
+          <p:nvPr>
+            <p:ph type="hdr" sz="quarter"/>
+          </p:nvPr>
+        </p:nvSpPr>
+        <p:spPr>
+          <a:xfrm>
+            <a:off x="0" y="0"/>
+            <a:ext cx="2971800" cy="458788"/>
+          </a:xfrm>
+          <a:prstGeom prst="rect">
+            <a:avLst/>
+          </a:prstGeom>
+        </p:spPr>
+        <p:txBody>
+          <a:bodyPr vert="horz" lIns="91440" tIns="45720" rIns="91440" bIns="45720" rtlCol="0"/>
+          <a:lstStyle>
+            <a:lvl1pPr algn="l">
+              <a:defRPr sz="1200"/>
+            </a:lvl1pPr>
+          </a:lstStyle>
+          <a:p>
+            <a:endParaRPr lang="en-US"/>
+          </a:p>
+        </p:txBody>
+      </p:sp>
+      <p:sp>
+        <p:nvSpPr>
+          <p:cNvPr id="3" name="Date Placeholder 2"/>
+          <p:cNvSpPr>
+            <a:spLocks noGrp="1"/>
+          </p:cNvSpPr>
+          <p:nvPr>
+            <p:ph type="dt" idx="1"/>
+          </p:nvPr>
+        </p:nvSpPr>
+        <p:spPr>
+          <a:xfrm>
+            <a:off x="3884613" y="0"/>
+            <a:ext cx="2971800" cy="458788"/>
+          </a:xfrm>
+          <a:prstGeom prst="rect">
+            <a:avLst/>
+          </a:prstGeom>
+        </p:spPr>
+        <p:txBody>
+          <a:bodyPr vert="horz" lIns="91440" tIns="45720" rIns="91440" bIns="45720" rtlCol="0"/>
+          <a:lstStyle>
+            <a:lvl1pPr algn="r">
+              <a:defRPr sz="1200"/>
+            </a:lvl1pPr>
+          </a:lstStyle>
+          <a:p>
+            <a:fld id="{BA8D978D-4CCB-4868-8B45-2C7D0E0F9535}" type="datetimeFigureOut">
+              <a:rPr lang="en-US" smtClean="0"/>
+              <a:t>3/7/2018</a:t>
+            </a:fld>
+            <a:endParaRPr lang="en-US"/>
+          </a:p>
+        </p:txBody>
+      </p:sp>
+      <p:sp>
+        <p:nvSpPr>
+          <p:cNvPr id="4" name="Slide Image Placeholder 3"/>
+          <p:cNvSpPr>
+            <a:spLocks noGrp="1" noRot="1" noChangeAspect="1"/>
+          </p:cNvSpPr>
+          <p:nvPr>
+            <p:ph type="sldImg" idx="2"/>
+          </p:nvPr>
+        </p:nvSpPr>
+        <p:spPr>
+          <a:xfrm>
+            <a:off x="685800" y="1143000"/>
+            <a:ext cx="5486400" cy="3086100"/>
+          </a:xfrm>
+          <a:prstGeom prst="rect">
+            <a:avLst/>
+          </a:prstGeom>
+          <a:noFill/>
+          <a:ln w="12700">
+            <a:solidFill>
+              <a:prstClr val="black"/>
+            </a:solidFill>
+          </a:ln>
+        </p:spPr>
+        <p:txBody>
+          <a:bodyPr vert="horz" lIns="91440" tIns="45720" rIns="91440" bIns="45720" rtlCol="0" anchor="ctr"/>
+          <a:lstStyle/>
+          <a:p>
+            <a:endParaRPr lang="en-US"/>
+          </a:p>
+        </p:txBody>
+      </p:sp>
+      <p:sp>
+        <p:nvSpPr>
+          <p:cNvPr id="5" name="Notes Placeholder 4"/>
+          <p:cNvSpPr>
+            <a:spLocks noGrp="1"/>
+          </p:cNvSpPr>
+          <p:nvPr>
+            <p:ph type="body" sz="quarter" idx="3"/>
+          </p:nvPr>
+        </p:nvSpPr>
+        <p:spPr>
+          <a:xfrm>
+            <a:off x="685800" y="4400550"/>
+            <a:ext cx="5486400" cy="3600450"/>
+          </a:xfrm>
+          <a:prstGeom prst="rect">
+            <a:avLst/>
+          </a:prstGeom>
+        </p:spPr>
+        <p:txBody>
+          <a:bodyPr vert="horz" lIns="91440" tIns="45720" rIns="91440" bIns="45720" rtlCol="0"/>
+          <a:lstStyle/>
+          <a:p>
+            <a:pPr lvl="0"/>
+            <a:r>
+              <a:rPr lang="en-US"/>
+              <a:t>Edit Master text styles</a:t>
+            </a:r>
+          </a:p>
+          <a:p>
+            <a:pPr lvl="1"/>
+            <a:r>
+              <a:rPr lang="en-US"/>
+              <a:t>Second level</a:t>
+            </a:r>
+          </a:p>
+          <a:p>
+            <a:pPr lvl="2"/>
+            <a:r>
+              <a:rPr lang="en-US"/>
+              <a:t>Third level</a:t>
+            </a:r>
+          </a:p>
+          <a:p>
+            <a:pPr lvl="3"/>
+            <a:r>
+              <a:rPr lang="en-US"/>
+              <a:t>Fourth level</a:t>
+            </a:r>
+          </a:p>
+          <a:p>
+            <a:pPr lvl="4"/>
+            <a:r>
+              <a:rPr lang="en-US"/>
+              <a:t>Fifth level</a:t>
+            </a:r>
+          </a:p>
+        </p:txBody>
+      </p:sp>
+      <p:sp>
+        <p:nvSpPr>
+          <p:cNvPr id="6" name="Footer Placeholder 5"/>
+          <p:cNvSpPr>
+            <a:spLocks noGrp="1"/>
+          </p:cNvSpPr>
+          <p:nvPr>
+            <p:ph type="ftr" sz="quarter" idx="4"/>
+          </p:nvPr>
+        </p:nvSpPr>
+        <p:spPr>
+          <a:xfrm>
+            <a:off x="0" y="8685213"/>
+            <a:ext cx="2971800" cy="458787"/>
+          </a:xfrm>
+          <a:prstGeom prst="rect">
+            <a:avLst/>
+          </a:prstGeom>
+        </p:spPr>
+        <p:txBody>
+          <a:bodyPr vert="horz" lIns="91440" tIns="45720" rIns="91440" bIns="45720" rtlCol="0" anchor="b"/>
+          <a:lstStyle>
+            <a:lvl1pPr algn="l">
+              <a:defRPr sz="1200"/>
+            </a:lvl1pPr>
+          </a:lstStyle>
+          <a:p>
+            <a:endParaRPr lang="en-US"/>
+          </a:p>
+        </p:txBody>
+      </p:sp>
+      <p:sp>
+        <p:nvSpPr>
+          <p:cNvPr id="7" name="Slide Number Placeholder 6"/>
+          <p:cNvSpPr>
+            <a:spLocks noGrp="1"/>
+          </p:cNvSpPr>
+          <p:nvPr>
+            <p:ph type="sldNum" sz="quarter" idx="5"/>
+          </p:nvPr>
+        </p:nvSpPr>
+        <p:spPr>
+          <a:xfrm>
+            <a:off x="3884613" y="8685213"/>
+            <a:ext cx="2971800" cy="458787"/>
+          </a:xfrm>
+          <a:prstGeom prst="rect">
+            <a:avLst/>
+          </a:prstGeom>
+        </p:spPr>
+        <p:txBody>
+          <a:bodyPr vert="horz" lIns="91440" tIns="45720" rIns="91440" bIns="45720" rtlCol="0" anchor="b"/>
+          <a:lstStyle>
+            <a:lvl1pPr algn="r">
+              <a:defRPr sz="1200"/>
+            </a:lvl1pPr>
+          </a:lstStyle>
+          <a:p>
+            <a:fld id="{DF6007A4-6B88-4AE1-93F1-C32F57D9B5FE}" type="slidenum">
+              <a:rPr lang="en-US" smtClean="0"/>
+              <a:t>‹#›</a:t>
+            </a:fld>
+            <a:endParaRPr lang="en-US"/>
+          </a:p>
+        </p:txBody>
+      </p:sp>
+    </p:spTree>
+    <p:extLst>
+      <p:ext uri="{BB962C8B-B14F-4D97-AF65-F5344CB8AC3E}">
+        <p14:creationId xmlns:p14="http://schemas.microsoft.com/office/powerpoint/2010/main" val="2535492340"/>
+      </p:ext>
+    </p:extLst>
+  </p:cSld>
+  <p:clrMap bg1="lt1" tx1="dk1" bg2="lt2" tx2="dk2" accent1="accent1" accent2="accent2" accent3="accent3" accent4="accent4" accent5="accent5" accent6="accent6" hlink="hlink" folHlink="folHlink"/>
+  <p:notesStyle>
+    <a:lvl1pPr marL="0" algn="l" defTabSz="914400" rtl="0" eaLnBrk="1" latinLnBrk="0" hangingPunct="1">
+      <a:defRPr sz="1200" kern="1200">
+        <a:solidFill>
+          <a:schemeClr val="tx1"/>
+        </a:solidFill>
+        <a:latin typeface="+mn-lt"/>
+        <a:ea typeface="+mn-ea"/>
+        <a:cs typeface="+mn-cs"/>
+      </a:defRPr>
+    </a:lvl1pPr>
+    <a:lvl2pPr marL="457200" algn="l" defTabSz="914400" rtl="0" eaLnBrk="1" latinLnBrk="0" hangingPunct="1">
+      <a:defRPr sz="1200" kern="1200">
+        <a:solidFill>
+          <a:schemeClr val="tx1"/>
+        </a:solidFill>
+        <a:latin typeface="+mn-lt"/>
+        <a:ea typeface="+mn-ea"/>
+        <a:cs typeface="+mn-cs"/>
+      </a:defRPr>
+    </a:lvl2pPr>
+    <a:lvl3pPr marL="914400" algn="l" defTabSz="914400" rtl="0" eaLnBrk="1" latinLnBrk="0" hangingPunct="1">
+      <a:defRPr sz="1200" kern="1200">
+        <a:solidFill>
+          <a:schemeClr val="tx1"/>
+        </a:solidFill>
+        <a:latin typeface="+mn-lt"/>
+        <a:ea typeface="+mn-ea"/>
+        <a:cs typeface="+mn-cs"/>
+      </a:defRPr>
+    </a:lvl3pPr>
+    <a:lvl4pPr marL="1371600" algn="l" defTabSz="914400" rtl="0" eaLnBrk="1" latinLnBrk="0" hangingPunct="1">
+      <a:defRPr sz="1200" kern="1200">
+        <a:solidFill>
+          <a:schemeClr val="tx1"/>
+        </a:solidFill>
+        <a:latin typeface="+mn-lt"/>
+        <a:ea typeface="+mn-ea"/>
+        <a:cs typeface="+mn-cs"/>
+      </a:defRPr>
+    </a:lvl4pPr>
+    <a:lvl5pPr marL="1828800" algn="l" defTabSz="914400" rtl="0" eaLnBrk="1" latinLnBrk="0" hangingPunct="1">
+      <a:defRPr sz="1200" kern="1200">
+        <a:solidFill>
+          <a:schemeClr val="tx1"/>
+        </a:solidFill>
+        <a:latin typeface="+mn-lt"/>
+        <a:ea typeface="+mn-ea"/>
+        <a:cs typeface="+mn-cs"/>
+      </a:defRPr>
+    </a:lvl5pPr>
+    <a:lvl6pPr marL="2286000" algn="l" defTabSz="914400" rtl="0" eaLnBrk="1" latinLnBrk="0" hangingPunct="1">
+      <a:defRPr sz="1200" kern="1200">
+        <a:solidFill>
+          <a:schemeClr val="tx1"/>
+        </a:solidFill>
+        <a:latin typeface="+mn-lt"/>
+        <a:ea typeface="+mn-ea"/>
+        <a:cs typeface="+mn-cs"/>
+      </a:defRPr>
+    </a:lvl6pPr>
+    <a:lvl7pPr marL="2743200" algn="l" defTabSz="914400" rtl="0" eaLnBrk="1" latinLnBrk="0" hangingPunct="1">
+      <a:defRPr sz="1200" kern="1200">
+        <a:solidFill>
+          <a:schemeClr val="tx1"/>
+        </a:solidFill>
+        <a:latin typeface="+mn-lt"/>
+        <a:ea typeface="+mn-ea"/>
+        <a:cs typeface="+mn-cs"/>
+      </a:defRPr>
+    </a:lvl7pPr>
+    <a:lvl8pPr marL="3200400" algn="l" defTabSz="914400" rtl="0" eaLnBrk="1" latinLnBrk="0" hangingPunct="1">
+      <a:defRPr sz="1200" kern="1200">
+        <a:solidFill>
+          <a:schemeClr val="tx1"/>
+        </a:solidFill>
+        <a:latin typeface="+mn-lt"/>
+        <a:ea typeface="+mn-ea"/>
+        <a:cs typeface="+mn-cs"/>
+      </a:defRPr>
+    </a:lvl8pPr>
+    <a:lvl9pPr marL="3657600" algn="l" defTabSz="914400" rtl="0" eaLnBrk="1" latinLnBrk="0" hangingPunct="1">
+      <a:defRPr sz="1200" kern="1200">
+        <a:solidFill>
+          <a:schemeClr val="tx1"/>
+        </a:solidFill>
+        <a:latin typeface="+mn-lt"/>
+        <a:ea typeface="+mn-ea"/>
+        <a:cs typeface="+mn-cs"/>
+      </a:defRPr>
+    </a:lvl9pPr>
+  </p:notesStyle>
+</p:notesMaster>
+</file>
+
+<file path=ppt/notesSlides/notesSlide1.xml><?xml version="1.0" encoding="utf-8"?>
+<p:notes xmlns:a="http://schemas.openxmlformats.org/drawingml/2006/main" xmlns:r="http://schemas.openxmlformats.org/officeDocument/2006/relationships" xmlns:p="http://schemas.openxmlformats.org/presentationml/2006/main">
+  <p:cSld>
+    <p:spTree>
+      <p:nvGrpSpPr>
+        <p:cNvPr id="1" name=""/>
+        <p:cNvGrpSpPr/>
+        <p:nvPr/>
+      </p:nvGrpSpPr>
+      <p:grpSpPr>
+        <a:xfrm>
+          <a:off x="0" y="0"/>
+          <a:ext cx="0" cy="0"/>
+          <a:chOff x="0" y="0"/>
+          <a:chExt cx="0" cy="0"/>
+        </a:xfrm>
+      </p:grpSpPr>
+      <p:sp>
+        <p:nvSpPr>
+          <p:cNvPr id="2" name="Slide Image Placeholder 1"/>
+          <p:cNvSpPr>
+            <a:spLocks noGrp="1" noRot="1" noChangeAspect="1"/>
+          </p:cNvSpPr>
+          <p:nvPr>
+            <p:ph type="sldImg"/>
+          </p:nvPr>
+        </p:nvSpPr>
+        <p:spPr/>
+      </p:sp>
+      <p:sp>
+        <p:nvSpPr>
+          <p:cNvPr id="3" name="Notes Placeholder 2"/>
+          <p:cNvSpPr>
+            <a:spLocks noGrp="1"/>
+          </p:cNvSpPr>
+          <p:nvPr>
+            <p:ph type="body" idx="1"/>
+          </p:nvPr>
+        </p:nvSpPr>
+        <p:spPr/>
+        <p:txBody>
+          <a:bodyPr/>
+          <a:lstStyle/>
+          <a:p>
+            <a:pPr marL="0" marR="0" lvl="0" indent="0" algn="l" defTabSz="914400" rtl="0" eaLnBrk="1" fontAlgn="auto" latinLnBrk="0" hangingPunct="1">
+              <a:lnSpc>
+                <a:spcPct val="100000"/>
+              </a:lnSpc>
+              <a:spcBef>
+                <a:spcPts val="0"/>
+              </a:spcBef>
+              <a:spcAft>
+                <a:spcPts val="0"/>
+              </a:spcAft>
+              <a:buClrTx/>
+              <a:buSzTx/>
+              <a:buFontTx/>
+              <a:buNone/>
+              <a:tabLst/>
+              <a:defRPr/>
+            </a:pPr>
+            <a:r>
+              <a:rPr lang="en-US" sz="1200" b="0" i="0" u="none" strike="noStrike" kern="1200" baseline="0" dirty="0">
+                <a:solidFill>
+                  <a:schemeClr val="tx1"/>
+                </a:solidFill>
+                <a:latin typeface="+mn-lt"/>
+                <a:ea typeface="+mn-ea"/>
+                <a:cs typeface="+mn-cs"/>
+              </a:rPr>
+              <a:t>Number of lab tests</a:t>
+            </a:r>
+          </a:p>
+          <a:p>
+            <a:pPr marL="0" marR="0" lvl="0" indent="0" algn="l" defTabSz="914400" rtl="0" eaLnBrk="1" fontAlgn="auto" latinLnBrk="0" hangingPunct="1">
+              <a:lnSpc>
+                <a:spcPct val="100000"/>
+              </a:lnSpc>
+              <a:spcBef>
+                <a:spcPts val="0"/>
+              </a:spcBef>
+              <a:spcAft>
+                <a:spcPts val="0"/>
+              </a:spcAft>
+              <a:buClrTx/>
+              <a:buSzTx/>
+              <a:buFontTx/>
+              <a:buNone/>
+              <a:tabLst/>
+              <a:defRPr/>
+            </a:pPr>
+            <a:endParaRPr lang="en-US" sz="1200" b="0" i="0" u="none" strike="noStrike" kern="1200" baseline="0" dirty="0">
+              <a:solidFill>
+                <a:schemeClr val="tx1"/>
+              </a:solidFill>
+              <a:latin typeface="+mn-lt"/>
+              <a:ea typeface="+mn-ea"/>
+              <a:cs typeface="+mn-cs"/>
+            </a:endParaRPr>
+          </a:p>
+        </p:txBody>
+      </p:sp>
+      <p:sp>
+        <p:nvSpPr>
+          <p:cNvPr id="4" name="Slide Number Placeholder 3"/>
+          <p:cNvSpPr>
+            <a:spLocks noGrp="1"/>
+          </p:cNvSpPr>
+          <p:nvPr>
+            <p:ph type="sldNum" sz="quarter" idx="10"/>
+          </p:nvPr>
+        </p:nvSpPr>
+        <p:spPr/>
+        <p:txBody>
+          <a:bodyPr/>
+          <a:lstStyle/>
+          <a:p>
+            <a:fld id="{DF6007A4-6B88-4AE1-93F1-C32F57D9B5FE}" type="slidenum">
+              <a:rPr lang="en-US" smtClean="0"/>
+              <a:t>11</a:t>
+            </a:fld>
+            <a:endParaRPr lang="en-US"/>
+          </a:p>
+        </p:txBody>
+      </p:sp>
+    </p:spTree>
+    <p:extLst>
+      <p:ext uri="{BB962C8B-B14F-4D97-AF65-F5344CB8AC3E}">
+        <p14:creationId xmlns:p14="http://schemas.microsoft.com/office/powerpoint/2010/main" val="130586431"/>
+      </p:ext>
+    </p:extLst>
+  </p:cSld>
+  <p:clrMapOvr>
+    <a:masterClrMapping/>
+  </p:clrMapOvr>
+</p:notes>
+</file>
+
 <file path=ppt/slideLayouts/slideLayout1.xml><?xml version="1.0" encoding="utf-8"?>
 <p:sldLayout xmlns:a="http://schemas.openxmlformats.org/drawingml/2006/main" xmlns:r="http://schemas.openxmlformats.org/officeDocument/2006/relationships" xmlns:p="http://schemas.openxmlformats.org/presentationml/2006/main" type="title" preserve="1">
   <p:cSld name="Title Slide">
@@ -140,7 +634,13 @@
       </p:grpSpPr>
       <p:sp>
         <p:nvSpPr>
-          <p:cNvPr id="2" name="Title 1"/>
+          <p:cNvPr id="2" name="Title 1">
+            <a:extLst>
+              <a:ext uri="{FF2B5EF4-FFF2-40B4-BE49-F238E27FC236}">
+                <a16:creationId xmlns:a16="http://schemas.microsoft.com/office/drawing/2014/main" id="{347194A1-DEB4-41D6-8FC0-E18453F7C9E4}"/>
+              </a:ext>
+            </a:extLst>
+          </p:cNvPr>
           <p:cNvSpPr>
             <a:spLocks noGrp="1"/>
           </p:cNvSpPr>
@@ -150,29 +650,15 @@
         </p:nvSpPr>
         <p:spPr>
           <a:xfrm>
-            <a:off x="1102240" y="2386744"/>
-            <a:ext cx="6939520" cy="1645920"/>
+            <a:off x="1524000" y="1122363"/>
+            <a:ext cx="9144000" cy="2387600"/>
           </a:xfrm>
-          <a:solidFill>
-            <a:srgbClr val="FFFFFF"/>
-          </a:solidFill>
-          <a:ln w="38100">
-            <a:solidFill>
-              <a:srgbClr val="404040"/>
-            </a:solidFill>
-          </a:ln>
         </p:spPr>
         <p:txBody>
-          <a:bodyPr lIns="274320" rIns="274320" anchor="ctr" anchorCtr="1">
-            <a:normAutofit/>
-          </a:bodyPr>
+          <a:bodyPr anchor="b"/>
           <a:lstStyle>
             <a:lvl1pPr algn="ctr">
-              <a:defRPr sz="3500">
-                <a:solidFill>
-                  <a:srgbClr val="262626"/>
-                </a:solidFill>
-              </a:defRPr>
+              <a:defRPr sz="6000"/>
             </a:lvl1pPr>
           </a:lstStyle>
           <a:p>
@@ -180,13 +666,18 @@
               <a:rPr lang="en-US"/>
               <a:t>Click to edit Master title style</a:t>
             </a:r>
-            <a:endParaRPr lang="en-US" dirty="0"/>
-          </a:p>
-        </p:txBody>
-      </p:sp>
-      <p:sp>
-        <p:nvSpPr>
-          <p:cNvPr id="3" name="Subtitle 2"/>
+          </a:p>
+        </p:txBody>
+      </p:sp>
+      <p:sp>
+        <p:nvSpPr>
+          <p:cNvPr id="3" name="Subtitle 2">
+            <a:extLst>
+              <a:ext uri="{FF2B5EF4-FFF2-40B4-BE49-F238E27FC236}">
+                <a16:creationId xmlns:a16="http://schemas.microsoft.com/office/drawing/2014/main" id="{92826DF3-8288-4033-A5B5-0D67F1EE575D}"/>
+              </a:ext>
+            </a:extLst>
+          </p:cNvPr>
           <p:cNvSpPr>
             <a:spLocks noGrp="1"/>
           </p:cNvSpPr>
@@ -196,30 +687,20 @@
         </p:nvSpPr>
         <p:spPr>
           <a:xfrm>
-            <a:off x="2021396" y="4352544"/>
-            <a:ext cx="5101209" cy="1239894"/>
+            <a:off x="1524000" y="3602038"/>
+            <a:ext cx="9144000" cy="1655762"/>
           </a:xfrm>
-          <a:noFill/>
         </p:spPr>
         <p:txBody>
-          <a:bodyPr>
-            <a:normAutofit/>
-          </a:bodyPr>
+          <a:bodyPr/>
           <a:lstStyle>
             <a:lvl1pPr marL="0" indent="0" algn="ctr">
               <a:buNone/>
-              <a:defRPr sz="1900">
-                <a:solidFill>
-                  <a:schemeClr val="tx1">
-                    <a:lumMod val="75000"/>
-                    <a:lumOff val="25000"/>
-                  </a:schemeClr>
-                </a:solidFill>
-              </a:defRPr>
+              <a:defRPr sz="2400"/>
             </a:lvl1pPr>
             <a:lvl2pPr marL="457200" indent="0" algn="ctr">
               <a:buNone/>
-              <a:defRPr sz="1900"/>
+              <a:defRPr sz="2000"/>
             </a:lvl2pPr>
             <a:lvl3pPr marL="914400" indent="0" algn="ctr">
               <a:buNone/>
@@ -255,13 +736,18 @@
               <a:rPr lang="en-US"/>
               <a:t>Click to edit Master subtitle style</a:t>
             </a:r>
-            <a:endParaRPr lang="en-US" dirty="0"/>
-          </a:p>
-        </p:txBody>
-      </p:sp>
-      <p:sp>
-        <p:nvSpPr>
-          <p:cNvPr id="7" name="Date Placeholder 6"/>
+          </a:p>
+        </p:txBody>
+      </p:sp>
+      <p:sp>
+        <p:nvSpPr>
+          <p:cNvPr id="4" name="Date Placeholder 3">
+            <a:extLst>
+              <a:ext uri="{FF2B5EF4-FFF2-40B4-BE49-F238E27FC236}">
+                <a16:creationId xmlns:a16="http://schemas.microsoft.com/office/drawing/2014/main" id="{9F8B36DF-8479-495E-BDA6-9E9FABFE42F0}"/>
+              </a:ext>
+            </a:extLst>
+          </p:cNvPr>
           <p:cNvSpPr>
             <a:spLocks noGrp="1"/>
           </p:cNvSpPr>
@@ -274,9 +760,9 @@
           <a:bodyPr/>
           <a:lstStyle/>
           <a:p>
-            <a:fld id="{03FE0420-AA6B-9D43-AA96-60D025E4BB5F}" type="datetimeFigureOut">
+            <a:fld id="{8BE1A983-4509-40B3-A213-C192E79F7B9E}" type="datetimeFigureOut">
               <a:rPr lang="en-US" smtClean="0"/>
-              <a:t>3/6/2018</a:t>
+              <a:t>3/7/2018</a:t>
             </a:fld>
             <a:endParaRPr lang="en-US"/>
           </a:p>
@@ -284,7 +770,13 @@
       </p:sp>
       <p:sp>
         <p:nvSpPr>
-          <p:cNvPr id="8" name="Footer Placeholder 7"/>
+          <p:cNvPr id="5" name="Footer Placeholder 4">
+            <a:extLst>
+              <a:ext uri="{FF2B5EF4-FFF2-40B4-BE49-F238E27FC236}">
+                <a16:creationId xmlns:a16="http://schemas.microsoft.com/office/drawing/2014/main" id="{D1647BBD-AC59-41B5-B5E0-5F4BD82549AD}"/>
+              </a:ext>
+            </a:extLst>
+          </p:cNvPr>
           <p:cNvSpPr>
             <a:spLocks noGrp="1"/>
           </p:cNvSpPr>
@@ -303,7 +795,13 @@
       </p:sp>
       <p:sp>
         <p:nvSpPr>
-          <p:cNvPr id="9" name="Slide Number Placeholder 8"/>
+          <p:cNvPr id="6" name="Slide Number Placeholder 5">
+            <a:extLst>
+              <a:ext uri="{FF2B5EF4-FFF2-40B4-BE49-F238E27FC236}">
+                <a16:creationId xmlns:a16="http://schemas.microsoft.com/office/drawing/2014/main" id="{14F5CB5C-98AA-422A-A484-B68C3C543470}"/>
+              </a:ext>
+            </a:extLst>
+          </p:cNvPr>
           <p:cNvSpPr>
             <a:spLocks noGrp="1"/>
           </p:cNvSpPr>
@@ -316,7 +814,7 @@
           <a:bodyPr/>
           <a:lstStyle/>
           <a:p>
-            <a:fld id="{01664375-08C4-E446-96F3-215B15599011}" type="slidenum">
+            <a:fld id="{1FC777CD-ADC4-4F11-8CC1-1A948A4BD01A}" type="slidenum">
               <a:rPr lang="en-US" smtClean="0"/>
               <a:t>‹#›</a:t>
             </a:fld>
@@ -327,7 +825,7 @@
     </p:spTree>
     <p:extLst>
       <p:ext uri="{BB962C8B-B14F-4D97-AF65-F5344CB8AC3E}">
-        <p14:creationId xmlns:p14="http://schemas.microsoft.com/office/powerpoint/2010/main" val="3524028759"/>
+        <p14:creationId xmlns:p14="http://schemas.microsoft.com/office/powerpoint/2010/main" val="1260118079"/>
       </p:ext>
     </p:extLst>
   </p:cSld>
@@ -356,7 +854,13 @@
       </p:grpSpPr>
       <p:sp>
         <p:nvSpPr>
-          <p:cNvPr id="2" name="Title 1"/>
+          <p:cNvPr id="2" name="Title 1">
+            <a:extLst>
+              <a:ext uri="{FF2B5EF4-FFF2-40B4-BE49-F238E27FC236}">
+                <a16:creationId xmlns:a16="http://schemas.microsoft.com/office/drawing/2014/main" id="{72C0E305-180A-4311-B709-345FEEEB4F0D}"/>
+              </a:ext>
+            </a:extLst>
+          </p:cNvPr>
           <p:cNvSpPr>
             <a:spLocks noGrp="1"/>
           </p:cNvSpPr>
@@ -373,13 +877,18 @@
               <a:rPr lang="en-US"/>
               <a:t>Click to edit Master title style</a:t>
             </a:r>
-            <a:endParaRPr lang="en-US" dirty="0"/>
-          </a:p>
-        </p:txBody>
-      </p:sp>
-      <p:sp>
-        <p:nvSpPr>
-          <p:cNvPr id="3" name="Vertical Text Placeholder 2"/>
+          </a:p>
+        </p:txBody>
+      </p:sp>
+      <p:sp>
+        <p:nvSpPr>
+          <p:cNvPr id="3" name="Vertical Text Placeholder 2">
+            <a:extLst>
+              <a:ext uri="{FF2B5EF4-FFF2-40B4-BE49-F238E27FC236}">
+                <a16:creationId xmlns:a16="http://schemas.microsoft.com/office/drawing/2014/main" id="{CEADB9B4-0EDE-4C49-A99B-A81E27793609}"/>
+              </a:ext>
+            </a:extLst>
+          </p:cNvPr>
           <p:cNvSpPr>
             <a:spLocks noGrp="1"/>
           </p:cNvSpPr>
@@ -425,13 +934,18 @@
               <a:rPr lang="en-US"/>
               <a:t>Fifth level</a:t>
             </a:r>
-            <a:endParaRPr lang="en-US" dirty="0"/>
-          </a:p>
-        </p:txBody>
-      </p:sp>
-      <p:sp>
-        <p:nvSpPr>
-          <p:cNvPr id="4" name="Date Placeholder 3"/>
+          </a:p>
+        </p:txBody>
+      </p:sp>
+      <p:sp>
+        <p:nvSpPr>
+          <p:cNvPr id="4" name="Date Placeholder 3">
+            <a:extLst>
+              <a:ext uri="{FF2B5EF4-FFF2-40B4-BE49-F238E27FC236}">
+                <a16:creationId xmlns:a16="http://schemas.microsoft.com/office/drawing/2014/main" id="{F92E9F42-A6A4-40BE-B970-8D91B01E9389}"/>
+              </a:ext>
+            </a:extLst>
+          </p:cNvPr>
           <p:cNvSpPr>
             <a:spLocks noGrp="1"/>
           </p:cNvSpPr>
@@ -444,9 +958,9 @@
           <a:bodyPr/>
           <a:lstStyle/>
           <a:p>
-            <a:fld id="{03FE0420-AA6B-9D43-AA96-60D025E4BB5F}" type="datetimeFigureOut">
+            <a:fld id="{8BE1A983-4509-40B3-A213-C192E79F7B9E}" type="datetimeFigureOut">
               <a:rPr lang="en-US" smtClean="0"/>
-              <a:t>3/6/2018</a:t>
+              <a:t>3/7/2018</a:t>
             </a:fld>
             <a:endParaRPr lang="en-US"/>
           </a:p>
@@ -454,7 +968,13 @@
       </p:sp>
       <p:sp>
         <p:nvSpPr>
-          <p:cNvPr id="5" name="Footer Placeholder 4"/>
+          <p:cNvPr id="5" name="Footer Placeholder 4">
+            <a:extLst>
+              <a:ext uri="{FF2B5EF4-FFF2-40B4-BE49-F238E27FC236}">
+                <a16:creationId xmlns:a16="http://schemas.microsoft.com/office/drawing/2014/main" id="{D5B99562-5B4C-47A5-B378-13ABD6FAA86D}"/>
+              </a:ext>
+            </a:extLst>
+          </p:cNvPr>
           <p:cNvSpPr>
             <a:spLocks noGrp="1"/>
           </p:cNvSpPr>
@@ -473,7 +993,13 @@
       </p:sp>
       <p:sp>
         <p:nvSpPr>
-          <p:cNvPr id="6" name="Slide Number Placeholder 5"/>
+          <p:cNvPr id="6" name="Slide Number Placeholder 5">
+            <a:extLst>
+              <a:ext uri="{FF2B5EF4-FFF2-40B4-BE49-F238E27FC236}">
+                <a16:creationId xmlns:a16="http://schemas.microsoft.com/office/drawing/2014/main" id="{561B80D3-3F43-4A87-9C15-71C832FF3BFA}"/>
+              </a:ext>
+            </a:extLst>
+          </p:cNvPr>
           <p:cNvSpPr>
             <a:spLocks noGrp="1"/>
           </p:cNvSpPr>
@@ -486,7 +1012,7 @@
           <a:bodyPr/>
           <a:lstStyle/>
           <a:p>
-            <a:fld id="{01664375-08C4-E446-96F3-215B15599011}" type="slidenum">
+            <a:fld id="{1FC777CD-ADC4-4F11-8CC1-1A948A4BD01A}" type="slidenum">
               <a:rPr lang="en-US" smtClean="0"/>
               <a:t>‹#›</a:t>
             </a:fld>
@@ -497,7 +1023,7 @@
     </p:spTree>
     <p:extLst>
       <p:ext uri="{BB962C8B-B14F-4D97-AF65-F5344CB8AC3E}">
-        <p14:creationId xmlns:p14="http://schemas.microsoft.com/office/powerpoint/2010/main" val="1071103766"/>
+        <p14:creationId xmlns:p14="http://schemas.microsoft.com/office/powerpoint/2010/main" val="330133935"/>
       </p:ext>
     </p:extLst>
   </p:cSld>
@@ -526,7 +1052,13 @@
       </p:grpSpPr>
       <p:sp>
         <p:nvSpPr>
-          <p:cNvPr id="2" name="Vertical Title 1"/>
+          <p:cNvPr id="2" name="Vertical Title 1">
+            <a:extLst>
+              <a:ext uri="{FF2B5EF4-FFF2-40B4-BE49-F238E27FC236}">
+                <a16:creationId xmlns:a16="http://schemas.microsoft.com/office/drawing/2014/main" id="{717EE649-793E-487E-B0D8-23B3753494C4}"/>
+              </a:ext>
+            </a:extLst>
+          </p:cNvPr>
           <p:cNvSpPr>
             <a:spLocks noGrp="1"/>
           </p:cNvSpPr>
@@ -536,8 +1068,8 @@
         </p:nvSpPr>
         <p:spPr>
           <a:xfrm>
-            <a:off x="6489834" y="937260"/>
-            <a:ext cx="1053966" cy="4983480"/>
+            <a:off x="8724900" y="365125"/>
+            <a:ext cx="2628900" cy="5811838"/>
           </a:xfrm>
         </p:spPr>
         <p:txBody>
@@ -548,13 +1080,18 @@
               <a:rPr lang="en-US"/>
               <a:t>Click to edit Master title style</a:t>
             </a:r>
-            <a:endParaRPr lang="en-US" dirty="0"/>
-          </a:p>
-        </p:txBody>
-      </p:sp>
-      <p:sp>
-        <p:nvSpPr>
-          <p:cNvPr id="3" name="Vertical Text Placeholder 2"/>
+          </a:p>
+        </p:txBody>
+      </p:sp>
+      <p:sp>
+        <p:nvSpPr>
+          <p:cNvPr id="3" name="Vertical Text Placeholder 2">
+            <a:extLst>
+              <a:ext uri="{FF2B5EF4-FFF2-40B4-BE49-F238E27FC236}">
+                <a16:creationId xmlns:a16="http://schemas.microsoft.com/office/drawing/2014/main" id="{1B6CB4A8-6849-4BEE-8FEA-8F8C1FA8B5B6}"/>
+              </a:ext>
+            </a:extLst>
+          </p:cNvPr>
           <p:cNvSpPr>
             <a:spLocks noGrp="1"/>
           </p:cNvSpPr>
@@ -564,8 +1101,8 @@
         </p:nvSpPr>
         <p:spPr>
           <a:xfrm>
-            <a:off x="1606046" y="937260"/>
-            <a:ext cx="4716174" cy="4983480"/>
+            <a:off x="838200" y="365125"/>
+            <a:ext cx="7734300" cy="5811838"/>
           </a:xfrm>
         </p:spPr>
         <p:txBody>
@@ -605,13 +1142,18 @@
               <a:rPr lang="en-US"/>
               <a:t>Fifth level</a:t>
             </a:r>
-            <a:endParaRPr lang="en-US" dirty="0"/>
-          </a:p>
-        </p:txBody>
-      </p:sp>
-      <p:sp>
-        <p:nvSpPr>
-          <p:cNvPr id="4" name="Date Placeholder 3"/>
+          </a:p>
+        </p:txBody>
+      </p:sp>
+      <p:sp>
+        <p:nvSpPr>
+          <p:cNvPr id="4" name="Date Placeholder 3">
+            <a:extLst>
+              <a:ext uri="{FF2B5EF4-FFF2-40B4-BE49-F238E27FC236}">
+                <a16:creationId xmlns:a16="http://schemas.microsoft.com/office/drawing/2014/main" id="{F2D3B8AC-7F97-4C3E-BB29-DACA9DC71942}"/>
+              </a:ext>
+            </a:extLst>
+          </p:cNvPr>
           <p:cNvSpPr>
             <a:spLocks noGrp="1"/>
           </p:cNvSpPr>
@@ -624,9 +1166,9 @@
           <a:bodyPr/>
           <a:lstStyle/>
           <a:p>
-            <a:fld id="{03FE0420-AA6B-9D43-AA96-60D025E4BB5F}" type="datetimeFigureOut">
+            <a:fld id="{8BE1A983-4509-40B3-A213-C192E79F7B9E}" type="datetimeFigureOut">
               <a:rPr lang="en-US" smtClean="0"/>
-              <a:t>3/6/2018</a:t>
+              <a:t>3/7/2018</a:t>
             </a:fld>
             <a:endParaRPr lang="en-US"/>
           </a:p>
@@ -634,7 +1176,13 @@
       </p:sp>
       <p:sp>
         <p:nvSpPr>
-          <p:cNvPr id="5" name="Footer Placeholder 4"/>
+          <p:cNvPr id="5" name="Footer Placeholder 4">
+            <a:extLst>
+              <a:ext uri="{FF2B5EF4-FFF2-40B4-BE49-F238E27FC236}">
+                <a16:creationId xmlns:a16="http://schemas.microsoft.com/office/drawing/2014/main" id="{E9520CA6-9D23-4288-87C7-ACB60A6A2B39}"/>
+              </a:ext>
+            </a:extLst>
+          </p:cNvPr>
           <p:cNvSpPr>
             <a:spLocks noGrp="1"/>
           </p:cNvSpPr>
@@ -653,7 +1201,13 @@
       </p:sp>
       <p:sp>
         <p:nvSpPr>
-          <p:cNvPr id="6" name="Slide Number Placeholder 5"/>
+          <p:cNvPr id="6" name="Slide Number Placeholder 5">
+            <a:extLst>
+              <a:ext uri="{FF2B5EF4-FFF2-40B4-BE49-F238E27FC236}">
+                <a16:creationId xmlns:a16="http://schemas.microsoft.com/office/drawing/2014/main" id="{33055825-56C7-467B-82EB-C98EF7080C9A}"/>
+              </a:ext>
+            </a:extLst>
+          </p:cNvPr>
           <p:cNvSpPr>
             <a:spLocks noGrp="1"/>
           </p:cNvSpPr>
@@ -666,7 +1220,7 @@
           <a:bodyPr/>
           <a:lstStyle/>
           <a:p>
-            <a:fld id="{01664375-08C4-E446-96F3-215B15599011}" type="slidenum">
+            <a:fld id="{1FC777CD-ADC4-4F11-8CC1-1A948A4BD01A}" type="slidenum">
               <a:rPr lang="en-US" smtClean="0"/>
               <a:t>‹#›</a:t>
             </a:fld>
@@ -677,7 +1231,7 @@
     </p:spTree>
     <p:extLst>
       <p:ext uri="{BB962C8B-B14F-4D97-AF65-F5344CB8AC3E}">
-        <p14:creationId xmlns:p14="http://schemas.microsoft.com/office/powerpoint/2010/main" val="1873685842"/>
+        <p14:creationId xmlns:p14="http://schemas.microsoft.com/office/powerpoint/2010/main" val="1089253728"/>
       </p:ext>
     </p:extLst>
   </p:cSld>
@@ -706,7 +1260,13 @@
       </p:grpSpPr>
       <p:sp>
         <p:nvSpPr>
-          <p:cNvPr id="2" name="Title 1"/>
+          <p:cNvPr id="2" name="Title 1">
+            <a:extLst>
+              <a:ext uri="{FF2B5EF4-FFF2-40B4-BE49-F238E27FC236}">
+                <a16:creationId xmlns:a16="http://schemas.microsoft.com/office/drawing/2014/main" id="{75D86F58-6A4F-4D8D-A307-05B4F0E51117}"/>
+              </a:ext>
+            </a:extLst>
+          </p:cNvPr>
           <p:cNvSpPr>
             <a:spLocks noGrp="1"/>
           </p:cNvSpPr>
@@ -723,13 +1283,18 @@
               <a:rPr lang="en-US"/>
               <a:t>Click to edit Master title style</a:t>
             </a:r>
-            <a:endParaRPr lang="en-US" dirty="0"/>
-          </a:p>
-        </p:txBody>
-      </p:sp>
-      <p:sp>
-        <p:nvSpPr>
-          <p:cNvPr id="3" name="Content Placeholder 2"/>
+          </a:p>
+        </p:txBody>
+      </p:sp>
+      <p:sp>
+        <p:nvSpPr>
+          <p:cNvPr id="3" name="Content Placeholder 2">
+            <a:extLst>
+              <a:ext uri="{FF2B5EF4-FFF2-40B4-BE49-F238E27FC236}">
+                <a16:creationId xmlns:a16="http://schemas.microsoft.com/office/drawing/2014/main" id="{62A38E55-3725-483F-A08E-F029DDAC880E}"/>
+              </a:ext>
+            </a:extLst>
+          </p:cNvPr>
           <p:cNvSpPr>
             <a:spLocks noGrp="1"/>
           </p:cNvSpPr>
@@ -775,13 +1340,18 @@
               <a:rPr lang="en-US"/>
               <a:t>Fifth level</a:t>
             </a:r>
-            <a:endParaRPr lang="en-US" dirty="0"/>
-          </a:p>
-        </p:txBody>
-      </p:sp>
-      <p:sp>
-        <p:nvSpPr>
-          <p:cNvPr id="7" name="Date Placeholder 6"/>
+          </a:p>
+        </p:txBody>
+      </p:sp>
+      <p:sp>
+        <p:nvSpPr>
+          <p:cNvPr id="4" name="Date Placeholder 3">
+            <a:extLst>
+              <a:ext uri="{FF2B5EF4-FFF2-40B4-BE49-F238E27FC236}">
+                <a16:creationId xmlns:a16="http://schemas.microsoft.com/office/drawing/2014/main" id="{469C66C1-060A-40C0-8724-7539EB17E9FB}"/>
+              </a:ext>
+            </a:extLst>
+          </p:cNvPr>
           <p:cNvSpPr>
             <a:spLocks noGrp="1"/>
           </p:cNvSpPr>
@@ -794,9 +1364,9 @@
           <a:bodyPr/>
           <a:lstStyle/>
           <a:p>
-            <a:fld id="{03FE0420-AA6B-9D43-AA96-60D025E4BB5F}" type="datetimeFigureOut">
+            <a:fld id="{8BE1A983-4509-40B3-A213-C192E79F7B9E}" type="datetimeFigureOut">
               <a:rPr lang="en-US" smtClean="0"/>
-              <a:t>3/6/2018</a:t>
+              <a:t>3/7/2018</a:t>
             </a:fld>
             <a:endParaRPr lang="en-US"/>
           </a:p>
@@ -804,7 +1374,13 @@
       </p:sp>
       <p:sp>
         <p:nvSpPr>
-          <p:cNvPr id="8" name="Footer Placeholder 7"/>
+          <p:cNvPr id="5" name="Footer Placeholder 4">
+            <a:extLst>
+              <a:ext uri="{FF2B5EF4-FFF2-40B4-BE49-F238E27FC236}">
+                <a16:creationId xmlns:a16="http://schemas.microsoft.com/office/drawing/2014/main" id="{0847F5A1-5830-43C6-9D7D-AE84A79152E1}"/>
+              </a:ext>
+            </a:extLst>
+          </p:cNvPr>
           <p:cNvSpPr>
             <a:spLocks noGrp="1"/>
           </p:cNvSpPr>
@@ -823,7 +1399,13 @@
       </p:sp>
       <p:sp>
         <p:nvSpPr>
-          <p:cNvPr id="9" name="Slide Number Placeholder 8"/>
+          <p:cNvPr id="6" name="Slide Number Placeholder 5">
+            <a:extLst>
+              <a:ext uri="{FF2B5EF4-FFF2-40B4-BE49-F238E27FC236}">
+                <a16:creationId xmlns:a16="http://schemas.microsoft.com/office/drawing/2014/main" id="{9A010920-51BA-4471-A023-B4720B4D04E7}"/>
+              </a:ext>
+            </a:extLst>
+          </p:cNvPr>
           <p:cNvSpPr>
             <a:spLocks noGrp="1"/>
           </p:cNvSpPr>
@@ -836,7 +1418,7 @@
           <a:bodyPr/>
           <a:lstStyle/>
           <a:p>
-            <a:fld id="{01664375-08C4-E446-96F3-215B15599011}" type="slidenum">
+            <a:fld id="{1FC777CD-ADC4-4F11-8CC1-1A948A4BD01A}" type="slidenum">
               <a:rPr lang="en-US" smtClean="0"/>
               <a:t>‹#›</a:t>
             </a:fld>
@@ -847,7 +1429,7 @@
     </p:spTree>
     <p:extLst>
       <p:ext uri="{BB962C8B-B14F-4D97-AF65-F5344CB8AC3E}">
-        <p14:creationId xmlns:p14="http://schemas.microsoft.com/office/powerpoint/2010/main" val="4228169380"/>
+        <p14:creationId xmlns:p14="http://schemas.microsoft.com/office/powerpoint/2010/main" val="3268363586"/>
       </p:ext>
     </p:extLst>
   </p:cSld>
@@ -876,7 +1458,13 @@
       </p:grpSpPr>
       <p:sp>
         <p:nvSpPr>
-          <p:cNvPr id="2" name="Title 1"/>
+          <p:cNvPr id="2" name="Title 1">
+            <a:extLst>
+              <a:ext uri="{FF2B5EF4-FFF2-40B4-BE49-F238E27FC236}">
+                <a16:creationId xmlns:a16="http://schemas.microsoft.com/office/drawing/2014/main" id="{FFE467ED-2605-4D90-9297-5F6D13903DD2}"/>
+              </a:ext>
+            </a:extLst>
+          </p:cNvPr>
           <p:cNvSpPr>
             <a:spLocks noGrp="1"/>
           </p:cNvSpPr>
@@ -886,29 +1474,15 @@
         </p:nvSpPr>
         <p:spPr>
           <a:xfrm>
-            <a:off x="1106424" y="2386744"/>
-            <a:ext cx="6940296" cy="1645920"/>
+            <a:off x="831850" y="1709738"/>
+            <a:ext cx="10515600" cy="2852737"/>
           </a:xfrm>
-          <a:solidFill>
-            <a:srgbClr val="FFFFFF"/>
-          </a:solidFill>
-          <a:ln w="38100">
-            <a:solidFill>
-              <a:srgbClr val="404040"/>
-            </a:solidFill>
-          </a:ln>
         </p:spPr>
         <p:txBody>
-          <a:bodyPr lIns="274320" rIns="274320" anchor="ctr" anchorCtr="1">
-            <a:normAutofit/>
-          </a:bodyPr>
+          <a:bodyPr anchor="b"/>
           <a:lstStyle>
             <a:lvl1pPr>
-              <a:defRPr sz="3500">
-                <a:solidFill>
-                  <a:srgbClr val="262626"/>
-                </a:solidFill>
-              </a:defRPr>
+              <a:defRPr sz="6000"/>
             </a:lvl1pPr>
           </a:lstStyle>
           <a:p>
@@ -916,13 +1490,18 @@
               <a:rPr lang="en-US"/>
               <a:t>Click to edit Master title style</a:t>
             </a:r>
-            <a:endParaRPr lang="en-US" dirty="0"/>
-          </a:p>
-        </p:txBody>
-      </p:sp>
-      <p:sp>
-        <p:nvSpPr>
-          <p:cNvPr id="3" name="Text Placeholder 2"/>
+          </a:p>
+        </p:txBody>
+      </p:sp>
+      <p:sp>
+        <p:nvSpPr>
+          <p:cNvPr id="3" name="Text Placeholder 2">
+            <a:extLst>
+              <a:ext uri="{FF2B5EF4-FFF2-40B4-BE49-F238E27FC236}">
+                <a16:creationId xmlns:a16="http://schemas.microsoft.com/office/drawing/2014/main" id="{2D925791-681E-478D-AF46-AB6932A4F0B3}"/>
+              </a:ext>
+            </a:extLst>
+          </p:cNvPr>
           <p:cNvSpPr>
             <a:spLocks noGrp="1"/>
           </p:cNvSpPr>
@@ -932,26 +1511,26 @@
         </p:nvSpPr>
         <p:spPr>
           <a:xfrm>
-            <a:off x="2021396" y="4352465"/>
-            <a:ext cx="5101209" cy="1265082"/>
+            <a:off x="831850" y="4589463"/>
+            <a:ext cx="10515600" cy="1500187"/>
           </a:xfrm>
         </p:spPr>
         <p:txBody>
-          <a:bodyPr anchor="t" anchorCtr="1">
-            <a:normAutofit/>
-          </a:bodyPr>
+          <a:bodyPr/>
           <a:lstStyle>
             <a:lvl1pPr marL="0" indent="0">
               <a:buNone/>
-              <a:defRPr sz="1900">
+              <a:defRPr sz="2400">
                 <a:solidFill>
-                  <a:schemeClr val="tx1"/>
+                  <a:schemeClr val="tx1">
+                    <a:tint val="75000"/>
+                  </a:schemeClr>
                 </a:solidFill>
               </a:defRPr>
             </a:lvl1pPr>
             <a:lvl2pPr marL="457200" indent="0">
               <a:buNone/>
-              <a:defRPr sz="1900">
+              <a:defRPr sz="2000">
                 <a:solidFill>
                   <a:schemeClr val="tx1">
                     <a:tint val="75000"/>
@@ -1041,7 +1620,13 @@
       </p:sp>
       <p:sp>
         <p:nvSpPr>
-          <p:cNvPr id="7" name="Date Placeholder 6"/>
+          <p:cNvPr id="4" name="Date Placeholder 3">
+            <a:extLst>
+              <a:ext uri="{FF2B5EF4-FFF2-40B4-BE49-F238E27FC236}">
+                <a16:creationId xmlns:a16="http://schemas.microsoft.com/office/drawing/2014/main" id="{B665B6EB-711B-482B-AC4D-CA936C39FEC6}"/>
+              </a:ext>
+            </a:extLst>
+          </p:cNvPr>
           <p:cNvSpPr>
             <a:spLocks noGrp="1"/>
           </p:cNvSpPr>
@@ -1054,9 +1639,9 @@
           <a:bodyPr/>
           <a:lstStyle/>
           <a:p>
-            <a:fld id="{03FE0420-AA6B-9D43-AA96-60D025E4BB5F}" type="datetimeFigureOut">
+            <a:fld id="{8BE1A983-4509-40B3-A213-C192E79F7B9E}" type="datetimeFigureOut">
               <a:rPr lang="en-US" smtClean="0"/>
-              <a:t>3/6/2018</a:t>
+              <a:t>3/7/2018</a:t>
             </a:fld>
             <a:endParaRPr lang="en-US"/>
           </a:p>
@@ -1064,7 +1649,13 @@
       </p:sp>
       <p:sp>
         <p:nvSpPr>
-          <p:cNvPr id="8" name="Footer Placeholder 7"/>
+          <p:cNvPr id="5" name="Footer Placeholder 4">
+            <a:extLst>
+              <a:ext uri="{FF2B5EF4-FFF2-40B4-BE49-F238E27FC236}">
+                <a16:creationId xmlns:a16="http://schemas.microsoft.com/office/drawing/2014/main" id="{E31A5F03-746F-4B81-AF5B-3C61A9CE0EAB}"/>
+              </a:ext>
+            </a:extLst>
+          </p:cNvPr>
           <p:cNvSpPr>
             <a:spLocks noGrp="1"/>
           </p:cNvSpPr>
@@ -1083,7 +1674,13 @@
       </p:sp>
       <p:sp>
         <p:nvSpPr>
-          <p:cNvPr id="9" name="Slide Number Placeholder 8"/>
+          <p:cNvPr id="6" name="Slide Number Placeholder 5">
+            <a:extLst>
+              <a:ext uri="{FF2B5EF4-FFF2-40B4-BE49-F238E27FC236}">
+                <a16:creationId xmlns:a16="http://schemas.microsoft.com/office/drawing/2014/main" id="{40BC6852-A480-4CC3-8E4E-62DA779F95F0}"/>
+              </a:ext>
+            </a:extLst>
+          </p:cNvPr>
           <p:cNvSpPr>
             <a:spLocks noGrp="1"/>
           </p:cNvSpPr>
@@ -1096,7 +1693,7 @@
           <a:bodyPr/>
           <a:lstStyle/>
           <a:p>
-            <a:fld id="{01664375-08C4-E446-96F3-215B15599011}" type="slidenum">
+            <a:fld id="{1FC777CD-ADC4-4F11-8CC1-1A948A4BD01A}" type="slidenum">
               <a:rPr lang="en-US" smtClean="0"/>
               <a:t>‹#›</a:t>
             </a:fld>
@@ -1107,7 +1704,7 @@
     </p:spTree>
     <p:extLst>
       <p:ext uri="{BB962C8B-B14F-4D97-AF65-F5344CB8AC3E}">
-        <p14:creationId xmlns:p14="http://schemas.microsoft.com/office/powerpoint/2010/main" val="892602252"/>
+        <p14:creationId xmlns:p14="http://schemas.microsoft.com/office/powerpoint/2010/main" val="1565297280"/>
       </p:ext>
     </p:extLst>
   </p:cSld>
@@ -1136,7 +1733,13 @@
       </p:grpSpPr>
       <p:sp>
         <p:nvSpPr>
-          <p:cNvPr id="2" name="Title 1"/>
+          <p:cNvPr id="2" name="Title 1">
+            <a:extLst>
+              <a:ext uri="{FF2B5EF4-FFF2-40B4-BE49-F238E27FC236}">
+                <a16:creationId xmlns:a16="http://schemas.microsoft.com/office/drawing/2014/main" id="{C7F21A4A-76D2-4ECA-B9C4-E5057EBBEDDC}"/>
+              </a:ext>
+            </a:extLst>
+          </p:cNvPr>
           <p:cNvSpPr>
             <a:spLocks noGrp="1"/>
           </p:cNvSpPr>
@@ -1153,13 +1756,18 @@
               <a:rPr lang="en-US"/>
               <a:t>Click to edit Master title style</a:t>
             </a:r>
-            <a:endParaRPr lang="en-US" dirty="0"/>
-          </a:p>
-        </p:txBody>
-      </p:sp>
-      <p:sp>
-        <p:nvSpPr>
-          <p:cNvPr id="3" name="Content Placeholder 2"/>
+          </a:p>
+        </p:txBody>
+      </p:sp>
+      <p:sp>
+        <p:nvSpPr>
+          <p:cNvPr id="3" name="Content Placeholder 2">
+            <a:extLst>
+              <a:ext uri="{FF2B5EF4-FFF2-40B4-BE49-F238E27FC236}">
+                <a16:creationId xmlns:a16="http://schemas.microsoft.com/office/drawing/2014/main" id="{799C5928-155B-4033-8442-70DB71E00FBA}"/>
+              </a:ext>
+            </a:extLst>
+          </p:cNvPr>
           <p:cNvSpPr>
             <a:spLocks noGrp="1"/>
           </p:cNvSpPr>
@@ -1169,8 +1777,8 @@
         </p:nvSpPr>
         <p:spPr>
           <a:xfrm>
-            <a:off x="1102239" y="2638044"/>
-            <a:ext cx="3288023" cy="3101982"/>
+            <a:off x="838200" y="1825625"/>
+            <a:ext cx="5181600" cy="4351338"/>
           </a:xfrm>
         </p:spPr>
         <p:txBody>
@@ -1210,13 +1818,18 @@
               <a:rPr lang="en-US"/>
               <a:t>Fifth level</a:t>
             </a:r>
-            <a:endParaRPr lang="en-US" dirty="0"/>
-          </a:p>
-        </p:txBody>
-      </p:sp>
-      <p:sp>
-        <p:nvSpPr>
-          <p:cNvPr id="4" name="Content Placeholder 3"/>
+          </a:p>
+        </p:txBody>
+      </p:sp>
+      <p:sp>
+        <p:nvSpPr>
+          <p:cNvPr id="4" name="Content Placeholder 3">
+            <a:extLst>
+              <a:ext uri="{FF2B5EF4-FFF2-40B4-BE49-F238E27FC236}">
+                <a16:creationId xmlns:a16="http://schemas.microsoft.com/office/drawing/2014/main" id="{F7D2B532-9EE8-4918-82AE-240D8D878963}"/>
+              </a:ext>
+            </a:extLst>
+          </p:cNvPr>
           <p:cNvSpPr>
             <a:spLocks noGrp="1"/>
           </p:cNvSpPr>
@@ -1226,8 +1839,8 @@
         </p:nvSpPr>
         <p:spPr>
           <a:xfrm>
-            <a:off x="4753737" y="2638044"/>
-            <a:ext cx="3290516" cy="3101982"/>
+            <a:off x="6172200" y="1825625"/>
+            <a:ext cx="5181600" cy="4351338"/>
           </a:xfrm>
         </p:spPr>
         <p:txBody>
@@ -1267,13 +1880,18 @@
               <a:rPr lang="en-US"/>
               <a:t>Fifth level</a:t>
             </a:r>
-            <a:endParaRPr lang="en-US" dirty="0"/>
-          </a:p>
-        </p:txBody>
-      </p:sp>
-      <p:sp>
-        <p:nvSpPr>
-          <p:cNvPr id="8" name="Date Placeholder 7"/>
+          </a:p>
+        </p:txBody>
+      </p:sp>
+      <p:sp>
+        <p:nvSpPr>
+          <p:cNvPr id="5" name="Date Placeholder 4">
+            <a:extLst>
+              <a:ext uri="{FF2B5EF4-FFF2-40B4-BE49-F238E27FC236}">
+                <a16:creationId xmlns:a16="http://schemas.microsoft.com/office/drawing/2014/main" id="{78C475D5-8576-43C0-85C9-FC0F1E41C04C}"/>
+              </a:ext>
+            </a:extLst>
+          </p:cNvPr>
           <p:cNvSpPr>
             <a:spLocks noGrp="1"/>
           </p:cNvSpPr>
@@ -1286,9 +1904,9 @@
           <a:bodyPr/>
           <a:lstStyle/>
           <a:p>
-            <a:fld id="{03FE0420-AA6B-9D43-AA96-60D025E4BB5F}" type="datetimeFigureOut">
+            <a:fld id="{8BE1A983-4509-40B3-A213-C192E79F7B9E}" type="datetimeFigureOut">
               <a:rPr lang="en-US" smtClean="0"/>
-              <a:t>3/6/2018</a:t>
+              <a:t>3/7/2018</a:t>
             </a:fld>
             <a:endParaRPr lang="en-US"/>
           </a:p>
@@ -1296,7 +1914,13 @@
       </p:sp>
       <p:sp>
         <p:nvSpPr>
-          <p:cNvPr id="9" name="Footer Placeholder 8"/>
+          <p:cNvPr id="6" name="Footer Placeholder 5">
+            <a:extLst>
+              <a:ext uri="{FF2B5EF4-FFF2-40B4-BE49-F238E27FC236}">
+                <a16:creationId xmlns:a16="http://schemas.microsoft.com/office/drawing/2014/main" id="{D4DCA0C8-0F9A-4CDA-BD15-EF2402B0A76C}"/>
+              </a:ext>
+            </a:extLst>
+          </p:cNvPr>
           <p:cNvSpPr>
             <a:spLocks noGrp="1"/>
           </p:cNvSpPr>
@@ -1315,7 +1939,13 @@
       </p:sp>
       <p:sp>
         <p:nvSpPr>
-          <p:cNvPr id="10" name="Slide Number Placeholder 9"/>
+          <p:cNvPr id="7" name="Slide Number Placeholder 6">
+            <a:extLst>
+              <a:ext uri="{FF2B5EF4-FFF2-40B4-BE49-F238E27FC236}">
+                <a16:creationId xmlns:a16="http://schemas.microsoft.com/office/drawing/2014/main" id="{732AEBF0-1CDC-466B-AA69-7AEE6B29920E}"/>
+              </a:ext>
+            </a:extLst>
+          </p:cNvPr>
           <p:cNvSpPr>
             <a:spLocks noGrp="1"/>
           </p:cNvSpPr>
@@ -1328,7 +1958,7 @@
           <a:bodyPr/>
           <a:lstStyle/>
           <a:p>
-            <a:fld id="{01664375-08C4-E446-96F3-215B15599011}" type="slidenum">
+            <a:fld id="{1FC777CD-ADC4-4F11-8CC1-1A948A4BD01A}" type="slidenum">
               <a:rPr lang="en-US" smtClean="0"/>
               <a:t>‹#›</a:t>
             </a:fld>
@@ -1339,7 +1969,7 @@
     </p:spTree>
     <p:extLst>
       <p:ext uri="{BB962C8B-B14F-4D97-AF65-F5344CB8AC3E}">
-        <p14:creationId xmlns:p14="http://schemas.microsoft.com/office/powerpoint/2010/main" val="1100476338"/>
+        <p14:creationId xmlns:p14="http://schemas.microsoft.com/office/powerpoint/2010/main" val="3881020533"/>
       </p:ext>
     </p:extLst>
   </p:cSld>
@@ -1368,36 +1998,69 @@
       </p:grpSpPr>
       <p:sp>
         <p:nvSpPr>
-          <p:cNvPr id="3" name="Text Placeholder 2"/>
-          <p:cNvSpPr>
-            <a:spLocks noGrp="1"/>
-          </p:cNvSpPr>
-          <p:nvPr>
-            <p:ph type="body" idx="1"/>
+          <p:cNvPr id="2" name="Title 1">
+            <a:extLst>
+              <a:ext uri="{FF2B5EF4-FFF2-40B4-BE49-F238E27FC236}">
+                <a16:creationId xmlns:a16="http://schemas.microsoft.com/office/drawing/2014/main" id="{EE9834D3-2455-49D8-9715-BE8814B2E660}"/>
+              </a:ext>
+            </a:extLst>
+          </p:cNvPr>
+          <p:cNvSpPr>
+            <a:spLocks noGrp="1"/>
+          </p:cNvSpPr>
+          <p:nvPr>
+            <p:ph type="title"/>
           </p:nvPr>
         </p:nvSpPr>
         <p:spPr>
           <a:xfrm>
-            <a:off x="1102239" y="2313434"/>
-            <a:ext cx="3288024" cy="704087"/>
+            <a:off x="839788" y="365125"/>
+            <a:ext cx="10515600" cy="1325563"/>
           </a:xfrm>
         </p:spPr>
         <p:txBody>
-          <a:bodyPr anchor="b" anchorCtr="1">
-            <a:normAutofit/>
-          </a:bodyPr>
+          <a:bodyPr/>
+          <a:lstStyle/>
+          <a:p>
+            <a:r>
+              <a:rPr lang="en-US"/>
+              <a:t>Click to edit Master title style</a:t>
+            </a:r>
+          </a:p>
+        </p:txBody>
+      </p:sp>
+      <p:sp>
+        <p:nvSpPr>
+          <p:cNvPr id="3" name="Text Placeholder 2">
+            <a:extLst>
+              <a:ext uri="{FF2B5EF4-FFF2-40B4-BE49-F238E27FC236}">
+                <a16:creationId xmlns:a16="http://schemas.microsoft.com/office/drawing/2014/main" id="{C4E8CF37-60CF-4424-A803-86812508B8B6}"/>
+              </a:ext>
+            </a:extLst>
+          </p:cNvPr>
+          <p:cNvSpPr>
+            <a:spLocks noGrp="1"/>
+          </p:cNvSpPr>
+          <p:nvPr>
+            <p:ph type="body" idx="1"/>
+          </p:nvPr>
+        </p:nvSpPr>
+        <p:spPr>
+          <a:xfrm>
+            <a:off x="839788" y="1681163"/>
+            <a:ext cx="5157787" cy="823912"/>
+          </a:xfrm>
+        </p:spPr>
+        <p:txBody>
+          <a:bodyPr anchor="b"/>
           <a:lstStyle>
-            <a:lvl1pPr marL="0" indent="0" algn="ctr">
+            <a:lvl1pPr marL="0" indent="0">
               <a:buNone/>
-              <a:defRPr sz="1900" b="0" cap="all" spc="100" baseline="0">
-                <a:solidFill>
-                  <a:schemeClr val="tx2"/>
-                </a:solidFill>
-              </a:defRPr>
+              <a:defRPr sz="2400" b="1"/>
             </a:lvl1pPr>
             <a:lvl2pPr marL="457200" indent="0">
               <a:buNone/>
-              <a:defRPr sz="1900" b="1"/>
+              <a:defRPr sz="2000" b="1"/>
             </a:lvl2pPr>
             <a:lvl3pPr marL="914400" indent="0">
               <a:buNone/>
@@ -1439,7 +2102,13 @@
       </p:sp>
       <p:sp>
         <p:nvSpPr>
-          <p:cNvPr id="4" name="Content Placeholder 3"/>
+          <p:cNvPr id="4" name="Content Placeholder 3">
+            <a:extLst>
+              <a:ext uri="{FF2B5EF4-FFF2-40B4-BE49-F238E27FC236}">
+                <a16:creationId xmlns:a16="http://schemas.microsoft.com/office/drawing/2014/main" id="{BC4A09ED-F090-415F-9F00-4330CDEA0DF5}"/>
+              </a:ext>
+            </a:extLst>
+          </p:cNvPr>
           <p:cNvSpPr>
             <a:spLocks noGrp="1"/>
           </p:cNvSpPr>
@@ -1449,8 +2118,8 @@
         </p:nvSpPr>
         <p:spPr>
           <a:xfrm>
-            <a:off x="1102239" y="3143250"/>
-            <a:ext cx="3288024" cy="2596776"/>
+            <a:off x="839788" y="2505075"/>
+            <a:ext cx="5157787" cy="3684588"/>
           </a:xfrm>
         </p:spPr>
         <p:txBody>
@@ -1490,103 +2159,41 @@
               <a:rPr lang="en-US"/>
               <a:t>Fifth level</a:t>
             </a:r>
-            <a:endParaRPr lang="en-US" dirty="0"/>
-          </a:p>
-        </p:txBody>
-      </p:sp>
-      <p:sp>
-        <p:nvSpPr>
-          <p:cNvPr id="6" name="Content Placeholder 5"/>
-          <p:cNvSpPr>
-            <a:spLocks noGrp="1"/>
-          </p:cNvSpPr>
-          <p:nvPr>
-            <p:ph sz="quarter" idx="4"/>
+          </a:p>
+        </p:txBody>
+      </p:sp>
+      <p:sp>
+        <p:nvSpPr>
+          <p:cNvPr id="5" name="Text Placeholder 4">
+            <a:extLst>
+              <a:ext uri="{FF2B5EF4-FFF2-40B4-BE49-F238E27FC236}">
+                <a16:creationId xmlns:a16="http://schemas.microsoft.com/office/drawing/2014/main" id="{C3F22808-B64E-4AB7-ACE4-77E3DCED3B48}"/>
+              </a:ext>
+            </a:extLst>
+          </p:cNvPr>
+          <p:cNvSpPr>
+            <a:spLocks noGrp="1"/>
+          </p:cNvSpPr>
+          <p:nvPr>
+            <p:ph type="body" sz="quarter" idx="3"/>
           </p:nvPr>
         </p:nvSpPr>
         <p:spPr>
           <a:xfrm>
-            <a:off x="4753737" y="3143250"/>
-            <a:ext cx="3290516" cy="2596776"/>
+            <a:off x="6172200" y="1681163"/>
+            <a:ext cx="5183188" cy="823912"/>
           </a:xfrm>
         </p:spPr>
         <p:txBody>
-          <a:bodyPr/>
+          <a:bodyPr anchor="b"/>
           <a:lstStyle>
-            <a:lvl5pPr>
-              <a:defRPr/>
-            </a:lvl5pPr>
-          </a:lstStyle>
-          <a:p>
-            <a:pPr lvl="0"/>
-            <a:r>
-              <a:rPr lang="en-US"/>
-              <a:t>Edit Master text styles</a:t>
-            </a:r>
-          </a:p>
-          <a:p>
-            <a:pPr lvl="1"/>
-            <a:r>
-              <a:rPr lang="en-US"/>
-              <a:t>Second level</a:t>
-            </a:r>
-          </a:p>
-          <a:p>
-            <a:pPr lvl="2"/>
-            <a:r>
-              <a:rPr lang="en-US"/>
-              <a:t>Third level</a:t>
-            </a:r>
-          </a:p>
-          <a:p>
-            <a:pPr lvl="3"/>
-            <a:r>
-              <a:rPr lang="en-US"/>
-              <a:t>Fourth level</a:t>
-            </a:r>
-          </a:p>
-          <a:p>
-            <a:pPr lvl="4"/>
-            <a:r>
-              <a:rPr lang="en-US"/>
-              <a:t>Fifth level</a:t>
-            </a:r>
-            <a:endParaRPr lang="en-US" dirty="0"/>
-          </a:p>
-        </p:txBody>
-      </p:sp>
-      <p:sp>
-        <p:nvSpPr>
-          <p:cNvPr id="11" name="Text Placeholder 4"/>
-          <p:cNvSpPr>
-            <a:spLocks noGrp="1"/>
-          </p:cNvSpPr>
-          <p:nvPr>
-            <p:ph type="body" sz="quarter" idx="13"/>
-          </p:nvPr>
-        </p:nvSpPr>
-        <p:spPr>
-          <a:xfrm>
-            <a:off x="4753737" y="2313434"/>
-            <a:ext cx="3290516" cy="704087"/>
-          </a:xfrm>
-        </p:spPr>
-        <p:txBody>
-          <a:bodyPr anchor="b" anchorCtr="1">
-            <a:normAutofit/>
-          </a:bodyPr>
-          <a:lstStyle>
-            <a:lvl1pPr marL="0" indent="0" algn="ctr">
+            <a:lvl1pPr marL="0" indent="0">
               <a:buNone/>
-              <a:defRPr sz="1900" b="0" cap="all" spc="100" baseline="0">
-                <a:solidFill>
-                  <a:schemeClr val="tx2"/>
-                </a:solidFill>
-              </a:defRPr>
+              <a:defRPr sz="2400" b="1"/>
             </a:lvl1pPr>
             <a:lvl2pPr marL="457200" indent="0">
               <a:buNone/>
-              <a:defRPr sz="1900" b="1"/>
+              <a:defRPr sz="2000" b="1"/>
             </a:lvl2pPr>
             <a:lvl3pPr marL="914400" indent="0">
               <a:buNone/>
@@ -1628,7 +2235,75 @@
       </p:sp>
       <p:sp>
         <p:nvSpPr>
-          <p:cNvPr id="7" name="Date Placeholder 6"/>
+          <p:cNvPr id="6" name="Content Placeholder 5">
+            <a:extLst>
+              <a:ext uri="{FF2B5EF4-FFF2-40B4-BE49-F238E27FC236}">
+                <a16:creationId xmlns:a16="http://schemas.microsoft.com/office/drawing/2014/main" id="{D21BA80D-38CE-4446-B06C-53664044F0B8}"/>
+              </a:ext>
+            </a:extLst>
+          </p:cNvPr>
+          <p:cNvSpPr>
+            <a:spLocks noGrp="1"/>
+          </p:cNvSpPr>
+          <p:nvPr>
+            <p:ph sz="quarter" idx="4"/>
+          </p:nvPr>
+        </p:nvSpPr>
+        <p:spPr>
+          <a:xfrm>
+            <a:off x="6172200" y="2505075"/>
+            <a:ext cx="5183188" cy="3684588"/>
+          </a:xfrm>
+        </p:spPr>
+        <p:txBody>
+          <a:bodyPr/>
+          <a:lstStyle/>
+          <a:p>
+            <a:pPr lvl="0"/>
+            <a:r>
+              <a:rPr lang="en-US"/>
+              <a:t>Edit Master text styles</a:t>
+            </a:r>
+          </a:p>
+          <a:p>
+            <a:pPr lvl="1"/>
+            <a:r>
+              <a:rPr lang="en-US"/>
+              <a:t>Second level</a:t>
+            </a:r>
+          </a:p>
+          <a:p>
+            <a:pPr lvl="2"/>
+            <a:r>
+              <a:rPr lang="en-US"/>
+              <a:t>Third level</a:t>
+            </a:r>
+          </a:p>
+          <a:p>
+            <a:pPr lvl="3"/>
+            <a:r>
+              <a:rPr lang="en-US"/>
+              <a:t>Fourth level</a:t>
+            </a:r>
+          </a:p>
+          <a:p>
+            <a:pPr lvl="4"/>
+            <a:r>
+              <a:rPr lang="en-US"/>
+              <a:t>Fifth level</a:t>
+            </a:r>
+          </a:p>
+        </p:txBody>
+      </p:sp>
+      <p:sp>
+        <p:nvSpPr>
+          <p:cNvPr id="7" name="Date Placeholder 6">
+            <a:extLst>
+              <a:ext uri="{FF2B5EF4-FFF2-40B4-BE49-F238E27FC236}">
+                <a16:creationId xmlns:a16="http://schemas.microsoft.com/office/drawing/2014/main" id="{E61F1891-8FCB-4C11-9716-66CD2174CBCE}"/>
+              </a:ext>
+            </a:extLst>
+          </p:cNvPr>
           <p:cNvSpPr>
             <a:spLocks noGrp="1"/>
           </p:cNvSpPr>
@@ -1641,9 +2316,9 @@
           <a:bodyPr/>
           <a:lstStyle/>
           <a:p>
-            <a:fld id="{03FE0420-AA6B-9D43-AA96-60D025E4BB5F}" type="datetimeFigureOut">
+            <a:fld id="{8BE1A983-4509-40B3-A213-C192E79F7B9E}" type="datetimeFigureOut">
               <a:rPr lang="en-US" smtClean="0"/>
-              <a:t>3/6/2018</a:t>
+              <a:t>3/7/2018</a:t>
             </a:fld>
             <a:endParaRPr lang="en-US"/>
           </a:p>
@@ -1651,7 +2326,13 @@
       </p:sp>
       <p:sp>
         <p:nvSpPr>
-          <p:cNvPr id="8" name="Footer Placeholder 7"/>
+          <p:cNvPr id="8" name="Footer Placeholder 7">
+            <a:extLst>
+              <a:ext uri="{FF2B5EF4-FFF2-40B4-BE49-F238E27FC236}">
+                <a16:creationId xmlns:a16="http://schemas.microsoft.com/office/drawing/2014/main" id="{97B2F196-2E12-4CD9-9A0B-81655A257CA5}"/>
+              </a:ext>
+            </a:extLst>
+          </p:cNvPr>
           <p:cNvSpPr>
             <a:spLocks noGrp="1"/>
           </p:cNvSpPr>
@@ -1670,7 +2351,13 @@
       </p:sp>
       <p:sp>
         <p:nvSpPr>
-          <p:cNvPr id="9" name="Slide Number Placeholder 8"/>
+          <p:cNvPr id="9" name="Slide Number Placeholder 8">
+            <a:extLst>
+              <a:ext uri="{FF2B5EF4-FFF2-40B4-BE49-F238E27FC236}">
+                <a16:creationId xmlns:a16="http://schemas.microsoft.com/office/drawing/2014/main" id="{4A6FC6B5-07F7-4CBF-9E49-1B03C7864401}"/>
+              </a:ext>
+            </a:extLst>
+          </p:cNvPr>
           <p:cNvSpPr>
             <a:spLocks noGrp="1"/>
           </p:cNvSpPr>
@@ -1683,7 +2370,7 @@
           <a:bodyPr/>
           <a:lstStyle/>
           <a:p>
-            <a:fld id="{01664375-08C4-E446-96F3-215B15599011}" type="slidenum">
+            <a:fld id="{1FC777CD-ADC4-4F11-8CC1-1A948A4BD01A}" type="slidenum">
               <a:rPr lang="en-US" smtClean="0"/>
               <a:t>‹#›</a:t>
             </a:fld>
@@ -1691,33 +2378,10 @@
           </a:p>
         </p:txBody>
       </p:sp>
-      <p:sp>
-        <p:nvSpPr>
-          <p:cNvPr id="10" name="Title 9"/>
-          <p:cNvSpPr>
-            <a:spLocks noGrp="1"/>
-          </p:cNvSpPr>
-          <p:nvPr>
-            <p:ph type="title"/>
-          </p:nvPr>
-        </p:nvSpPr>
-        <p:spPr/>
-        <p:txBody>
-          <a:bodyPr/>
-          <a:lstStyle/>
-          <a:p>
-            <a:r>
-              <a:rPr lang="en-US"/>
-              <a:t>Click to edit Master title style</a:t>
-            </a:r>
-            <a:endParaRPr lang="en-US" dirty="0"/>
-          </a:p>
-        </p:txBody>
-      </p:sp>
     </p:spTree>
     <p:extLst>
       <p:ext uri="{BB962C8B-B14F-4D97-AF65-F5344CB8AC3E}">
-        <p14:creationId xmlns:p14="http://schemas.microsoft.com/office/powerpoint/2010/main" val="2830000209"/>
+        <p14:creationId xmlns:p14="http://schemas.microsoft.com/office/powerpoint/2010/main" val="2252962021"/>
       </p:ext>
     </p:extLst>
   </p:cSld>
@@ -1746,7 +2410,13 @@
       </p:grpSpPr>
       <p:sp>
         <p:nvSpPr>
-          <p:cNvPr id="2" name="Title 1"/>
+          <p:cNvPr id="2" name="Title 1">
+            <a:extLst>
+              <a:ext uri="{FF2B5EF4-FFF2-40B4-BE49-F238E27FC236}">
+                <a16:creationId xmlns:a16="http://schemas.microsoft.com/office/drawing/2014/main" id="{FE718189-74BD-4585-BD67-96323C9BCA5D}"/>
+              </a:ext>
+            </a:extLst>
+          </p:cNvPr>
           <p:cNvSpPr>
             <a:spLocks noGrp="1"/>
           </p:cNvSpPr>
@@ -1763,13 +2433,18 @@
               <a:rPr lang="en-US"/>
               <a:t>Click to edit Master title style</a:t>
             </a:r>
-            <a:endParaRPr lang="en-US" dirty="0"/>
-          </a:p>
-        </p:txBody>
-      </p:sp>
-      <p:sp>
-        <p:nvSpPr>
-          <p:cNvPr id="3" name="Date Placeholder 2"/>
+          </a:p>
+        </p:txBody>
+      </p:sp>
+      <p:sp>
+        <p:nvSpPr>
+          <p:cNvPr id="3" name="Date Placeholder 2">
+            <a:extLst>
+              <a:ext uri="{FF2B5EF4-FFF2-40B4-BE49-F238E27FC236}">
+                <a16:creationId xmlns:a16="http://schemas.microsoft.com/office/drawing/2014/main" id="{1DF5CB47-BC8E-4DB6-89AD-B19476A4C2C7}"/>
+              </a:ext>
+            </a:extLst>
+          </p:cNvPr>
           <p:cNvSpPr>
             <a:spLocks noGrp="1"/>
           </p:cNvSpPr>
@@ -1782,9 +2457,9 @@
           <a:bodyPr/>
           <a:lstStyle/>
           <a:p>
-            <a:fld id="{03FE0420-AA6B-9D43-AA96-60D025E4BB5F}" type="datetimeFigureOut">
+            <a:fld id="{8BE1A983-4509-40B3-A213-C192E79F7B9E}" type="datetimeFigureOut">
               <a:rPr lang="en-US" smtClean="0"/>
-              <a:t>3/6/2018</a:t>
+              <a:t>3/7/2018</a:t>
             </a:fld>
             <a:endParaRPr lang="en-US"/>
           </a:p>
@@ -1792,7 +2467,13 @@
       </p:sp>
       <p:sp>
         <p:nvSpPr>
-          <p:cNvPr id="4" name="Footer Placeholder 3"/>
+          <p:cNvPr id="4" name="Footer Placeholder 3">
+            <a:extLst>
+              <a:ext uri="{FF2B5EF4-FFF2-40B4-BE49-F238E27FC236}">
+                <a16:creationId xmlns:a16="http://schemas.microsoft.com/office/drawing/2014/main" id="{BF866D0C-C46F-4C46-AF91-2F1B9AA2EF53}"/>
+              </a:ext>
+            </a:extLst>
+          </p:cNvPr>
           <p:cNvSpPr>
             <a:spLocks noGrp="1"/>
           </p:cNvSpPr>
@@ -1811,7 +2492,13 @@
       </p:sp>
       <p:sp>
         <p:nvSpPr>
-          <p:cNvPr id="5" name="Slide Number Placeholder 4"/>
+          <p:cNvPr id="5" name="Slide Number Placeholder 4">
+            <a:extLst>
+              <a:ext uri="{FF2B5EF4-FFF2-40B4-BE49-F238E27FC236}">
+                <a16:creationId xmlns:a16="http://schemas.microsoft.com/office/drawing/2014/main" id="{A69BD3F1-40D3-458E-8E76-5A0DFB67E4F5}"/>
+              </a:ext>
+            </a:extLst>
+          </p:cNvPr>
           <p:cNvSpPr>
             <a:spLocks noGrp="1"/>
           </p:cNvSpPr>
@@ -1824,7 +2511,7 @@
           <a:bodyPr/>
           <a:lstStyle/>
           <a:p>
-            <a:fld id="{01664375-08C4-E446-96F3-215B15599011}" type="slidenum">
+            <a:fld id="{1FC777CD-ADC4-4F11-8CC1-1A948A4BD01A}" type="slidenum">
               <a:rPr lang="en-US" smtClean="0"/>
               <a:t>‹#›</a:t>
             </a:fld>
@@ -1835,7 +2522,7 @@
     </p:spTree>
     <p:extLst>
       <p:ext uri="{BB962C8B-B14F-4D97-AF65-F5344CB8AC3E}">
-        <p14:creationId xmlns:p14="http://schemas.microsoft.com/office/powerpoint/2010/main" val="1226956239"/>
+        <p14:creationId xmlns:p14="http://schemas.microsoft.com/office/powerpoint/2010/main" val="605333758"/>
       </p:ext>
     </p:extLst>
   </p:cSld>
@@ -1864,7 +2551,13 @@
       </p:grpSpPr>
       <p:sp>
         <p:nvSpPr>
-          <p:cNvPr id="2" name="Date Placeholder 1"/>
+          <p:cNvPr id="2" name="Date Placeholder 1">
+            <a:extLst>
+              <a:ext uri="{FF2B5EF4-FFF2-40B4-BE49-F238E27FC236}">
+                <a16:creationId xmlns:a16="http://schemas.microsoft.com/office/drawing/2014/main" id="{B79EB392-D76E-4DC5-89C6-962F75A5FCEA}"/>
+              </a:ext>
+            </a:extLst>
+          </p:cNvPr>
           <p:cNvSpPr>
             <a:spLocks noGrp="1"/>
           </p:cNvSpPr>
@@ -1877,9 +2570,9 @@
           <a:bodyPr/>
           <a:lstStyle/>
           <a:p>
-            <a:fld id="{03FE0420-AA6B-9D43-AA96-60D025E4BB5F}" type="datetimeFigureOut">
+            <a:fld id="{8BE1A983-4509-40B3-A213-C192E79F7B9E}" type="datetimeFigureOut">
               <a:rPr lang="en-US" smtClean="0"/>
-              <a:t>3/6/2018</a:t>
+              <a:t>3/7/2018</a:t>
             </a:fld>
             <a:endParaRPr lang="en-US"/>
           </a:p>
@@ -1887,7 +2580,13 @@
       </p:sp>
       <p:sp>
         <p:nvSpPr>
-          <p:cNvPr id="3" name="Footer Placeholder 2"/>
+          <p:cNvPr id="3" name="Footer Placeholder 2">
+            <a:extLst>
+              <a:ext uri="{FF2B5EF4-FFF2-40B4-BE49-F238E27FC236}">
+                <a16:creationId xmlns:a16="http://schemas.microsoft.com/office/drawing/2014/main" id="{1999DA21-E2AE-4DDF-A3B2-B797F6BA7CD7}"/>
+              </a:ext>
+            </a:extLst>
+          </p:cNvPr>
           <p:cNvSpPr>
             <a:spLocks noGrp="1"/>
           </p:cNvSpPr>
@@ -1906,7 +2605,13 @@
       </p:sp>
       <p:sp>
         <p:nvSpPr>
-          <p:cNvPr id="4" name="Slide Number Placeholder 3"/>
+          <p:cNvPr id="4" name="Slide Number Placeholder 3">
+            <a:extLst>
+              <a:ext uri="{FF2B5EF4-FFF2-40B4-BE49-F238E27FC236}">
+                <a16:creationId xmlns:a16="http://schemas.microsoft.com/office/drawing/2014/main" id="{D4F5BB9D-F36B-4CE6-B55E-83BAEF745D55}"/>
+              </a:ext>
+            </a:extLst>
+          </p:cNvPr>
           <p:cNvSpPr>
             <a:spLocks noGrp="1"/>
           </p:cNvSpPr>
@@ -1919,7 +2624,7 @@
           <a:bodyPr/>
           <a:lstStyle/>
           <a:p>
-            <a:fld id="{01664375-08C4-E446-96F3-215B15599011}" type="slidenum">
+            <a:fld id="{1FC777CD-ADC4-4F11-8CC1-1A948A4BD01A}" type="slidenum">
               <a:rPr lang="en-US" smtClean="0"/>
               <a:t>‹#›</a:t>
             </a:fld>
@@ -1930,7 +2635,7 @@
     </p:spTree>
     <p:extLst>
       <p:ext uri="{BB962C8B-B14F-4D97-AF65-F5344CB8AC3E}">
-        <p14:creationId xmlns:p14="http://schemas.microsoft.com/office/powerpoint/2010/main" val="3838837897"/>
+        <p14:creationId xmlns:p14="http://schemas.microsoft.com/office/powerpoint/2010/main" val="2632964247"/>
       </p:ext>
     </p:extLst>
   </p:cSld>
@@ -1959,226 +2664,159 @@
       </p:grpSpPr>
       <p:sp>
         <p:nvSpPr>
-          <p:cNvPr id="26" name="Rectangle 25"/>
-          <p:cNvSpPr/>
-          <p:nvPr/>
+          <p:cNvPr id="2" name="Title 1">
+            <a:extLst>
+              <a:ext uri="{FF2B5EF4-FFF2-40B4-BE49-F238E27FC236}">
+                <a16:creationId xmlns:a16="http://schemas.microsoft.com/office/drawing/2014/main" id="{FDE6F59F-7EDF-48A0-92E9-608BDA2CFA93}"/>
+              </a:ext>
+            </a:extLst>
+          </p:cNvPr>
+          <p:cNvSpPr>
+            <a:spLocks noGrp="1"/>
+          </p:cNvSpPr>
+          <p:nvPr>
+            <p:ph type="title"/>
+          </p:nvPr>
         </p:nvSpPr>
         <p:spPr>
           <a:xfrm>
-            <a:off x="4572000" y="0"/>
-            <a:ext cx="4572000" cy="6858000"/>
+            <a:off x="839788" y="457200"/>
+            <a:ext cx="3932237" cy="1600200"/>
           </a:xfrm>
-          <a:prstGeom prst="rect">
-            <a:avLst/>
-          </a:prstGeom>
-          <a:solidFill>
-            <a:schemeClr val="bg1"/>
-          </a:solidFill>
-          <a:ln>
-            <a:noFill/>
-          </a:ln>
         </p:spPr>
-        <p:style>
-          <a:lnRef idx="2">
-            <a:schemeClr val="accent1">
-              <a:shade val="50000"/>
-            </a:schemeClr>
-          </a:lnRef>
-          <a:fillRef idx="1">
-            <a:schemeClr val="accent1"/>
-          </a:fillRef>
-          <a:effectRef idx="0">
-            <a:schemeClr val="accent1"/>
-          </a:effectRef>
-          <a:fontRef idx="minor">
-            <a:schemeClr val="lt1"/>
-          </a:fontRef>
-        </p:style>
-      </p:sp>
-      <p:sp>
-        <p:nvSpPr>
-          <p:cNvPr id="2" name="Title 1"/>
-          <p:cNvSpPr>
-            <a:spLocks noGrp="1"/>
-          </p:cNvSpPr>
-          <p:nvPr>
-            <p:ph type="title"/>
+        <p:txBody>
+          <a:bodyPr anchor="b"/>
+          <a:lstStyle>
+            <a:lvl1pPr>
+              <a:defRPr sz="3200"/>
+            </a:lvl1pPr>
+          </a:lstStyle>
+          <a:p>
+            <a:r>
+              <a:rPr lang="en-US"/>
+              <a:t>Click to edit Master title style</a:t>
+            </a:r>
+          </a:p>
+        </p:txBody>
+      </p:sp>
+      <p:sp>
+        <p:nvSpPr>
+          <p:cNvPr id="3" name="Content Placeholder 2">
+            <a:extLst>
+              <a:ext uri="{FF2B5EF4-FFF2-40B4-BE49-F238E27FC236}">
+                <a16:creationId xmlns:a16="http://schemas.microsoft.com/office/drawing/2014/main" id="{94BB3537-67E2-421F-B629-7326D4DEB56F}"/>
+              </a:ext>
+            </a:extLst>
+          </p:cNvPr>
+          <p:cNvSpPr>
+            <a:spLocks noGrp="1"/>
+          </p:cNvSpPr>
+          <p:nvPr>
+            <p:ph idx="1"/>
           </p:nvPr>
         </p:nvSpPr>
         <p:spPr>
           <a:xfrm>
-            <a:off x="640703" y="2243829"/>
-            <a:ext cx="3290594" cy="1141497"/>
+            <a:off x="5183188" y="987425"/>
+            <a:ext cx="6172200" cy="4873625"/>
           </a:xfrm>
-          <a:solidFill>
-            <a:srgbClr val="FFFFFF"/>
-          </a:solidFill>
-          <a:ln>
-            <a:solidFill>
-              <a:srgbClr val="404040"/>
-            </a:solidFill>
-          </a:ln>
         </p:spPr>
         <p:txBody>
-          <a:bodyPr anchor="ctr" anchorCtr="1">
-            <a:normAutofit/>
-          </a:bodyPr>
+          <a:bodyPr/>
           <a:lstStyle>
             <a:lvl1pPr>
-              <a:defRPr sz="2100">
-                <a:solidFill>
-                  <a:srgbClr val="262626"/>
-                </a:solidFill>
-              </a:defRPr>
+              <a:defRPr sz="3200"/>
             </a:lvl1pPr>
+            <a:lvl2pPr>
+              <a:defRPr sz="2800"/>
+            </a:lvl2pPr>
+            <a:lvl3pPr>
+              <a:defRPr sz="2400"/>
+            </a:lvl3pPr>
+            <a:lvl4pPr>
+              <a:defRPr sz="2000"/>
+            </a:lvl4pPr>
+            <a:lvl5pPr>
+              <a:defRPr sz="2000"/>
+            </a:lvl5pPr>
+            <a:lvl6pPr>
+              <a:defRPr sz="2000"/>
+            </a:lvl6pPr>
+            <a:lvl7pPr>
+              <a:defRPr sz="2000"/>
+            </a:lvl7pPr>
+            <a:lvl8pPr>
+              <a:defRPr sz="2000"/>
+            </a:lvl8pPr>
+            <a:lvl9pPr>
+              <a:defRPr sz="2000"/>
+            </a:lvl9pPr>
           </a:lstStyle>
           <a:p>
+            <a:pPr lvl="0"/>
             <a:r>
               <a:rPr lang="en-US"/>
-              <a:t>Click to edit Master title style</a:t>
-            </a:r>
-            <a:endParaRPr lang="en-US" dirty="0"/>
-          </a:p>
-        </p:txBody>
-      </p:sp>
-      <p:sp>
-        <p:nvSpPr>
-          <p:cNvPr id="3" name="Content Placeholder 2"/>
-          <p:cNvSpPr>
-            <a:spLocks noGrp="1"/>
-          </p:cNvSpPr>
-          <p:nvPr>
-            <p:ph idx="1"/>
+              <a:t>Edit Master text styles</a:t>
+            </a:r>
+          </a:p>
+          <a:p>
+            <a:pPr lvl="1"/>
+            <a:r>
+              <a:rPr lang="en-US"/>
+              <a:t>Second level</a:t>
+            </a:r>
+          </a:p>
+          <a:p>
+            <a:pPr lvl="2"/>
+            <a:r>
+              <a:rPr lang="en-US"/>
+              <a:t>Third level</a:t>
+            </a:r>
+          </a:p>
+          <a:p>
+            <a:pPr lvl="3"/>
+            <a:r>
+              <a:rPr lang="en-US"/>
+              <a:t>Fourth level</a:t>
+            </a:r>
+          </a:p>
+          <a:p>
+            <a:pPr lvl="4"/>
+            <a:r>
+              <a:rPr lang="en-US"/>
+              <a:t>Fifth level</a:t>
+            </a:r>
+          </a:p>
+        </p:txBody>
+      </p:sp>
+      <p:sp>
+        <p:nvSpPr>
+          <p:cNvPr id="4" name="Text Placeholder 3">
+            <a:extLst>
+              <a:ext uri="{FF2B5EF4-FFF2-40B4-BE49-F238E27FC236}">
+                <a16:creationId xmlns:a16="http://schemas.microsoft.com/office/drawing/2014/main" id="{B562743A-4873-4393-A24C-2F8942F944E4}"/>
+              </a:ext>
+            </a:extLst>
+          </p:cNvPr>
+          <p:cNvSpPr>
+            <a:spLocks noGrp="1"/>
+          </p:cNvSpPr>
+          <p:nvPr>
+            <p:ph type="body" sz="half" idx="2"/>
           </p:nvPr>
         </p:nvSpPr>
         <p:spPr>
           <a:xfrm>
-            <a:off x="5052060" y="804672"/>
-            <a:ext cx="3611880" cy="5248656"/>
+            <a:off x="839788" y="2057400"/>
+            <a:ext cx="3932237" cy="3811588"/>
           </a:xfrm>
         </p:spPr>
         <p:txBody>
-          <a:bodyPr>
-            <a:normAutofit/>
-          </a:bodyPr>
+          <a:bodyPr/>
           <a:lstStyle>
-            <a:lvl1pPr>
-              <a:defRPr sz="1900">
-                <a:solidFill>
-                  <a:schemeClr val="tx1"/>
-                </a:solidFill>
-              </a:defRPr>
-            </a:lvl1pPr>
-            <a:lvl2pPr>
-              <a:defRPr sz="1600">
-                <a:solidFill>
-                  <a:schemeClr val="tx1"/>
-                </a:solidFill>
-              </a:defRPr>
-            </a:lvl2pPr>
-            <a:lvl3pPr>
-              <a:defRPr sz="1600">
-                <a:solidFill>
-                  <a:schemeClr val="tx1"/>
-                </a:solidFill>
-              </a:defRPr>
-            </a:lvl3pPr>
-            <a:lvl4pPr>
-              <a:defRPr sz="1600">
-                <a:solidFill>
-                  <a:schemeClr val="tx1"/>
-                </a:solidFill>
-              </a:defRPr>
-            </a:lvl4pPr>
-            <a:lvl5pPr>
-              <a:defRPr sz="1600">
-                <a:solidFill>
-                  <a:schemeClr val="tx1"/>
-                </a:solidFill>
-              </a:defRPr>
-            </a:lvl5pPr>
-            <a:lvl6pPr>
+            <a:lvl1pPr marL="0" indent="0">
+              <a:buNone/>
               <a:defRPr sz="1600"/>
-            </a:lvl6pPr>
-            <a:lvl7pPr>
-              <a:defRPr sz="1600"/>
-            </a:lvl7pPr>
-            <a:lvl8pPr>
-              <a:defRPr sz="1600"/>
-            </a:lvl8pPr>
-            <a:lvl9pPr>
-              <a:defRPr sz="1600"/>
-            </a:lvl9pPr>
-          </a:lstStyle>
-          <a:p>
-            <a:pPr lvl="0"/>
-            <a:r>
-              <a:rPr lang="en-US"/>
-              <a:t>Edit Master text styles</a:t>
-            </a:r>
-          </a:p>
-          <a:p>
-            <a:pPr lvl="1"/>
-            <a:r>
-              <a:rPr lang="en-US"/>
-              <a:t>Second level</a:t>
-            </a:r>
-          </a:p>
-          <a:p>
-            <a:pPr lvl="2"/>
-            <a:r>
-              <a:rPr lang="en-US"/>
-              <a:t>Third level</a:t>
-            </a:r>
-          </a:p>
-          <a:p>
-            <a:pPr lvl="3"/>
-            <a:r>
-              <a:rPr lang="en-US"/>
-              <a:t>Fourth level</a:t>
-            </a:r>
-          </a:p>
-          <a:p>
-            <a:pPr lvl="4"/>
-            <a:r>
-              <a:rPr lang="en-US"/>
-              <a:t>Fifth level</a:t>
-            </a:r>
-            <a:endParaRPr lang="en-US" dirty="0"/>
-          </a:p>
-        </p:txBody>
-      </p:sp>
-      <p:sp>
-        <p:nvSpPr>
-          <p:cNvPr id="4" name="Text Placeholder 3"/>
-          <p:cNvSpPr>
-            <a:spLocks noGrp="1"/>
-          </p:cNvSpPr>
-          <p:nvPr>
-            <p:ph type="body" sz="half" idx="2"/>
-          </p:nvPr>
-        </p:nvSpPr>
-        <p:spPr>
-          <a:xfrm>
-            <a:off x="862965" y="3549918"/>
-            <a:ext cx="2846070" cy="2194036"/>
-          </a:xfrm>
-        </p:spPr>
-        <p:txBody>
-          <a:bodyPr anchor="t" anchorCtr="1">
-            <a:normAutofit/>
-          </a:bodyPr>
-          <a:lstStyle>
-            <a:lvl1pPr marL="0" indent="0" algn="ctr">
-              <a:buNone/>
-              <a:defRPr sz="1500">
-                <a:solidFill>
-                  <a:schemeClr val="tx1">
-                    <a:lumMod val="85000"/>
-                    <a:lumOff val="15000"/>
-                  </a:schemeClr>
-                </a:solidFill>
-              </a:defRPr>
             </a:lvl1pPr>
             <a:lvl2pPr marL="457200" indent="0">
               <a:buNone/>
@@ -2224,7 +2862,13 @@
       </p:sp>
       <p:sp>
         <p:nvSpPr>
-          <p:cNvPr id="9" name="Date Placeholder 8"/>
+          <p:cNvPr id="5" name="Date Placeholder 4">
+            <a:extLst>
+              <a:ext uri="{FF2B5EF4-FFF2-40B4-BE49-F238E27FC236}">
+                <a16:creationId xmlns:a16="http://schemas.microsoft.com/office/drawing/2014/main" id="{F4151AD3-77DD-4CE9-8E37-8EED3857CF44}"/>
+              </a:ext>
+            </a:extLst>
+          </p:cNvPr>
           <p:cNvSpPr>
             <a:spLocks noGrp="1"/>
           </p:cNvSpPr>
@@ -2237,9 +2881,9 @@
           <a:bodyPr/>
           <a:lstStyle/>
           <a:p>
-            <a:fld id="{03FE0420-AA6B-9D43-AA96-60D025E4BB5F}" type="datetimeFigureOut">
+            <a:fld id="{8BE1A983-4509-40B3-A213-C192E79F7B9E}" type="datetimeFigureOut">
               <a:rPr lang="en-US" smtClean="0"/>
-              <a:t>3/6/2018</a:t>
+              <a:t>3/7/2018</a:t>
             </a:fld>
             <a:endParaRPr lang="en-US"/>
           </a:p>
@@ -2247,7 +2891,13 @@
       </p:sp>
       <p:sp>
         <p:nvSpPr>
-          <p:cNvPr id="10" name="Footer Placeholder 9"/>
+          <p:cNvPr id="6" name="Footer Placeholder 5">
+            <a:extLst>
+              <a:ext uri="{FF2B5EF4-FFF2-40B4-BE49-F238E27FC236}">
+                <a16:creationId xmlns:a16="http://schemas.microsoft.com/office/drawing/2014/main" id="{E4248F8C-F44C-4C30-891E-8365F7217444}"/>
+              </a:ext>
+            </a:extLst>
+          </p:cNvPr>
           <p:cNvSpPr>
             <a:spLocks noGrp="1"/>
           </p:cNvSpPr>
@@ -2255,27 +2905,10 @@
             <p:ph type="ftr" sz="quarter" idx="11"/>
           </p:nvPr>
         </p:nvSpPr>
-        <p:spPr>
-          <a:xfrm>
-            <a:off x="640703" y="6236208"/>
-            <a:ext cx="3806398" cy="320040"/>
-          </a:xfrm>
-        </p:spPr>
-        <p:txBody>
-          <a:bodyPr>
-            <a:normAutofit/>
-          </a:bodyPr>
-          <a:lstStyle>
-            <a:lvl1pPr>
-              <a:defRPr>
-                <a:solidFill>
-                  <a:schemeClr val="tx1">
-                    <a:alpha val="70000"/>
-                  </a:schemeClr>
-                </a:solidFill>
-              </a:defRPr>
-            </a:lvl1pPr>
-          </a:lstStyle>
+        <p:spPr/>
+        <p:txBody>
+          <a:bodyPr/>
+          <a:lstStyle/>
           <a:p>
             <a:endParaRPr lang="en-US"/>
           </a:p>
@@ -2283,7 +2916,13 @@
       </p:sp>
       <p:sp>
         <p:nvSpPr>
-          <p:cNvPr id="11" name="Slide Number Placeholder 10"/>
+          <p:cNvPr id="7" name="Slide Number Placeholder 6">
+            <a:extLst>
+              <a:ext uri="{FF2B5EF4-FFF2-40B4-BE49-F238E27FC236}">
+                <a16:creationId xmlns:a16="http://schemas.microsoft.com/office/drawing/2014/main" id="{DCAAE243-AA0D-40D6-ADD1-3DB325D84458}"/>
+              </a:ext>
+            </a:extLst>
+          </p:cNvPr>
           <p:cNvSpPr>
             <a:spLocks noGrp="1"/>
           </p:cNvSpPr>
@@ -2296,7 +2935,7 @@
           <a:bodyPr/>
           <a:lstStyle/>
           <a:p>
-            <a:fld id="{01664375-08C4-E446-96F3-215B15599011}" type="slidenum">
+            <a:fld id="{1FC777CD-ADC4-4F11-8CC1-1A948A4BD01A}" type="slidenum">
               <a:rPr lang="en-US" smtClean="0"/>
               <a:t>‹#›</a:t>
             </a:fld>
@@ -2307,7 +2946,7 @@
     </p:spTree>
     <p:extLst>
       <p:ext uri="{BB962C8B-B14F-4D97-AF65-F5344CB8AC3E}">
-        <p14:creationId xmlns:p14="http://schemas.microsoft.com/office/powerpoint/2010/main" val="952505467"/>
+        <p14:creationId xmlns:p14="http://schemas.microsoft.com/office/powerpoint/2010/main" val="481523217"/>
       </p:ext>
     </p:extLst>
   </p:cSld>
@@ -2336,7 +2975,13 @@
       </p:grpSpPr>
       <p:sp>
         <p:nvSpPr>
-          <p:cNvPr id="2" name="Title 1"/>
+          <p:cNvPr id="2" name="Title 1">
+            <a:extLst>
+              <a:ext uri="{FF2B5EF4-FFF2-40B4-BE49-F238E27FC236}">
+                <a16:creationId xmlns:a16="http://schemas.microsoft.com/office/drawing/2014/main" id="{241C9959-75E0-4FCA-97BC-4B91CC3BE880}"/>
+              </a:ext>
+            </a:extLst>
+          </p:cNvPr>
           <p:cNvSpPr>
             <a:spLocks noGrp="1"/>
           </p:cNvSpPr>
@@ -2346,29 +2991,15 @@
         </p:nvSpPr>
         <p:spPr>
           <a:xfrm>
-            <a:off x="640080" y="2243828"/>
-            <a:ext cx="3291840" cy="1143000"/>
+            <a:off x="839788" y="457200"/>
+            <a:ext cx="3932237" cy="1600200"/>
           </a:xfrm>
-          <a:solidFill>
-            <a:srgbClr val="FFFFFF"/>
-          </a:solidFill>
-          <a:ln>
-            <a:solidFill>
-              <a:srgbClr val="262626"/>
-            </a:solidFill>
-          </a:ln>
         </p:spPr>
         <p:txBody>
-          <a:bodyPr anchor="ctr" anchorCtr="1">
-            <a:noAutofit/>
-          </a:bodyPr>
+          <a:bodyPr anchor="b"/>
           <a:lstStyle>
             <a:lvl1pPr>
-              <a:defRPr sz="2100">
-                <a:solidFill>
-                  <a:srgbClr val="262626"/>
-                </a:solidFill>
-              </a:defRPr>
+              <a:defRPr sz="3200"/>
             </a:lvl1pPr>
           </a:lstStyle>
           <a:p>
@@ -2376,15 +3007,20 @@
               <a:rPr lang="en-US"/>
               <a:t>Click to edit Master title style</a:t>
             </a:r>
-            <a:endParaRPr lang="en-US" dirty="0"/>
-          </a:p>
-        </p:txBody>
-      </p:sp>
-      <p:sp>
-        <p:nvSpPr>
-          <p:cNvPr id="3" name="Picture Placeholder 2"/>
-          <p:cNvSpPr>
-            <a:spLocks noGrp="1" noChangeAspect="1"/>
+          </a:p>
+        </p:txBody>
+      </p:sp>
+      <p:sp>
+        <p:nvSpPr>
+          <p:cNvPr id="3" name="Picture Placeholder 2">
+            <a:extLst>
+              <a:ext uri="{FF2B5EF4-FFF2-40B4-BE49-F238E27FC236}">
+                <a16:creationId xmlns:a16="http://schemas.microsoft.com/office/drawing/2014/main" id="{45B1CF07-B1ED-4AB5-B6C4-9FAD2DFA0A27}"/>
+              </a:ext>
+            </a:extLst>
+          </p:cNvPr>
+          <p:cNvSpPr>
+            <a:spLocks noGrp="1"/>
           </p:cNvSpPr>
           <p:nvPr>
             <p:ph type="pic" idx="1"/>
@@ -2392,23 +3028,16 @@
         </p:nvSpPr>
         <p:spPr>
           <a:xfrm>
-            <a:off x="4572000" y="0"/>
-            <a:ext cx="4576573" cy="6858000"/>
+            <a:off x="5183188" y="987425"/>
+            <a:ext cx="6172200" cy="4873625"/>
           </a:xfrm>
-          <a:solidFill>
-            <a:schemeClr val="bg1"/>
-          </a:solidFill>
         </p:spPr>
         <p:txBody>
-          <a:bodyPr anchor="t"/>
+          <a:bodyPr/>
           <a:lstStyle>
             <a:lvl1pPr marL="0" indent="0">
               <a:buNone/>
-              <a:defRPr sz="3200">
-                <a:solidFill>
-                  <a:schemeClr val="tx1"/>
-                </a:solidFill>
-              </a:defRPr>
+              <a:defRPr sz="3200"/>
             </a:lvl1pPr>
             <a:lvl2pPr marL="457200" indent="0">
               <a:buNone/>
@@ -2444,17 +3073,19 @@
             </a:lvl9pPr>
           </a:lstStyle>
           <a:p>
-            <a:r>
-              <a:rPr lang="en-US"/>
-              <a:t>Click icon to add picture</a:t>
-            </a:r>
-            <a:endParaRPr lang="en-US" dirty="0"/>
-          </a:p>
-        </p:txBody>
-      </p:sp>
-      <p:sp>
-        <p:nvSpPr>
-          <p:cNvPr id="4" name="Text Placeholder 3"/>
+            <a:endParaRPr lang="en-US"/>
+          </a:p>
+        </p:txBody>
+      </p:sp>
+      <p:sp>
+        <p:nvSpPr>
+          <p:cNvPr id="4" name="Text Placeholder 3">
+            <a:extLst>
+              <a:ext uri="{FF2B5EF4-FFF2-40B4-BE49-F238E27FC236}">
+                <a16:creationId xmlns:a16="http://schemas.microsoft.com/office/drawing/2014/main" id="{796416D8-922E-4AAB-935F-4840DF6871C3}"/>
+              </a:ext>
+            </a:extLst>
+          </p:cNvPr>
           <p:cNvSpPr>
             <a:spLocks noGrp="1"/>
           </p:cNvSpPr>
@@ -2464,25 +3095,16 @@
         </p:nvSpPr>
         <p:spPr>
           <a:xfrm>
-            <a:off x="862965" y="3549919"/>
-            <a:ext cx="2846070" cy="2194037"/>
+            <a:off x="839788" y="2057400"/>
+            <a:ext cx="3932237" cy="3811588"/>
           </a:xfrm>
         </p:spPr>
         <p:txBody>
-          <a:bodyPr anchor="t" anchorCtr="1">
-            <a:normAutofit/>
-          </a:bodyPr>
+          <a:bodyPr/>
           <a:lstStyle>
-            <a:lvl1pPr marL="0" indent="0" algn="ctr">
+            <a:lvl1pPr marL="0" indent="0">
               <a:buNone/>
-              <a:defRPr sz="1500">
-                <a:solidFill>
-                  <a:schemeClr val="tx1">
-                    <a:lumMod val="85000"/>
-                    <a:lumOff val="15000"/>
-                  </a:schemeClr>
-                </a:solidFill>
-              </a:defRPr>
+              <a:defRPr sz="1600"/>
             </a:lvl1pPr>
             <a:lvl2pPr marL="457200" indent="0">
               <a:buNone/>
@@ -2528,7 +3150,13 @@
       </p:sp>
       <p:sp>
         <p:nvSpPr>
-          <p:cNvPr id="8" name="Date Placeholder 7"/>
+          <p:cNvPr id="5" name="Date Placeholder 4">
+            <a:extLst>
+              <a:ext uri="{FF2B5EF4-FFF2-40B4-BE49-F238E27FC236}">
+                <a16:creationId xmlns:a16="http://schemas.microsoft.com/office/drawing/2014/main" id="{A6E85091-C725-4967-AA5B-4B0047F30EBE}"/>
+              </a:ext>
+            </a:extLst>
+          </p:cNvPr>
           <p:cNvSpPr>
             <a:spLocks noGrp="1"/>
           </p:cNvSpPr>
@@ -2539,26 +3167,11 @@
         <p:spPr/>
         <p:txBody>
           <a:bodyPr/>
-          <a:lstStyle>
-            <a:lvl1pPr>
-              <a:defRPr>
-                <a:solidFill>
-                  <a:srgbClr val="FFFFFF"/>
-                </a:solidFill>
-                <a:effectLst>
-                  <a:outerShdw blurRad="50800" dist="38100" dir="2700000" algn="tl" rotWithShape="0">
-                    <a:prstClr val="black">
-                      <a:alpha val="43000"/>
-                    </a:prstClr>
-                  </a:outerShdw>
-                </a:effectLst>
-              </a:defRPr>
-            </a:lvl1pPr>
-          </a:lstStyle>
-          <a:p>
-            <a:fld id="{03FE0420-AA6B-9D43-AA96-60D025E4BB5F}" type="datetimeFigureOut">
+          <a:lstStyle/>
+          <a:p>
+            <a:fld id="{8BE1A983-4509-40B3-A213-C192E79F7B9E}" type="datetimeFigureOut">
               <a:rPr lang="en-US" smtClean="0"/>
-              <a:t>3/6/2018</a:t>
+              <a:t>3/7/2018</a:t>
             </a:fld>
             <a:endParaRPr lang="en-US"/>
           </a:p>
@@ -2566,7 +3179,13 @@
       </p:sp>
       <p:sp>
         <p:nvSpPr>
-          <p:cNvPr id="9" name="Footer Placeholder 8"/>
+          <p:cNvPr id="6" name="Footer Placeholder 5">
+            <a:extLst>
+              <a:ext uri="{FF2B5EF4-FFF2-40B4-BE49-F238E27FC236}">
+                <a16:creationId xmlns:a16="http://schemas.microsoft.com/office/drawing/2014/main" id="{F9E3F6FE-08DC-4256-ADD8-CCD8FF2E7E83}"/>
+              </a:ext>
+            </a:extLst>
+          </p:cNvPr>
           <p:cNvSpPr>
             <a:spLocks noGrp="1"/>
           </p:cNvSpPr>
@@ -2574,35 +3193,24 @@
             <p:ph type="ftr" sz="quarter" idx="11"/>
           </p:nvPr>
         </p:nvSpPr>
-        <p:spPr>
-          <a:xfrm>
-            <a:off x="640080" y="6236208"/>
-            <a:ext cx="3803904" cy="320040"/>
-          </a:xfrm>
-        </p:spPr>
-        <p:txBody>
-          <a:bodyPr>
-            <a:normAutofit/>
-          </a:bodyPr>
-          <a:lstStyle>
-            <a:lvl1pPr>
-              <a:defRPr>
-                <a:solidFill>
-                  <a:schemeClr val="tx1">
-                    <a:alpha val="70000"/>
-                  </a:schemeClr>
-                </a:solidFill>
-              </a:defRPr>
-            </a:lvl1pPr>
-          </a:lstStyle>
-          <a:p>
-            <a:endParaRPr lang="en-US" dirty="0"/>
-          </a:p>
-        </p:txBody>
-      </p:sp>
-      <p:sp>
-        <p:nvSpPr>
-          <p:cNvPr id="10" name="Slide Number Placeholder 9"/>
+        <p:spPr/>
+        <p:txBody>
+          <a:bodyPr/>
+          <a:lstStyle/>
+          <a:p>
+            <a:endParaRPr lang="en-US"/>
+          </a:p>
+        </p:txBody>
+      </p:sp>
+      <p:sp>
+        <p:nvSpPr>
+          <p:cNvPr id="7" name="Slide Number Placeholder 6">
+            <a:extLst>
+              <a:ext uri="{FF2B5EF4-FFF2-40B4-BE49-F238E27FC236}">
+                <a16:creationId xmlns:a16="http://schemas.microsoft.com/office/drawing/2014/main" id="{69AA090B-2C67-4777-9B59-E232707D8440}"/>
+              </a:ext>
+            </a:extLst>
+          </p:cNvPr>
           <p:cNvSpPr>
             <a:spLocks noGrp="1"/>
           </p:cNvSpPr>
@@ -2615,7 +3223,7 @@
           <a:bodyPr/>
           <a:lstStyle/>
           <a:p>
-            <a:fld id="{01664375-08C4-E446-96F3-215B15599011}" type="slidenum">
+            <a:fld id="{1FC777CD-ADC4-4F11-8CC1-1A948A4BD01A}" type="slidenum">
               <a:rPr lang="en-US" smtClean="0"/>
               <a:t>‹#›</a:t>
             </a:fld>
@@ -2626,7 +3234,7 @@
     </p:spTree>
     <p:extLst>
       <p:ext uri="{BB962C8B-B14F-4D97-AF65-F5344CB8AC3E}">
-        <p14:creationId xmlns:p14="http://schemas.microsoft.com/office/powerpoint/2010/main" val="905332386"/>
+        <p14:creationId xmlns:p14="http://schemas.microsoft.com/office/powerpoint/2010/main" val="2846520842"/>
       </p:ext>
     </p:extLst>
   </p:cSld>
@@ -2640,14 +3248,9 @@
 <p:sldMaster xmlns:a="http://schemas.openxmlformats.org/drawingml/2006/main" xmlns:r="http://schemas.openxmlformats.org/officeDocument/2006/relationships" xmlns:p="http://schemas.openxmlformats.org/presentationml/2006/main">
   <p:cSld>
     <p:bg>
-      <p:bgPr>
-        <a:solidFill>
-          <a:schemeClr val="bg1">
-            <a:lumMod val="95000"/>
-          </a:schemeClr>
-        </a:solidFill>
-        <a:effectLst/>
-      </p:bgPr>
+      <p:bgRef idx="1001">
+        <a:schemeClr val="bg1"/>
+      </p:bgRef>
     </p:bg>
     <p:spTree>
       <p:nvGrpSpPr>
@@ -2665,7 +3268,13 @@
       </p:grpSpPr>
       <p:sp>
         <p:nvSpPr>
-          <p:cNvPr id="2" name="Title Placeholder 1"/>
+          <p:cNvPr id="2" name="Title Placeholder 1">
+            <a:extLst>
+              <a:ext uri="{FF2B5EF4-FFF2-40B4-BE49-F238E27FC236}">
+                <a16:creationId xmlns:a16="http://schemas.microsoft.com/office/drawing/2014/main" id="{261F8BF4-84E9-4574-8994-037673B6747F}"/>
+              </a:ext>
+            </a:extLst>
+          </p:cNvPr>
           <p:cNvSpPr>
             <a:spLocks noGrp="1"/>
           </p:cNvSpPr>
@@ -2675,136 +3284,135 @@
         </p:nvSpPr>
         <p:spPr>
           <a:xfrm>
-            <a:off x="1606045" y="964692"/>
-            <a:ext cx="5937755" cy="1188720"/>
-          </a:xfrm>
-          <a:prstGeom prst="rect">
-            <a:avLst/>
-          </a:prstGeom>
-          <a:solidFill>
-            <a:schemeClr val="bg1"/>
-          </a:solidFill>
-          <a:ln w="31750" cap="sq">
-            <a:solidFill>
-              <a:schemeClr val="tx1">
-                <a:lumMod val="75000"/>
-                <a:lumOff val="25000"/>
-              </a:schemeClr>
-            </a:solidFill>
-            <a:miter lim="800000"/>
-          </a:ln>
-        </p:spPr>
-        <p:txBody>
-          <a:bodyPr vert="horz" lIns="182880" tIns="182880" rIns="182880" bIns="182880" rtlCol="0" anchor="ctr">
-            <a:normAutofit/>
-          </a:bodyPr>
-          <a:lstStyle/>
-          <a:p>
-            <a:r>
-              <a:rPr lang="en-US"/>
-              <a:t>Click to edit Master title style</a:t>
-            </a:r>
-            <a:endParaRPr lang="en-US" dirty="0"/>
-          </a:p>
-        </p:txBody>
-      </p:sp>
-      <p:sp>
-        <p:nvSpPr>
-          <p:cNvPr id="3" name="Text Placeholder 2"/>
-          <p:cNvSpPr>
-            <a:spLocks noGrp="1"/>
-          </p:cNvSpPr>
-          <p:nvPr>
-            <p:ph type="body" idx="1"/>
-          </p:nvPr>
-        </p:nvSpPr>
-        <p:spPr>
-          <a:xfrm>
-            <a:off x="1606045" y="2638045"/>
-            <a:ext cx="5937755" cy="3101983"/>
+            <a:off x="838200" y="365125"/>
+            <a:ext cx="10515600" cy="1325563"/>
           </a:xfrm>
           <a:prstGeom prst="rect">
             <a:avLst/>
           </a:prstGeom>
         </p:spPr>
         <p:txBody>
-          <a:bodyPr vert="horz" lIns="91440" tIns="45720" rIns="91440" bIns="45720" rtlCol="0">
+          <a:bodyPr vert="horz" lIns="91440" tIns="45720" rIns="91440" bIns="45720" rtlCol="0" anchor="ctr">
             <a:normAutofit/>
           </a:bodyPr>
           <a:lstStyle/>
           <a:p>
-            <a:pPr lvl="0"/>
-            <a:r>
-              <a:rPr lang="en-US" dirty="0"/>
-              <a:t>Edit Master text styles</a:t>
-            </a:r>
-          </a:p>
-          <a:p>
-            <a:pPr lvl="1"/>
-            <a:r>
-              <a:rPr lang="en-US" dirty="0"/>
-              <a:t>Second level</a:t>
-            </a:r>
-          </a:p>
-          <a:p>
-            <a:pPr lvl="2"/>
-            <a:r>
-              <a:rPr lang="en-US" dirty="0"/>
-              <a:t>Third level</a:t>
-            </a:r>
-          </a:p>
-          <a:p>
-            <a:pPr lvl="3"/>
-            <a:r>
-              <a:rPr lang="en-US" dirty="0"/>
-              <a:t>Fourth level</a:t>
-            </a:r>
-          </a:p>
-          <a:p>
-            <a:pPr lvl="4"/>
-            <a:r>
-              <a:rPr lang="en-US" dirty="0"/>
-              <a:t>Fifth level</a:t>
-            </a:r>
-          </a:p>
-        </p:txBody>
-      </p:sp>
-      <p:sp>
-        <p:nvSpPr>
-          <p:cNvPr id="4" name="Date Placeholder 3"/>
-          <p:cNvSpPr>
-            <a:spLocks noGrp="1"/>
-          </p:cNvSpPr>
-          <p:nvPr>
-            <p:ph type="dt" sz="half" idx="2"/>
+            <a:r>
+              <a:rPr lang="en-US"/>
+              <a:t>Click to edit Master title style</a:t>
+            </a:r>
+          </a:p>
+        </p:txBody>
+      </p:sp>
+      <p:sp>
+        <p:nvSpPr>
+          <p:cNvPr id="3" name="Text Placeholder 2">
+            <a:extLst>
+              <a:ext uri="{FF2B5EF4-FFF2-40B4-BE49-F238E27FC236}">
+                <a16:creationId xmlns:a16="http://schemas.microsoft.com/office/drawing/2014/main" id="{49F90B0E-78E4-4983-B1D0-BAF00718516C}"/>
+              </a:ext>
+            </a:extLst>
+          </p:cNvPr>
+          <p:cNvSpPr>
+            <a:spLocks noGrp="1"/>
+          </p:cNvSpPr>
+          <p:nvPr>
+            <p:ph type="body" idx="1"/>
           </p:nvPr>
         </p:nvSpPr>
         <p:spPr>
           <a:xfrm>
-            <a:off x="5978943" y="6238816"/>
-            <a:ext cx="2065310" cy="323968"/>
+            <a:off x="838200" y="1825625"/>
+            <a:ext cx="10515600" cy="4351338"/>
           </a:xfrm>
           <a:prstGeom prst="rect">
             <a:avLst/>
           </a:prstGeom>
         </p:spPr>
         <p:txBody>
+          <a:bodyPr vert="horz" lIns="91440" tIns="45720" rIns="91440" bIns="45720" rtlCol="0">
+            <a:normAutofit/>
+          </a:bodyPr>
+          <a:lstStyle/>
+          <a:p>
+            <a:pPr lvl="0"/>
+            <a:r>
+              <a:rPr lang="en-US"/>
+              <a:t>Edit Master text styles</a:t>
+            </a:r>
+          </a:p>
+          <a:p>
+            <a:pPr lvl="1"/>
+            <a:r>
+              <a:rPr lang="en-US"/>
+              <a:t>Second level</a:t>
+            </a:r>
+          </a:p>
+          <a:p>
+            <a:pPr lvl="2"/>
+            <a:r>
+              <a:rPr lang="en-US"/>
+              <a:t>Third level</a:t>
+            </a:r>
+          </a:p>
+          <a:p>
+            <a:pPr lvl="3"/>
+            <a:r>
+              <a:rPr lang="en-US"/>
+              <a:t>Fourth level</a:t>
+            </a:r>
+          </a:p>
+          <a:p>
+            <a:pPr lvl="4"/>
+            <a:r>
+              <a:rPr lang="en-US"/>
+              <a:t>Fifth level</a:t>
+            </a:r>
+          </a:p>
+        </p:txBody>
+      </p:sp>
+      <p:sp>
+        <p:nvSpPr>
+          <p:cNvPr id="4" name="Date Placeholder 3">
+            <a:extLst>
+              <a:ext uri="{FF2B5EF4-FFF2-40B4-BE49-F238E27FC236}">
+                <a16:creationId xmlns:a16="http://schemas.microsoft.com/office/drawing/2014/main" id="{9C8BAE8D-B75E-45DC-B909-D5DD199B602C}"/>
+              </a:ext>
+            </a:extLst>
+          </p:cNvPr>
+          <p:cNvSpPr>
+            <a:spLocks noGrp="1"/>
+          </p:cNvSpPr>
+          <p:nvPr>
+            <p:ph type="dt" sz="half" idx="2"/>
+          </p:nvPr>
+        </p:nvSpPr>
+        <p:spPr>
+          <a:xfrm>
+            <a:off x="838200" y="6356350"/>
+            <a:ext cx="2743200" cy="365125"/>
+          </a:xfrm>
+          <a:prstGeom prst="rect">
+            <a:avLst/>
+          </a:prstGeom>
+        </p:spPr>
+        <p:txBody>
           <a:bodyPr vert="horz" lIns="91440" tIns="45720" rIns="91440" bIns="45720" rtlCol="0" anchor="ctr"/>
           <a:lstStyle>
-            <a:lvl1pPr algn="r">
-              <a:defRPr sz="1000">
+            <a:lvl1pPr algn="l">
+              <a:defRPr sz="1200">
                 <a:solidFill>
                   <a:schemeClr val="tx1">
-                    <a:alpha val="70000"/>
+                    <a:tint val="75000"/>
                   </a:schemeClr>
                 </a:solidFill>
               </a:defRPr>
             </a:lvl1pPr>
           </a:lstStyle>
           <a:p>
-            <a:fld id="{03FE0420-AA6B-9D43-AA96-60D025E4BB5F}" type="datetimeFigureOut">
+            <a:fld id="{8BE1A983-4509-40B3-A213-C192E79F7B9E}" type="datetimeFigureOut">
               <a:rPr lang="en-US" smtClean="0"/>
-              <a:t>3/6/2018</a:t>
+              <a:t>3/7/2018</a:t>
             </a:fld>
             <a:endParaRPr lang="en-US"/>
           </a:p>
@@ -2812,7 +3420,13 @@
       </p:sp>
       <p:sp>
         <p:nvSpPr>
-          <p:cNvPr id="5" name="Footer Placeholder 4"/>
+          <p:cNvPr id="5" name="Footer Placeholder 4">
+            <a:extLst>
+              <a:ext uri="{FF2B5EF4-FFF2-40B4-BE49-F238E27FC236}">
+                <a16:creationId xmlns:a16="http://schemas.microsoft.com/office/drawing/2014/main" id="{089669CD-41C7-4416-AA68-810E962BF7EF}"/>
+              </a:ext>
+            </a:extLst>
+          </p:cNvPr>
           <p:cNvSpPr>
             <a:spLocks noGrp="1"/>
           </p:cNvSpPr>
@@ -2822,8 +3436,8 @@
         </p:nvSpPr>
         <p:spPr>
           <a:xfrm>
-            <a:off x="1102239" y="6236208"/>
-            <a:ext cx="4556664" cy="320040"/>
+            <a:off x="4038600" y="6356350"/>
+            <a:ext cx="4114800" cy="365125"/>
           </a:xfrm>
           <a:prstGeom prst="rect">
             <a:avLst/>
@@ -2832,11 +3446,11 @@
         <p:txBody>
           <a:bodyPr vert="horz" lIns="91440" tIns="45720" rIns="91440" bIns="45720" rtlCol="0" anchor="ctr"/>
           <a:lstStyle>
-            <a:lvl1pPr algn="l">
-              <a:defRPr sz="1000">
+            <a:lvl1pPr algn="ctr">
+              <a:defRPr sz="1200">
                 <a:solidFill>
                   <a:schemeClr val="tx1">
-                    <a:alpha val="70000"/>
+                    <a:tint val="75000"/>
                   </a:schemeClr>
                 </a:solidFill>
               </a:defRPr>
@@ -2849,7 +3463,13 @@
       </p:sp>
       <p:sp>
         <p:nvSpPr>
-          <p:cNvPr id="6" name="Slide Number Placeholder 5"/>
+          <p:cNvPr id="6" name="Slide Number Placeholder 5">
+            <a:extLst>
+              <a:ext uri="{FF2B5EF4-FFF2-40B4-BE49-F238E27FC236}">
+                <a16:creationId xmlns:a16="http://schemas.microsoft.com/office/drawing/2014/main" id="{966FFB60-99BD-48C9-9D78-ED3B8EF5C9B9}"/>
+              </a:ext>
+            </a:extLst>
+          </p:cNvPr>
           <p:cNvSpPr>
             <a:spLocks noGrp="1"/>
           </p:cNvSpPr>
@@ -2859,33 +3479,28 @@
         </p:nvSpPr>
         <p:spPr>
           <a:xfrm>
-            <a:off x="8240112" y="6217920"/>
-            <a:ext cx="365760" cy="365760"/>
+            <a:off x="8610600" y="6356350"/>
+            <a:ext cx="2743200" cy="365125"/>
           </a:xfrm>
-          <a:prstGeom prst="ellipse">
+          <a:prstGeom prst="rect">
             <a:avLst/>
           </a:prstGeom>
-          <a:solidFill>
-            <a:srgbClr val="1D1D1D">
-              <a:alpha val="69804"/>
-            </a:srgbClr>
-          </a:solidFill>
         </p:spPr>
         <p:txBody>
-          <a:bodyPr vert="horz" lIns="18288" tIns="45720" rIns="18288" bIns="45720" rtlCol="0" anchor="ctr">
-            <a:noAutofit/>
-          </a:bodyPr>
+          <a:bodyPr vert="horz" lIns="91440" tIns="45720" rIns="91440" bIns="45720" rtlCol="0" anchor="ctr"/>
           <a:lstStyle>
-            <a:lvl1pPr algn="ctr">
-              <a:defRPr sz="1100" spc="0" baseline="0">
+            <a:lvl1pPr algn="r">
+              <a:defRPr sz="1200">
                 <a:solidFill>
-                  <a:srgbClr val="FFFFFF"/>
+                  <a:schemeClr val="tx1">
+                    <a:tint val="75000"/>
+                  </a:schemeClr>
                 </a:solidFill>
               </a:defRPr>
             </a:lvl1pPr>
           </a:lstStyle>
           <a:p>
-            <a:fld id="{01664375-08C4-E446-96F3-215B15599011}" type="slidenum">
+            <a:fld id="{1FC777CD-ADC4-4F11-8CC1-1A948A4BD01A}" type="slidenum">
               <a:rPr lang="en-US" smtClean="0"/>
               <a:t>‹#›</a:t>
             </a:fld>
@@ -2896,27 +3511,27 @@
     </p:spTree>
     <p:extLst>
       <p:ext uri="{BB962C8B-B14F-4D97-AF65-F5344CB8AC3E}">
-        <p14:creationId xmlns:p14="http://schemas.microsoft.com/office/powerpoint/2010/main" val="1043108493"/>
+        <p14:creationId xmlns:p14="http://schemas.microsoft.com/office/powerpoint/2010/main" val="2117569166"/>
       </p:ext>
     </p:extLst>
   </p:cSld>
   <p:clrMap bg1="lt1" tx1="dk1" bg2="lt2" tx2="dk2" accent1="accent1" accent2="accent2" accent3="accent3" accent4="accent4" accent5="accent5" accent6="accent6" hlink="hlink" folHlink="folHlink"/>
   <p:sldLayoutIdLst>
-    <p:sldLayoutId id="2147483943" r:id="rId1"/>
-    <p:sldLayoutId id="2147483944" r:id="rId2"/>
-    <p:sldLayoutId id="2147483945" r:id="rId3"/>
-    <p:sldLayoutId id="2147483946" r:id="rId4"/>
-    <p:sldLayoutId id="2147483947" r:id="rId5"/>
-    <p:sldLayoutId id="2147483948" r:id="rId6"/>
-    <p:sldLayoutId id="2147483949" r:id="rId7"/>
-    <p:sldLayoutId id="2147483950" r:id="rId8"/>
-    <p:sldLayoutId id="2147483951" r:id="rId9"/>
-    <p:sldLayoutId id="2147483952" r:id="rId10"/>
-    <p:sldLayoutId id="2147483953" r:id="rId11"/>
+    <p:sldLayoutId id="2147483649" r:id="rId1"/>
+    <p:sldLayoutId id="2147483650" r:id="rId2"/>
+    <p:sldLayoutId id="2147483651" r:id="rId3"/>
+    <p:sldLayoutId id="2147483652" r:id="rId4"/>
+    <p:sldLayoutId id="2147483653" r:id="rId5"/>
+    <p:sldLayoutId id="2147483654" r:id="rId6"/>
+    <p:sldLayoutId id="2147483655" r:id="rId7"/>
+    <p:sldLayoutId id="2147483656" r:id="rId8"/>
+    <p:sldLayoutId id="2147483657" r:id="rId9"/>
+    <p:sldLayoutId id="2147483658" r:id="rId10"/>
+    <p:sldLayoutId id="2147483659" r:id="rId11"/>
   </p:sldLayoutIdLst>
   <p:txStyles>
     <p:titleStyle>
-      <a:lvl1pPr algn="ctr" defTabSz="914400" rtl="0" eaLnBrk="1" latinLnBrk="0" hangingPunct="1">
+      <a:lvl1pPr algn="l" defTabSz="914400" rtl="0" eaLnBrk="1" latinLnBrk="0" hangingPunct="1">
         <a:lnSpc>
           <a:spcPct val="90000"/>
         </a:lnSpc>
@@ -2924,12 +3539,9 @@
           <a:spcPct val="0"/>
         </a:spcBef>
         <a:buNone/>
-        <a:defRPr sz="2600" kern="1200" cap="all" spc="200" baseline="0">
+        <a:defRPr sz="4400" kern="1200">
           <a:solidFill>
-            <a:schemeClr val="tx1">
-              <a:lumMod val="85000"/>
-              <a:lumOff val="15000"/>
-            </a:schemeClr>
+            <a:schemeClr val="tx1"/>
           </a:solidFill>
           <a:latin typeface="+mj-lt"/>
           <a:ea typeface="+mj-ea"/>
@@ -2940,137 +3552,104 @@
     <p:bodyStyle>
       <a:lvl1pPr marL="228600" indent="-228600" algn="l" defTabSz="914400" rtl="0" eaLnBrk="1" latinLnBrk="0" hangingPunct="1">
         <a:lnSpc>
-          <a:spcPct val="100000"/>
+          <a:spcPct val="90000"/>
         </a:lnSpc>
         <a:spcBef>
           <a:spcPts val="1000"/>
         </a:spcBef>
-        <a:buClr>
-          <a:schemeClr val="accent2"/>
-        </a:buClr>
         <a:buFont typeface="Arial" panose="020B0604020202020204" pitchFamily="34" charset="0"/>
         <a:buChar char="•"/>
-        <a:defRPr sz="1800" kern="1200">
+        <a:defRPr sz="2800" kern="1200">
           <a:solidFill>
-            <a:schemeClr val="tx1">
-              <a:lumMod val="85000"/>
-              <a:lumOff val="15000"/>
-            </a:schemeClr>
+            <a:schemeClr val="tx1"/>
           </a:solidFill>
           <a:latin typeface="+mn-lt"/>
           <a:ea typeface="+mn-ea"/>
           <a:cs typeface="+mn-cs"/>
         </a:defRPr>
       </a:lvl1pPr>
-      <a:lvl2pPr marL="457200" indent="-228600" algn="l" defTabSz="914400" rtl="0" eaLnBrk="1" latinLnBrk="0" hangingPunct="1">
+      <a:lvl2pPr marL="685800" indent="-228600" algn="l" defTabSz="914400" rtl="0" eaLnBrk="1" latinLnBrk="0" hangingPunct="1">
         <a:lnSpc>
-          <a:spcPct val="100000"/>
+          <a:spcPct val="90000"/>
         </a:lnSpc>
         <a:spcBef>
-          <a:spcPts val="1000"/>
+          <a:spcPts val="500"/>
         </a:spcBef>
-        <a:buClr>
-          <a:schemeClr val="accent2"/>
-        </a:buClr>
         <a:buFont typeface="Arial" panose="020B0604020202020204" pitchFamily="34" charset="0"/>
         <a:buChar char="•"/>
-        <a:defRPr sz="1600" kern="1200">
+        <a:defRPr sz="2400" kern="1200">
           <a:solidFill>
-            <a:schemeClr val="tx1">
-              <a:lumMod val="85000"/>
-              <a:lumOff val="15000"/>
-            </a:schemeClr>
+            <a:schemeClr val="tx1"/>
           </a:solidFill>
           <a:latin typeface="+mn-lt"/>
           <a:ea typeface="+mn-ea"/>
           <a:cs typeface="+mn-cs"/>
         </a:defRPr>
       </a:lvl2pPr>
-      <a:lvl3pPr marL="685800" indent="-228600" algn="l" defTabSz="914400" rtl="0" eaLnBrk="1" latinLnBrk="0" hangingPunct="1">
+      <a:lvl3pPr marL="1143000" indent="-228600" algn="l" defTabSz="914400" rtl="0" eaLnBrk="1" latinLnBrk="0" hangingPunct="1">
         <a:lnSpc>
-          <a:spcPct val="100000"/>
+          <a:spcPct val="90000"/>
         </a:lnSpc>
         <a:spcBef>
-          <a:spcPts val="1000"/>
+          <a:spcPts val="500"/>
         </a:spcBef>
-        <a:buClr>
-          <a:schemeClr val="accent2"/>
-        </a:buClr>
         <a:buFont typeface="Arial" panose="020B0604020202020204" pitchFamily="34" charset="0"/>
         <a:buChar char="•"/>
-        <a:defRPr sz="1600" kern="1200">
+        <a:defRPr sz="2000" kern="1200">
           <a:solidFill>
-            <a:schemeClr val="tx1">
-              <a:lumMod val="85000"/>
-              <a:lumOff val="15000"/>
-            </a:schemeClr>
+            <a:schemeClr val="tx1"/>
           </a:solidFill>
           <a:latin typeface="+mn-lt"/>
           <a:ea typeface="+mn-ea"/>
           <a:cs typeface="+mn-cs"/>
         </a:defRPr>
       </a:lvl3pPr>
-      <a:lvl4pPr marL="914400" indent="-228600" algn="l" defTabSz="914400" rtl="0" eaLnBrk="1" latinLnBrk="0" hangingPunct="1">
+      <a:lvl4pPr marL="1600200" indent="-228600" algn="l" defTabSz="914400" rtl="0" eaLnBrk="1" latinLnBrk="0" hangingPunct="1">
         <a:lnSpc>
-          <a:spcPct val="100000"/>
+          <a:spcPct val="90000"/>
         </a:lnSpc>
         <a:spcBef>
-          <a:spcPts val="1000"/>
+          <a:spcPts val="500"/>
         </a:spcBef>
-        <a:buClr>
-          <a:schemeClr val="accent2"/>
-        </a:buClr>
         <a:buFont typeface="Arial" panose="020B0604020202020204" pitchFamily="34" charset="0"/>
         <a:buChar char="•"/>
-        <a:defRPr sz="1600" kern="1200">
+        <a:defRPr sz="1800" kern="1200">
           <a:solidFill>
-            <a:schemeClr val="tx1">
-              <a:lumMod val="85000"/>
-              <a:lumOff val="15000"/>
-            </a:schemeClr>
+            <a:schemeClr val="tx1"/>
           </a:solidFill>
           <a:latin typeface="+mn-lt"/>
           <a:ea typeface="+mn-ea"/>
           <a:cs typeface="+mn-cs"/>
         </a:defRPr>
       </a:lvl4pPr>
-      <a:lvl5pPr marL="1143000" indent="-228600" algn="l" defTabSz="914400" rtl="0" eaLnBrk="1" latinLnBrk="0" hangingPunct="1">
+      <a:lvl5pPr marL="2057400" indent="-228600" algn="l" defTabSz="914400" rtl="0" eaLnBrk="1" latinLnBrk="0" hangingPunct="1">
         <a:lnSpc>
-          <a:spcPct val="100000"/>
+          <a:spcPct val="90000"/>
         </a:lnSpc>
         <a:spcBef>
-          <a:spcPts val="1000"/>
+          <a:spcPts val="500"/>
         </a:spcBef>
-        <a:buClr>
-          <a:schemeClr val="accent2"/>
-        </a:buClr>
         <a:buFont typeface="Arial" panose="020B0604020202020204" pitchFamily="34" charset="0"/>
         <a:buChar char="•"/>
-        <a:defRPr sz="1600" kern="1200">
+        <a:defRPr sz="1800" kern="1200">
           <a:solidFill>
-            <a:schemeClr val="tx1">
-              <a:lumMod val="85000"/>
-              <a:lumOff val="15000"/>
-            </a:schemeClr>
+            <a:schemeClr val="tx1"/>
           </a:solidFill>
           <a:latin typeface="+mn-lt"/>
           <a:ea typeface="+mn-ea"/>
           <a:cs typeface="+mn-cs"/>
         </a:defRPr>
       </a:lvl5pPr>
-      <a:lvl6pPr marL="1314450" indent="-228600" algn="l" defTabSz="914400" rtl="0" eaLnBrk="1" latinLnBrk="0" hangingPunct="1">
+      <a:lvl6pPr marL="2514600" indent="-228600" algn="l" defTabSz="914400" rtl="0" eaLnBrk="1" latinLnBrk="0" hangingPunct="1">
         <a:lnSpc>
-          <a:spcPct val="100000"/>
+          <a:spcPct val="90000"/>
         </a:lnSpc>
         <a:spcBef>
-          <a:spcPts val="1000"/>
+          <a:spcPts val="500"/>
         </a:spcBef>
-        <a:buClr>
-          <a:schemeClr val="accent2"/>
-        </a:buClr>
         <a:buFont typeface="Arial" panose="020B0604020202020204" pitchFamily="34" charset="0"/>
         <a:buChar char="•"/>
-        <a:defRPr sz="1600" kern="1200">
+        <a:defRPr sz="1800" kern="1200">
           <a:solidFill>
             <a:schemeClr val="tx1"/>
           </a:solidFill>
@@ -3079,19 +3658,16 @@
           <a:cs typeface="+mn-cs"/>
         </a:defRPr>
       </a:lvl6pPr>
-      <a:lvl7pPr marL="1485900" indent="-228600" algn="l" defTabSz="914400" rtl="0" eaLnBrk="1" latinLnBrk="0" hangingPunct="1">
+      <a:lvl7pPr marL="2971800" indent="-228600" algn="l" defTabSz="914400" rtl="0" eaLnBrk="1" latinLnBrk="0" hangingPunct="1">
         <a:lnSpc>
-          <a:spcPct val="100000"/>
+          <a:spcPct val="90000"/>
         </a:lnSpc>
         <a:spcBef>
-          <a:spcPts val="1000"/>
+          <a:spcPts val="500"/>
         </a:spcBef>
-        <a:buClr>
-          <a:schemeClr val="accent2"/>
-        </a:buClr>
         <a:buFont typeface="Arial" panose="020B0604020202020204" pitchFamily="34" charset="0"/>
         <a:buChar char="•"/>
-        <a:defRPr sz="1600" kern="1200">
+        <a:defRPr sz="1800" kern="1200">
           <a:solidFill>
             <a:schemeClr val="tx1"/>
           </a:solidFill>
@@ -3100,19 +3676,16 @@
           <a:cs typeface="+mn-cs"/>
         </a:defRPr>
       </a:lvl7pPr>
-      <a:lvl8pPr marL="1657350" indent="-228600" algn="l" defTabSz="914400" rtl="0" eaLnBrk="1" latinLnBrk="0" hangingPunct="1">
+      <a:lvl8pPr marL="3429000" indent="-228600" algn="l" defTabSz="914400" rtl="0" eaLnBrk="1" latinLnBrk="0" hangingPunct="1">
         <a:lnSpc>
-          <a:spcPct val="100000"/>
+          <a:spcPct val="90000"/>
         </a:lnSpc>
         <a:spcBef>
-          <a:spcPts val="1000"/>
+          <a:spcPts val="500"/>
         </a:spcBef>
-        <a:buClr>
-          <a:schemeClr val="accent2"/>
-        </a:buClr>
         <a:buFont typeface="Arial" panose="020B0604020202020204" pitchFamily="34" charset="0"/>
         <a:buChar char="•"/>
-        <a:defRPr sz="1600" kern="1200" baseline="0">
+        <a:defRPr sz="1800" kern="1200">
           <a:solidFill>
             <a:schemeClr val="tx1"/>
           </a:solidFill>
@@ -3121,19 +3694,16 @@
           <a:cs typeface="+mn-cs"/>
         </a:defRPr>
       </a:lvl8pPr>
-      <a:lvl9pPr marL="1828800" indent="-228600" algn="l" defTabSz="914400" rtl="0" eaLnBrk="1" latinLnBrk="0" hangingPunct="1">
+      <a:lvl9pPr marL="3886200" indent="-228600" algn="l" defTabSz="914400" rtl="0" eaLnBrk="1" latinLnBrk="0" hangingPunct="1">
         <a:lnSpc>
-          <a:spcPct val="100000"/>
+          <a:spcPct val="90000"/>
         </a:lnSpc>
         <a:spcBef>
-          <a:spcPts val="1000"/>
+          <a:spcPts val="500"/>
         </a:spcBef>
-        <a:buClr>
-          <a:schemeClr val="accent2"/>
-        </a:buClr>
         <a:buFont typeface="Arial" panose="020B0604020202020204" pitchFamily="34" charset="0"/>
         <a:buChar char="•"/>
-        <a:defRPr sz="1600" kern="1200" baseline="0">
+        <a:defRPr sz="1800" kern="1200">
           <a:solidFill>
             <a:schemeClr val="tx1"/>
           </a:solidFill>
@@ -3239,11 +3809,6 @@
       </a:lvl9pPr>
     </p:otherStyle>
   </p:txStyles>
-  <p:extLst>
-    <p:ext uri="{27BBF7A9-308A-43DC-89C8-2F10F3537804}">
-      <p15:sldGuideLst xmlns:p15="http://schemas.microsoft.com/office/powerpoint/2012/main"/>
-    </p:ext>
-  </p:extLst>
 </p:sldMaster>
 </file>
 
@@ -3269,7 +3834,7 @@
           <p:cNvPr id="2" name="Title 1">
             <a:extLst>
               <a:ext uri="{FF2B5EF4-FFF2-40B4-BE49-F238E27FC236}">
-                <a16:creationId xmlns:a16="http://schemas.microsoft.com/office/drawing/2014/main" id="{BC3296B4-476B-0143-96C6-A7CC65890CA3}"/>
+                <a16:creationId xmlns:a16="http://schemas.microsoft.com/office/drawing/2014/main" id="{AAEB7637-1775-4BDC-B7C0-70CE3B78719C}"/>
               </a:ext>
             </a:extLst>
           </p:cNvPr>
@@ -3282,83 +3847,58 @@
         </p:nvSpPr>
         <p:spPr/>
         <p:txBody>
-          <a:bodyPr/>
-          <a:lstStyle/>
-          <a:p>
+          <a:bodyPr>
+            <a:noAutofit/>
+          </a:bodyPr>
+          <a:lstStyle/>
+          <a:p>
+            <a:r>
+              <a:rPr lang="en-US" sz="4800" dirty="0"/>
+              <a:t>Understanding the Relationship between Healthcare Processes and in-Hospital Mortality using MIMIC III</a:t>
+            </a:r>
+          </a:p>
+        </p:txBody>
+      </p:sp>
+      <p:sp>
+        <p:nvSpPr>
+          <p:cNvPr id="3" name="Subtitle 2">
+            <a:extLst>
+              <a:ext uri="{FF2B5EF4-FFF2-40B4-BE49-F238E27FC236}">
+                <a16:creationId xmlns:a16="http://schemas.microsoft.com/office/drawing/2014/main" id="{23B6866F-3042-41CB-8ADD-47F90D71091F}"/>
+              </a:ext>
+            </a:extLst>
+          </p:cNvPr>
+          <p:cNvSpPr>
+            <a:spLocks noGrp="1"/>
+          </p:cNvSpPr>
+          <p:nvPr>
+            <p:ph type="subTitle" idx="1"/>
+          </p:nvPr>
+        </p:nvSpPr>
+        <p:spPr/>
+        <p:txBody>
+          <a:bodyPr>
+            <a:normAutofit lnSpcReduction="10000"/>
+          </a:bodyPr>
+          <a:lstStyle/>
+          <a:p>
+            <a:r>
+              <a:rPr lang="en-US" dirty="0"/>
+              <a:t>Team Members: Jiaqi Gong, Benjamin </a:t>
+            </a:r>
             <a:r>
               <a:rPr lang="en-US" dirty="0" err="1"/>
-              <a:t>Bhi-bsn</a:t>
+              <a:t>Ghaemmaghami</a:t>
             </a:r>
             <a:r>
               <a:rPr lang="en-US" dirty="0"/>
-              <a:t> 2018 big </a:t>
-            </a:r>
-            <a:r>
-              <a:rPr lang="en-US"/>
-              <a:t>data challenge</a:t>
+              <a:t>, Renee </a:t>
+            </a:r>
+            <a:r>
+              <a:rPr lang="en-US" dirty="0" err="1"/>
+              <a:t>MitChell</a:t>
             </a:r>
             <a:endParaRPr lang="en-US" dirty="0"/>
-          </a:p>
-        </p:txBody>
-      </p:sp>
-      <p:sp>
-        <p:nvSpPr>
-          <p:cNvPr id="3" name="Subtitle 2">
-            <a:extLst>
-              <a:ext uri="{FF2B5EF4-FFF2-40B4-BE49-F238E27FC236}">
-                <a16:creationId xmlns:a16="http://schemas.microsoft.com/office/drawing/2014/main" id="{CCF0DDFA-991B-E842-85B5-17B1F9CD079B}"/>
-              </a:ext>
-            </a:extLst>
-          </p:cNvPr>
-          <p:cNvSpPr>
-            <a:spLocks noGrp="1"/>
-          </p:cNvSpPr>
-          <p:nvPr>
-            <p:ph type="subTitle" idx="1"/>
-          </p:nvPr>
-        </p:nvSpPr>
-        <p:spPr>
-          <a:xfrm>
-            <a:off x="2021396" y="4138367"/>
-            <a:ext cx="5101209" cy="1894788"/>
-          </a:xfrm>
-        </p:spPr>
-        <p:txBody>
-          <a:bodyPr>
-            <a:normAutofit fontScale="92500" lnSpcReduction="10000"/>
-          </a:bodyPr>
-          <a:lstStyle/>
-          <a:p>
-            <a:r>
-              <a:rPr lang="en-US" dirty="0" err="1"/>
-              <a:t>Jiaqi</a:t>
-            </a:r>
-            <a:r>
-              <a:rPr lang="en-US" dirty="0"/>
-              <a:t> Gong, Ridwan </a:t>
-            </a:r>
-            <a:r>
-              <a:rPr lang="en-US" dirty="0" err="1"/>
-              <a:t>Alam</a:t>
-            </a:r>
-            <a:r>
-              <a:rPr lang="en-US" dirty="0"/>
-              <a:t>, Ben </a:t>
-            </a:r>
-            <a:r>
-              <a:rPr lang="en-US" dirty="0" err="1"/>
-              <a:t>Ghaemaghammi</a:t>
-            </a:r>
-            <a:r>
-              <a:rPr lang="en-US" dirty="0"/>
-              <a:t>, </a:t>
-            </a:r>
-          </a:p>
-          <a:p>
-            <a:r>
-              <a:rPr lang="en-US" dirty="0"/>
-              <a:t>Renee Mitchell</a:t>
-            </a:r>
           </a:p>
           <a:p>
             <a:r>
@@ -3375,17 +3915,17 @@
           <a:p>
             <a:r>
               <a:rPr lang="en-US" dirty="0"/>
-              <a:t>3/7/2018</a:t>
+              <a:t>03/06/2018</a:t>
             </a:r>
           </a:p>
         </p:txBody>
       </p:sp>
       <p:pic>
         <p:nvPicPr>
-          <p:cNvPr id="4" name="Picture 3">
-            <a:extLst>
-              <a:ext uri="{FF2B5EF4-FFF2-40B4-BE49-F238E27FC236}">
-                <a16:creationId xmlns:a16="http://schemas.microsoft.com/office/drawing/2014/main" id="{FF2C6B8A-2296-604A-A72B-72834725B2D9}"/>
+          <p:cNvPr id="4" name="Picture 3" descr="A close up of a sign&#10;&#10;Description generated with very high confidence">
+            <a:extLst>
+              <a:ext uri="{FF2B5EF4-FFF2-40B4-BE49-F238E27FC236}">
+                <a16:creationId xmlns:a16="http://schemas.microsoft.com/office/drawing/2014/main" id="{6F97273F-7D5F-4D69-AE79-39E1D0E66DAD}"/>
               </a:ext>
             </a:extLst>
           </p:cNvPr>
@@ -3395,25 +3935,177 @@
           <p:nvPr/>
         </p:nvPicPr>
         <p:blipFill>
-          <a:blip r:embed="rId2"/>
+          <a:blip r:embed="rId2">
+            <a:extLst>
+              <a:ext uri="{28A0092B-C50C-407E-A947-70E740481C1C}">
+                <a14:useLocalDpi xmlns:a14="http://schemas.microsoft.com/office/drawing/2010/main" val="0"/>
+              </a:ext>
+            </a:extLst>
+          </a:blip>
           <a:stretch>
             <a:fillRect/>
           </a:stretch>
         </p:blipFill>
         <p:spPr>
           <a:xfrm>
-            <a:off x="6044396" y="5912318"/>
-            <a:ext cx="1997364" cy="588818"/>
+            <a:off x="362855" y="4429919"/>
+            <a:ext cx="2052478" cy="2052478"/>
           </a:xfrm>
           <a:prstGeom prst="rect">
             <a:avLst/>
           </a:prstGeom>
         </p:spPr>
       </p:pic>
+      <p:pic>
+        <p:nvPicPr>
+          <p:cNvPr id="5" name="Picture 4">
+            <a:extLst>
+              <a:ext uri="{FF2B5EF4-FFF2-40B4-BE49-F238E27FC236}">
+                <a16:creationId xmlns:a16="http://schemas.microsoft.com/office/drawing/2014/main" id="{B99AD316-F95F-4325-9C9B-80E32DFF10C8}"/>
+              </a:ext>
+            </a:extLst>
+          </p:cNvPr>
+          <p:cNvPicPr>
+            <a:picLocks noChangeAspect="1"/>
+          </p:cNvPicPr>
+          <p:nvPr/>
+        </p:nvPicPr>
+        <p:blipFill>
+          <a:blip r:embed="rId3">
+            <a:extLst>
+              <a:ext uri="{28A0092B-C50C-407E-A947-70E740481C1C}">
+                <a14:useLocalDpi xmlns:a14="http://schemas.microsoft.com/office/drawing/2010/main" val="0"/>
+              </a:ext>
+            </a:extLst>
+          </a:blip>
+          <a:stretch>
+            <a:fillRect/>
+          </a:stretch>
+        </p:blipFill>
+        <p:spPr>
+          <a:xfrm>
+            <a:off x="9585404" y="4484130"/>
+            <a:ext cx="2165192" cy="2165192"/>
+          </a:xfrm>
+          <a:prstGeom prst="rect">
+            <a:avLst/>
+          </a:prstGeom>
+        </p:spPr>
+      </p:pic>
+      <p:grpSp>
+        <p:nvGrpSpPr>
+          <p:cNvPr id="8" name="Group 7">
+            <a:extLst>
+              <a:ext uri="{FF2B5EF4-FFF2-40B4-BE49-F238E27FC236}">
+                <a16:creationId xmlns:a16="http://schemas.microsoft.com/office/drawing/2014/main" id="{0080E990-ECB6-43CC-A222-7D46CDE013CB}"/>
+              </a:ext>
+            </a:extLst>
+          </p:cNvPr>
+          <p:cNvGrpSpPr>
+            <a:grpSpLocks noChangeAspect="1"/>
+          </p:cNvGrpSpPr>
+          <p:nvPr/>
+        </p:nvGrpSpPr>
+        <p:grpSpPr>
+          <a:xfrm>
+            <a:off x="5279858" y="190594"/>
+            <a:ext cx="1915022" cy="1103219"/>
+            <a:chOff x="4975058" y="19144"/>
+            <a:chExt cx="2921000" cy="1682750"/>
+          </a:xfrm>
+        </p:grpSpPr>
+        <p:sp>
+          <p:nvSpPr>
+            <p:cNvPr id="6" name="Rectangle 5">
+              <a:extLst>
+                <a:ext uri="{FF2B5EF4-FFF2-40B4-BE49-F238E27FC236}">
+                  <a16:creationId xmlns:a16="http://schemas.microsoft.com/office/drawing/2014/main" id="{127AFB81-3267-4BBA-88A5-B13FF6D0EAA8}"/>
+                </a:ext>
+              </a:extLst>
+            </p:cNvPr>
+            <p:cNvSpPr/>
+            <p:nvPr/>
+          </p:nvSpPr>
+          <p:spPr>
+            <a:xfrm>
+              <a:off x="4975058" y="19144"/>
+              <a:ext cx="2921000" cy="1682750"/>
+            </a:xfrm>
+            <a:prstGeom prst="rect">
+              <a:avLst/>
+            </a:prstGeom>
+            <a:solidFill>
+              <a:schemeClr val="tx1">
+                <a:alpha val="49000"/>
+              </a:schemeClr>
+            </a:solidFill>
+          </p:spPr>
+          <p:style>
+            <a:lnRef idx="2">
+              <a:schemeClr val="accent1">
+                <a:shade val="50000"/>
+              </a:schemeClr>
+            </a:lnRef>
+            <a:fillRef idx="1">
+              <a:schemeClr val="accent1"/>
+            </a:fillRef>
+            <a:effectRef idx="0">
+              <a:schemeClr val="accent1"/>
+            </a:effectRef>
+            <a:fontRef idx="minor">
+              <a:schemeClr val="lt1"/>
+            </a:fontRef>
+          </p:style>
+          <p:txBody>
+            <a:bodyPr rtlCol="0" anchor="ctr"/>
+            <a:lstStyle/>
+            <a:p>
+              <a:pPr algn="ctr"/>
+              <a:endParaRPr lang="en-US"/>
+            </a:p>
+          </p:txBody>
+        </p:sp>
+        <p:pic>
+          <p:nvPicPr>
+            <p:cNvPr id="7" name="Picture 6">
+              <a:extLst>
+                <a:ext uri="{FF2B5EF4-FFF2-40B4-BE49-F238E27FC236}">
+                  <a16:creationId xmlns:a16="http://schemas.microsoft.com/office/drawing/2014/main" id="{DF735541-9363-4956-9EE7-5F9B5422E4C4}"/>
+                </a:ext>
+              </a:extLst>
+            </p:cNvPr>
+            <p:cNvPicPr>
+              <a:picLocks noChangeAspect="1"/>
+            </p:cNvPicPr>
+            <p:nvPr/>
+          </p:nvPicPr>
+          <p:blipFill>
+            <a:blip r:embed="rId4">
+              <a:extLst>
+                <a:ext uri="{28A0092B-C50C-407E-A947-70E740481C1C}">
+                  <a14:useLocalDpi xmlns:a14="http://schemas.microsoft.com/office/drawing/2010/main" val="0"/>
+                </a:ext>
+              </a:extLst>
+            </a:blip>
+            <a:stretch>
+              <a:fillRect/>
+            </a:stretch>
+          </p:blipFill>
+          <p:spPr>
+            <a:xfrm>
+              <a:off x="5089525" y="101787"/>
+              <a:ext cx="2679365" cy="1498413"/>
+            </a:xfrm>
+            <a:prstGeom prst="rect">
+              <a:avLst/>
+            </a:prstGeom>
+          </p:spPr>
+        </p:pic>
+      </p:grpSp>
     </p:spTree>
     <p:extLst>
       <p:ext uri="{BB962C8B-B14F-4D97-AF65-F5344CB8AC3E}">
-        <p14:creationId xmlns:p14="http://schemas.microsoft.com/office/powerpoint/2010/main" val="1966173534"/>
+        <p14:creationId xmlns:p14="http://schemas.microsoft.com/office/powerpoint/2010/main" val="2100374278"/>
       </p:ext>
     </p:extLst>
   </p:cSld>
@@ -3440,12 +4132,48 @@
           <a:chExt cx="0" cy="0"/>
         </a:xfrm>
       </p:grpSpPr>
+      <p:pic>
+        <p:nvPicPr>
+          <p:cNvPr id="7" name="Picture 6" descr="A close up of a map&#10;&#10;Description generated with high confidence">
+            <a:extLst>
+              <a:ext uri="{FF2B5EF4-FFF2-40B4-BE49-F238E27FC236}">
+                <a16:creationId xmlns:a16="http://schemas.microsoft.com/office/drawing/2014/main" id="{01C94B2E-7F37-41F7-9947-C1B3EF2A4776}"/>
+              </a:ext>
+            </a:extLst>
+          </p:cNvPr>
+          <p:cNvPicPr>
+            <a:picLocks noChangeAspect="1"/>
+          </p:cNvPicPr>
+          <p:nvPr/>
+        </p:nvPicPr>
+        <p:blipFill>
+          <a:blip r:embed="rId2">
+            <a:extLst>
+              <a:ext uri="{28A0092B-C50C-407E-A947-70E740481C1C}">
+                <a14:useLocalDpi xmlns:a14="http://schemas.microsoft.com/office/drawing/2010/main" val="0"/>
+              </a:ext>
+            </a:extLst>
+          </a:blip>
+          <a:stretch>
+            <a:fillRect/>
+          </a:stretch>
+        </p:blipFill>
+        <p:spPr>
+          <a:xfrm>
+            <a:off x="4534806" y="1477152"/>
+            <a:ext cx="7418153" cy="4771247"/>
+          </a:xfrm>
+          <a:prstGeom prst="rect">
+            <a:avLst/>
+          </a:prstGeom>
+        </p:spPr>
+      </p:pic>
       <p:sp>
         <p:nvSpPr>
           <p:cNvPr id="2" name="Title 1">
             <a:extLst>
               <a:ext uri="{FF2B5EF4-FFF2-40B4-BE49-F238E27FC236}">
-                <a16:creationId xmlns:a16="http://schemas.microsoft.com/office/drawing/2014/main" id="{FBD07D77-D39F-C441-B888-8920DAB112BD}"/>
+                <a16:creationId xmlns:a16="http://schemas.microsoft.com/office/drawing/2014/main" id="{6EC47F41-BBBF-49B3-BA68-7607B78CDD3B}"/>
               </a:ext>
             </a:extLst>
           </p:cNvPr>
@@ -3463,7 +4191,7 @@
           <a:p>
             <a:r>
               <a:rPr lang="en-US" dirty="0"/>
-              <a:t>Acknowledgements</a:t>
+              <a:t>Decision Tree</a:t>
             </a:r>
           </a:p>
         </p:txBody>
@@ -3473,7 +4201,7 @@
           <p:cNvPr id="3" name="Content Placeholder 2">
             <a:extLst>
               <a:ext uri="{FF2B5EF4-FFF2-40B4-BE49-F238E27FC236}">
-                <a16:creationId xmlns:a16="http://schemas.microsoft.com/office/drawing/2014/main" id="{34FE7614-E14A-0340-9917-F067A0D6DED9}"/>
+                <a16:creationId xmlns:a16="http://schemas.microsoft.com/office/drawing/2014/main" id="{158F0AA4-F8EE-4E4A-A7DD-633CE5CBE964}"/>
               </a:ext>
             </a:extLst>
           </p:cNvPr>
@@ -3490,41 +4218,893 @@
           <a:lstStyle/>
           <a:p>
             <a:r>
-              <a:rPr lang="en-US" dirty="0"/>
-              <a:t>We would like to thank…</a:t>
+              <a:rPr lang="en-US" sz="2400" dirty="0"/>
+              <a:t>Factors</a:t>
             </a:r>
           </a:p>
           <a:p>
             <a:pPr lvl="1"/>
             <a:r>
-              <a:rPr lang="en-US" dirty="0"/>
-              <a:t>Colleagues?</a:t>
+              <a:rPr lang="en-US" sz="2000" dirty="0"/>
+              <a:t>x8: oasis</a:t>
             </a:r>
           </a:p>
           <a:p>
             <a:pPr lvl="1"/>
             <a:r>
-              <a:rPr lang="en-US" dirty="0"/>
-              <a:t>Funders?</a:t>
+              <a:rPr lang="en-US" sz="2000" dirty="0"/>
+              <a:t>x4: Number of Lab Tests</a:t>
             </a:r>
           </a:p>
           <a:p>
             <a:pPr lvl="1"/>
             <a:r>
-              <a:rPr lang="en-US" dirty="0" err="1"/>
-              <a:t>etc</a:t>
-            </a:r>
-            <a:r>
-              <a:rPr lang="en-US" dirty="0"/>
-              <a:t>…</a:t>
-            </a:r>
+              <a:rPr lang="en-US" sz="2000" dirty="0"/>
+              <a:t>x7: length of stay in hospital</a:t>
+            </a:r>
+          </a:p>
+          <a:p>
+            <a:endParaRPr lang="en-US" sz="2400" dirty="0"/>
+          </a:p>
+          <a:p>
+            <a:r>
+              <a:rPr lang="en-US" sz="2400" dirty="0" err="1"/>
+              <a:t>hospital_expire_flag</a:t>
+            </a:r>
+            <a:endParaRPr lang="en-US" sz="2400" dirty="0"/>
+          </a:p>
+          <a:p>
+            <a:pPr lvl="1"/>
+            <a:r>
+              <a:rPr lang="en-US" sz="2000" dirty="0"/>
+              <a:t>0</a:t>
+            </a:r>
+          </a:p>
+          <a:p>
+            <a:pPr lvl="1"/>
+            <a:r>
+              <a:rPr lang="en-US" sz="2000" dirty="0"/>
+              <a:t>1</a:t>
+            </a:r>
+          </a:p>
+          <a:p>
+            <a:endParaRPr lang="en-US" dirty="0"/>
           </a:p>
         </p:txBody>
       </p:sp>
     </p:spTree>
     <p:extLst>
       <p:ext uri="{BB962C8B-B14F-4D97-AF65-F5344CB8AC3E}">
-        <p14:creationId xmlns:p14="http://schemas.microsoft.com/office/powerpoint/2010/main" val="4080745024"/>
+        <p14:creationId xmlns:p14="http://schemas.microsoft.com/office/powerpoint/2010/main" val="2353746952"/>
+      </p:ext>
+    </p:extLst>
+  </p:cSld>
+  <p:clrMapOvr>
+    <a:masterClrMapping/>
+  </p:clrMapOvr>
+</p:sld>
+</file>
+
+<file path=ppt/slides/slide11.xml><?xml version="1.0" encoding="utf-8"?>
+<p:sld xmlns:a="http://schemas.openxmlformats.org/drawingml/2006/main" xmlns:r="http://schemas.openxmlformats.org/officeDocument/2006/relationships" xmlns:p="http://schemas.openxmlformats.org/presentationml/2006/main">
+  <p:cSld>
+    <p:spTree>
+      <p:nvGrpSpPr>
+        <p:cNvPr id="1" name=""/>
+        <p:cNvGrpSpPr/>
+        <p:nvPr/>
+      </p:nvGrpSpPr>
+      <p:grpSpPr>
+        <a:xfrm>
+          <a:off x="0" y="0"/>
+          <a:ext cx="0" cy="0"/>
+          <a:chOff x="0" y="0"/>
+          <a:chExt cx="0" cy="0"/>
+        </a:xfrm>
+      </p:grpSpPr>
+      <p:pic>
+        <p:nvPicPr>
+          <p:cNvPr id="8" name="Picture 7" descr="A picture containing sky, tree&#10;&#10;Description generated with high confidence">
+            <a:extLst>
+              <a:ext uri="{FF2B5EF4-FFF2-40B4-BE49-F238E27FC236}">
+                <a16:creationId xmlns:a16="http://schemas.microsoft.com/office/drawing/2014/main" id="{47F7CA0E-11FE-43F4-BEF3-4D337209BF75}"/>
+              </a:ext>
+            </a:extLst>
+          </p:cNvPr>
+          <p:cNvPicPr>
+            <a:picLocks noChangeAspect="1"/>
+          </p:cNvPicPr>
+          <p:nvPr/>
+        </p:nvPicPr>
+        <p:blipFill>
+          <a:blip r:embed="rId3">
+            <a:extLst>
+              <a:ext uri="{28A0092B-C50C-407E-A947-70E740481C1C}">
+                <a14:useLocalDpi xmlns:a14="http://schemas.microsoft.com/office/drawing/2010/main" val="0"/>
+              </a:ext>
+            </a:extLst>
+          </a:blip>
+          <a:stretch>
+            <a:fillRect/>
+          </a:stretch>
+        </p:blipFill>
+        <p:spPr>
+          <a:xfrm>
+            <a:off x="4141653" y="248680"/>
+            <a:ext cx="8278947" cy="6209210"/>
+          </a:xfrm>
+          <a:prstGeom prst="rect">
+            <a:avLst/>
+          </a:prstGeom>
+        </p:spPr>
+      </p:pic>
+      <p:sp>
+        <p:nvSpPr>
+          <p:cNvPr id="2" name="Title 1">
+            <a:extLst>
+              <a:ext uri="{FF2B5EF4-FFF2-40B4-BE49-F238E27FC236}">
+                <a16:creationId xmlns:a16="http://schemas.microsoft.com/office/drawing/2014/main" id="{6EC47F41-BBBF-49B3-BA68-7607B78CDD3B}"/>
+              </a:ext>
+            </a:extLst>
+          </p:cNvPr>
+          <p:cNvSpPr>
+            <a:spLocks noGrp="1"/>
+          </p:cNvSpPr>
+          <p:nvPr>
+            <p:ph type="title"/>
+          </p:nvPr>
+        </p:nvSpPr>
+        <p:spPr/>
+        <p:txBody>
+          <a:bodyPr/>
+          <a:lstStyle/>
+          <a:p>
+            <a:r>
+              <a:rPr lang="en-US" dirty="0"/>
+              <a:t>Decision Tree</a:t>
+            </a:r>
+          </a:p>
+        </p:txBody>
+      </p:sp>
+      <p:sp>
+        <p:nvSpPr>
+          <p:cNvPr id="3" name="Content Placeholder 2">
+            <a:extLst>
+              <a:ext uri="{FF2B5EF4-FFF2-40B4-BE49-F238E27FC236}">
+                <a16:creationId xmlns:a16="http://schemas.microsoft.com/office/drawing/2014/main" id="{158F0AA4-F8EE-4E4A-A7DD-633CE5CBE964}"/>
+              </a:ext>
+            </a:extLst>
+          </p:cNvPr>
+          <p:cNvSpPr>
+            <a:spLocks noGrp="1"/>
+          </p:cNvSpPr>
+          <p:nvPr>
+            <p:ph idx="1"/>
+          </p:nvPr>
+        </p:nvSpPr>
+        <p:spPr/>
+        <p:txBody>
+          <a:bodyPr/>
+          <a:lstStyle/>
+          <a:p>
+            <a:r>
+              <a:rPr lang="en-US" sz="2400" dirty="0"/>
+              <a:t>Visualization</a:t>
+            </a:r>
+          </a:p>
+          <a:p>
+            <a:pPr lvl="1"/>
+            <a:r>
+              <a:rPr lang="en-US" sz="2000" dirty="0"/>
+              <a:t>z: oasis</a:t>
+            </a:r>
+          </a:p>
+          <a:p>
+            <a:pPr lvl="1"/>
+            <a:r>
+              <a:rPr lang="en-US" sz="2000" dirty="0"/>
+              <a:t>y: Number of Lab Tests</a:t>
+            </a:r>
+          </a:p>
+          <a:p>
+            <a:pPr lvl="1"/>
+            <a:r>
+              <a:rPr lang="en-US" sz="2000" dirty="0"/>
+              <a:t>x: length of stay in hospital</a:t>
+            </a:r>
+          </a:p>
+          <a:p>
+            <a:endParaRPr lang="en-US" sz="2400" dirty="0"/>
+          </a:p>
+          <a:p>
+            <a:r>
+              <a:rPr lang="en-US" sz="2400" dirty="0" err="1"/>
+              <a:t>hospital_expire_flag</a:t>
+            </a:r>
+            <a:endParaRPr lang="en-US" sz="2400" dirty="0"/>
+          </a:p>
+          <a:p>
+            <a:pPr lvl="1"/>
+            <a:r>
+              <a:rPr lang="en-US" sz="2000" dirty="0"/>
+              <a:t>0(black)</a:t>
+            </a:r>
+          </a:p>
+          <a:p>
+            <a:pPr lvl="1"/>
+            <a:r>
+              <a:rPr lang="en-US" sz="2000" dirty="0"/>
+              <a:t>1(red)</a:t>
+            </a:r>
+          </a:p>
+          <a:p>
+            <a:endParaRPr lang="en-US" dirty="0"/>
+          </a:p>
+        </p:txBody>
+      </p:sp>
+      <p:sp>
+        <p:nvSpPr>
+          <p:cNvPr id="4" name="Rectangle 3">
+            <a:extLst>
+              <a:ext uri="{FF2B5EF4-FFF2-40B4-BE49-F238E27FC236}">
+                <a16:creationId xmlns:a16="http://schemas.microsoft.com/office/drawing/2014/main" id="{B964AA48-5B4B-4505-90A7-9B34FCCEAC5D}"/>
+              </a:ext>
+            </a:extLst>
+          </p:cNvPr>
+          <p:cNvSpPr/>
+          <p:nvPr/>
+        </p:nvSpPr>
+        <p:spPr>
+          <a:xfrm>
+            <a:off x="6907770" y="6209210"/>
+            <a:ext cx="2524858" cy="400110"/>
+          </a:xfrm>
+          <a:prstGeom prst="rect">
+            <a:avLst/>
+          </a:prstGeom>
+        </p:spPr>
+        <p:txBody>
+          <a:bodyPr wrap="none">
+            <a:spAutoFit/>
+          </a:bodyPr>
+          <a:lstStyle/>
+          <a:p>
+            <a:pPr lvl="0">
+              <a:defRPr/>
+            </a:pPr>
+            <a:r>
+              <a:rPr lang="en-US" sz="2000" dirty="0"/>
+              <a:t>Length of hospital stay</a:t>
+            </a:r>
+          </a:p>
+        </p:txBody>
+      </p:sp>
+      <p:sp>
+        <p:nvSpPr>
+          <p:cNvPr id="5" name="Rectangle 4">
+            <a:extLst>
+              <a:ext uri="{FF2B5EF4-FFF2-40B4-BE49-F238E27FC236}">
+                <a16:creationId xmlns:a16="http://schemas.microsoft.com/office/drawing/2014/main" id="{9220E21A-72C8-4771-9840-E4D7AFBE0CDF}"/>
+              </a:ext>
+            </a:extLst>
+          </p:cNvPr>
+          <p:cNvSpPr/>
+          <p:nvPr/>
+        </p:nvSpPr>
+        <p:spPr>
+          <a:xfrm rot="15536276">
+            <a:off x="3515384" y="4593328"/>
+            <a:ext cx="2243691" cy="400110"/>
+          </a:xfrm>
+          <a:prstGeom prst="rect">
+            <a:avLst/>
+          </a:prstGeom>
+        </p:spPr>
+        <p:txBody>
+          <a:bodyPr wrap="none">
+            <a:spAutoFit/>
+          </a:bodyPr>
+          <a:lstStyle/>
+          <a:p>
+            <a:pPr lvl="0">
+              <a:defRPr/>
+            </a:pPr>
+            <a:r>
+              <a:rPr lang="en-US" sz="2000" dirty="0"/>
+              <a:t>Number of lab tests</a:t>
+            </a:r>
+          </a:p>
+        </p:txBody>
+      </p:sp>
+    </p:spTree>
+    <p:extLst>
+      <p:ext uri="{BB962C8B-B14F-4D97-AF65-F5344CB8AC3E}">
+        <p14:creationId xmlns:p14="http://schemas.microsoft.com/office/powerpoint/2010/main" val="2541873048"/>
+      </p:ext>
+    </p:extLst>
+  </p:cSld>
+  <p:clrMapOvr>
+    <a:masterClrMapping/>
+  </p:clrMapOvr>
+</p:sld>
+</file>
+
+<file path=ppt/slides/slide12.xml><?xml version="1.0" encoding="utf-8"?>
+<p:sld xmlns:a="http://schemas.openxmlformats.org/drawingml/2006/main" xmlns:r="http://schemas.openxmlformats.org/officeDocument/2006/relationships" xmlns:p="http://schemas.openxmlformats.org/presentationml/2006/main">
+  <p:cSld>
+    <p:spTree>
+      <p:nvGrpSpPr>
+        <p:cNvPr id="1" name=""/>
+        <p:cNvGrpSpPr/>
+        <p:nvPr/>
+      </p:nvGrpSpPr>
+      <p:grpSpPr>
+        <a:xfrm>
+          <a:off x="0" y="0"/>
+          <a:ext cx="0" cy="0"/>
+          <a:chOff x="0" y="0"/>
+          <a:chExt cx="0" cy="0"/>
+        </a:xfrm>
+      </p:grpSpPr>
+      <p:sp>
+        <p:nvSpPr>
+          <p:cNvPr id="2" name="Title 1">
+            <a:extLst>
+              <a:ext uri="{FF2B5EF4-FFF2-40B4-BE49-F238E27FC236}">
+                <a16:creationId xmlns:a16="http://schemas.microsoft.com/office/drawing/2014/main" id="{BF74CE84-BDEE-4719-ABF1-AD1FE43B0660}"/>
+              </a:ext>
+            </a:extLst>
+          </p:cNvPr>
+          <p:cNvSpPr>
+            <a:spLocks noGrp="1"/>
+          </p:cNvSpPr>
+          <p:nvPr>
+            <p:ph type="title"/>
+          </p:nvPr>
+        </p:nvSpPr>
+        <p:spPr/>
+        <p:txBody>
+          <a:bodyPr/>
+          <a:lstStyle/>
+          <a:p>
+            <a:r>
+              <a:rPr lang="en-US" dirty="0"/>
+              <a:t>Discussion</a:t>
+            </a:r>
+          </a:p>
+        </p:txBody>
+      </p:sp>
+      <p:sp>
+        <p:nvSpPr>
+          <p:cNvPr id="3" name="Content Placeholder 2">
+            <a:extLst>
+              <a:ext uri="{FF2B5EF4-FFF2-40B4-BE49-F238E27FC236}">
+                <a16:creationId xmlns:a16="http://schemas.microsoft.com/office/drawing/2014/main" id="{FF993795-FECC-4A81-9E30-710A16079157}"/>
+              </a:ext>
+            </a:extLst>
+          </p:cNvPr>
+          <p:cNvSpPr>
+            <a:spLocks noGrp="1"/>
+          </p:cNvSpPr>
+          <p:nvPr>
+            <p:ph idx="1"/>
+          </p:nvPr>
+        </p:nvSpPr>
+        <p:spPr/>
+        <p:txBody>
+          <a:bodyPr/>
+          <a:lstStyle/>
+          <a:p>
+            <a:r>
+              <a:rPr lang="en-US" dirty="0"/>
+              <a:t>Developed a promising method to understand the relationship between healthcare processes and mortality</a:t>
+            </a:r>
+          </a:p>
+          <a:p>
+            <a:pPr lvl="1"/>
+            <a:r>
+              <a:rPr lang="en-US" dirty="0"/>
+              <a:t>Revealed the existing disparities in healthcare processes;</a:t>
+            </a:r>
+          </a:p>
+          <a:p>
+            <a:pPr lvl="1"/>
+            <a:r>
+              <a:rPr lang="en-US" dirty="0"/>
+              <a:t>Elective admission group demonstrated significant weekend effect;</a:t>
+            </a:r>
+          </a:p>
+          <a:p>
+            <a:pPr lvl="1"/>
+            <a:r>
+              <a:rPr lang="en-US" dirty="0"/>
+              <a:t>Identified several factors of in-hospital mortality.</a:t>
+            </a:r>
+          </a:p>
+          <a:p>
+            <a:endParaRPr lang="en-US" dirty="0"/>
+          </a:p>
+          <a:p>
+            <a:r>
+              <a:rPr lang="en-US" dirty="0"/>
+              <a:t>But current results cannot prove the hypothesis. It needs more work in other data analysis such as caregiver rotation and scheduling.</a:t>
+            </a:r>
+          </a:p>
+        </p:txBody>
+      </p:sp>
+    </p:spTree>
+    <p:extLst>
+      <p:ext uri="{BB962C8B-B14F-4D97-AF65-F5344CB8AC3E}">
+        <p14:creationId xmlns:p14="http://schemas.microsoft.com/office/powerpoint/2010/main" val="3359880648"/>
+      </p:ext>
+    </p:extLst>
+  </p:cSld>
+  <p:clrMapOvr>
+    <a:masterClrMapping/>
+  </p:clrMapOvr>
+</p:sld>
+</file>
+
+<file path=ppt/slides/slide13.xml><?xml version="1.0" encoding="utf-8"?>
+<p:sld xmlns:a="http://schemas.openxmlformats.org/drawingml/2006/main" xmlns:r="http://schemas.openxmlformats.org/officeDocument/2006/relationships" xmlns:p="http://schemas.openxmlformats.org/presentationml/2006/main">
+  <p:cSld>
+    <p:spTree>
+      <p:nvGrpSpPr>
+        <p:cNvPr id="1" name=""/>
+        <p:cNvGrpSpPr/>
+        <p:nvPr/>
+      </p:nvGrpSpPr>
+      <p:grpSpPr>
+        <a:xfrm>
+          <a:off x="0" y="0"/>
+          <a:ext cx="0" cy="0"/>
+          <a:chOff x="0" y="0"/>
+          <a:chExt cx="0" cy="0"/>
+        </a:xfrm>
+      </p:grpSpPr>
+      <p:sp>
+        <p:nvSpPr>
+          <p:cNvPr id="2" name="Title 1">
+            <a:extLst>
+              <a:ext uri="{FF2B5EF4-FFF2-40B4-BE49-F238E27FC236}">
+                <a16:creationId xmlns:a16="http://schemas.microsoft.com/office/drawing/2014/main" id="{CC361A50-96FD-4A55-84A4-ABA24CDF7BBD}"/>
+              </a:ext>
+            </a:extLst>
+          </p:cNvPr>
+          <p:cNvSpPr>
+            <a:spLocks noGrp="1"/>
+          </p:cNvSpPr>
+          <p:nvPr>
+            <p:ph type="title"/>
+          </p:nvPr>
+        </p:nvSpPr>
+        <p:spPr/>
+        <p:txBody>
+          <a:bodyPr/>
+          <a:lstStyle/>
+          <a:p>
+            <a:r>
+              <a:rPr lang="en-US" dirty="0"/>
+              <a:t>Future Work</a:t>
+            </a:r>
+          </a:p>
+        </p:txBody>
+      </p:sp>
+      <p:sp>
+        <p:nvSpPr>
+          <p:cNvPr id="3" name="Content Placeholder 2">
+            <a:extLst>
+              <a:ext uri="{FF2B5EF4-FFF2-40B4-BE49-F238E27FC236}">
+                <a16:creationId xmlns:a16="http://schemas.microsoft.com/office/drawing/2014/main" id="{3A583B19-EE77-4673-ABD7-11ECE98AEF0A}"/>
+              </a:ext>
+            </a:extLst>
+          </p:cNvPr>
+          <p:cNvSpPr>
+            <a:spLocks noGrp="1"/>
+          </p:cNvSpPr>
+          <p:nvPr>
+            <p:ph idx="1"/>
+          </p:nvPr>
+        </p:nvSpPr>
+        <p:spPr/>
+        <p:txBody>
+          <a:bodyPr/>
+          <a:lstStyle/>
+          <a:p>
+            <a:r>
+              <a:rPr lang="en-US" dirty="0"/>
+              <a:t>Plan to:</a:t>
+            </a:r>
+          </a:p>
+          <a:p>
+            <a:pPr lvl="1"/>
+            <a:r>
+              <a:rPr lang="en-US" dirty="0"/>
+              <a:t>Analyze other age categories</a:t>
+            </a:r>
+          </a:p>
+          <a:p>
+            <a:pPr lvl="2"/>
+            <a:r>
+              <a:rPr lang="en-US" dirty="0"/>
+              <a:t>50-60</a:t>
+            </a:r>
+          </a:p>
+          <a:p>
+            <a:pPr lvl="2"/>
+            <a:r>
+              <a:rPr lang="en-US" dirty="0"/>
+              <a:t>60-70</a:t>
+            </a:r>
+          </a:p>
+          <a:p>
+            <a:pPr lvl="2"/>
+            <a:r>
+              <a:rPr lang="en-US" dirty="0"/>
+              <a:t>70-80</a:t>
+            </a:r>
+          </a:p>
+          <a:p>
+            <a:pPr lvl="1"/>
+            <a:r>
+              <a:rPr lang="en-US" dirty="0"/>
+              <a:t>Explore caregiver information</a:t>
+            </a:r>
+          </a:p>
+          <a:p>
+            <a:pPr lvl="2"/>
+            <a:r>
+              <a:rPr lang="en-US" dirty="0"/>
+              <a:t>Rotation</a:t>
+            </a:r>
+          </a:p>
+          <a:p>
+            <a:pPr lvl="2"/>
+            <a:r>
+              <a:rPr lang="en-US" dirty="0"/>
+              <a:t>Scheduling</a:t>
+            </a:r>
+          </a:p>
+          <a:p>
+            <a:pPr lvl="2"/>
+            <a:r>
+              <a:rPr lang="en-US" dirty="0"/>
+              <a:t>Work load</a:t>
+            </a:r>
+          </a:p>
+          <a:p>
+            <a:pPr lvl="1"/>
+            <a:r>
+              <a:rPr lang="en-US" dirty="0"/>
+              <a:t>Explore other information: lab test, services (e.g., surgery)</a:t>
+            </a:r>
+          </a:p>
+          <a:p>
+            <a:pPr lvl="1"/>
+            <a:r>
+              <a:rPr lang="en-US" dirty="0"/>
+              <a:t>Develop teaching materials for a course in health informatics.</a:t>
+            </a:r>
+          </a:p>
+        </p:txBody>
+      </p:sp>
+    </p:spTree>
+    <p:extLst>
+      <p:ext uri="{BB962C8B-B14F-4D97-AF65-F5344CB8AC3E}">
+        <p14:creationId xmlns:p14="http://schemas.microsoft.com/office/powerpoint/2010/main" val="3277139530"/>
+      </p:ext>
+    </p:extLst>
+  </p:cSld>
+  <p:clrMapOvr>
+    <a:masterClrMapping/>
+  </p:clrMapOvr>
+</p:sld>
+</file>
+
+<file path=ppt/slides/slide14.xml><?xml version="1.0" encoding="utf-8"?>
+<p:sld xmlns:a="http://schemas.openxmlformats.org/drawingml/2006/main" xmlns:r="http://schemas.openxmlformats.org/officeDocument/2006/relationships" xmlns:p="http://schemas.openxmlformats.org/presentationml/2006/main">
+  <p:cSld>
+    <p:spTree>
+      <p:nvGrpSpPr>
+        <p:cNvPr id="1" name=""/>
+        <p:cNvGrpSpPr/>
+        <p:nvPr/>
+      </p:nvGrpSpPr>
+      <p:grpSpPr>
+        <a:xfrm>
+          <a:off x="0" y="0"/>
+          <a:ext cx="0" cy="0"/>
+          <a:chOff x="0" y="0"/>
+          <a:chExt cx="0" cy="0"/>
+        </a:xfrm>
+      </p:grpSpPr>
+      <p:sp>
+        <p:nvSpPr>
+          <p:cNvPr id="13" name="Rectangle 12">
+            <a:extLst>
+              <a:ext uri="{FF2B5EF4-FFF2-40B4-BE49-F238E27FC236}">
+                <a16:creationId xmlns:a16="http://schemas.microsoft.com/office/drawing/2014/main" id="{71829F04-1DC7-4D4B-B2D3-CF0212F0E127}"/>
+              </a:ext>
+            </a:extLst>
+          </p:cNvPr>
+          <p:cNvSpPr/>
+          <p:nvPr/>
+        </p:nvSpPr>
+        <p:spPr>
+          <a:xfrm>
+            <a:off x="7508708" y="2815745"/>
+            <a:ext cx="2921000" cy="1682750"/>
+          </a:xfrm>
+          <a:prstGeom prst="rect">
+            <a:avLst/>
+          </a:prstGeom>
+          <a:solidFill>
+            <a:schemeClr val="tx1">
+              <a:alpha val="49000"/>
+            </a:schemeClr>
+          </a:solidFill>
+        </p:spPr>
+        <p:style>
+          <a:lnRef idx="2">
+            <a:schemeClr val="accent1">
+              <a:shade val="50000"/>
+            </a:schemeClr>
+          </a:lnRef>
+          <a:fillRef idx="1">
+            <a:schemeClr val="accent1"/>
+          </a:fillRef>
+          <a:effectRef idx="0">
+            <a:schemeClr val="accent1"/>
+          </a:effectRef>
+          <a:fontRef idx="minor">
+            <a:schemeClr val="lt1"/>
+          </a:fontRef>
+        </p:style>
+        <p:txBody>
+          <a:bodyPr rtlCol="0" anchor="ctr"/>
+          <a:lstStyle/>
+          <a:p>
+            <a:pPr algn="ctr"/>
+            <a:endParaRPr lang="en-US"/>
+          </a:p>
+        </p:txBody>
+      </p:sp>
+      <p:sp>
+        <p:nvSpPr>
+          <p:cNvPr id="2" name="Title 1">
+            <a:extLst>
+              <a:ext uri="{FF2B5EF4-FFF2-40B4-BE49-F238E27FC236}">
+                <a16:creationId xmlns:a16="http://schemas.microsoft.com/office/drawing/2014/main" id="{91E7B27F-42A2-487B-8901-1D2109BA81C3}"/>
+              </a:ext>
+            </a:extLst>
+          </p:cNvPr>
+          <p:cNvSpPr>
+            <a:spLocks noGrp="1"/>
+          </p:cNvSpPr>
+          <p:nvPr>
+            <p:ph type="title"/>
+          </p:nvPr>
+        </p:nvSpPr>
+        <p:spPr/>
+        <p:txBody>
+          <a:bodyPr/>
+          <a:lstStyle/>
+          <a:p>
+            <a:r>
+              <a:rPr lang="en-US" dirty="0"/>
+              <a:t>Acknowledgments</a:t>
+            </a:r>
+          </a:p>
+        </p:txBody>
+      </p:sp>
+      <p:sp>
+        <p:nvSpPr>
+          <p:cNvPr id="3" name="Content Placeholder 2">
+            <a:extLst>
+              <a:ext uri="{FF2B5EF4-FFF2-40B4-BE49-F238E27FC236}">
+                <a16:creationId xmlns:a16="http://schemas.microsoft.com/office/drawing/2014/main" id="{5BD6ACE6-CE4D-47EB-890A-8AF5C7D1F4FC}"/>
+              </a:ext>
+            </a:extLst>
+          </p:cNvPr>
+          <p:cNvSpPr>
+            <a:spLocks noGrp="1"/>
+          </p:cNvSpPr>
+          <p:nvPr>
+            <p:ph idx="1"/>
+          </p:nvPr>
+        </p:nvSpPr>
+        <p:spPr>
+          <a:xfrm>
+            <a:off x="838199" y="1825625"/>
+            <a:ext cx="5117123" cy="4351338"/>
+          </a:xfrm>
+        </p:spPr>
+        <p:txBody>
+          <a:bodyPr/>
+          <a:lstStyle/>
+          <a:p>
+            <a:r>
+              <a:rPr lang="en-US" dirty="0"/>
+              <a:t>Groups</a:t>
+            </a:r>
+          </a:p>
+          <a:p>
+            <a:r>
+              <a:rPr lang="en-US" dirty="0"/>
+              <a:t>SAIL Lab at UMBC</a:t>
+            </a:r>
+          </a:p>
+          <a:p>
+            <a:r>
+              <a:rPr lang="en-US" dirty="0"/>
+              <a:t>Sensor Accelerated Intelligent Learning</a:t>
+            </a:r>
+          </a:p>
+          <a:p>
+            <a:endParaRPr lang="en-US" dirty="0"/>
+          </a:p>
+          <a:p>
+            <a:r>
+              <a:rPr lang="en-US" dirty="0"/>
+              <a:t>INERTIA Lab at UVA</a:t>
+            </a:r>
+          </a:p>
+          <a:p>
+            <a:r>
+              <a:rPr lang="en-US" dirty="0"/>
+              <a:t>Integrated Networked Embedded Real-time Technologies In Applications</a:t>
+            </a:r>
+          </a:p>
+        </p:txBody>
+      </p:sp>
+      <p:pic>
+        <p:nvPicPr>
+          <p:cNvPr id="7" name="Picture 6" descr="A close up of a sign&#10;&#10;Description generated with high confidence">
+            <a:extLst>
+              <a:ext uri="{FF2B5EF4-FFF2-40B4-BE49-F238E27FC236}">
+                <a16:creationId xmlns:a16="http://schemas.microsoft.com/office/drawing/2014/main" id="{92BB5D8F-2041-484A-99EF-BE65D98D858C}"/>
+              </a:ext>
+            </a:extLst>
+          </p:cNvPr>
+          <p:cNvPicPr>
+            <a:picLocks noChangeAspect="1"/>
+          </p:cNvPicPr>
+          <p:nvPr/>
+        </p:nvPicPr>
+        <p:blipFill>
+          <a:blip r:embed="rId2">
+            <a:extLst>
+              <a:ext uri="{28A0092B-C50C-407E-A947-70E740481C1C}">
+                <a14:useLocalDpi xmlns:a14="http://schemas.microsoft.com/office/drawing/2010/main" val="0"/>
+              </a:ext>
+            </a:extLst>
+          </a:blip>
+          <a:stretch>
+            <a:fillRect/>
+          </a:stretch>
+        </p:blipFill>
+        <p:spPr>
+          <a:xfrm>
+            <a:off x="5839577" y="5331146"/>
+            <a:ext cx="6066521" cy="980754"/>
+          </a:xfrm>
+          <a:prstGeom prst="rect">
+            <a:avLst/>
+          </a:prstGeom>
+        </p:spPr>
+      </p:pic>
+      <p:pic>
+        <p:nvPicPr>
+          <p:cNvPr id="12" name="Picture 11">
+            <a:extLst>
+              <a:ext uri="{FF2B5EF4-FFF2-40B4-BE49-F238E27FC236}">
+                <a16:creationId xmlns:a16="http://schemas.microsoft.com/office/drawing/2014/main" id="{54430D94-615B-4383-B6E9-F0EBA5F6ED36}"/>
+              </a:ext>
+            </a:extLst>
+          </p:cNvPr>
+          <p:cNvPicPr>
+            <a:picLocks noChangeAspect="1"/>
+          </p:cNvPicPr>
+          <p:nvPr/>
+        </p:nvPicPr>
+        <p:blipFill>
+          <a:blip r:embed="rId3">
+            <a:extLst>
+              <a:ext uri="{28A0092B-C50C-407E-A947-70E740481C1C}">
+                <a14:useLocalDpi xmlns:a14="http://schemas.microsoft.com/office/drawing/2010/main" val="0"/>
+              </a:ext>
+            </a:extLst>
+          </a:blip>
+          <a:stretch>
+            <a:fillRect/>
+          </a:stretch>
+        </p:blipFill>
+        <p:spPr>
+          <a:xfrm>
+            <a:off x="7623175" y="2898388"/>
+            <a:ext cx="2679365" cy="1498413"/>
+          </a:xfrm>
+          <a:prstGeom prst="rect">
+            <a:avLst/>
+          </a:prstGeom>
+        </p:spPr>
+      </p:pic>
+      <p:pic>
+        <p:nvPicPr>
+          <p:cNvPr id="15" name="Picture 14" descr="A close up of a sign&#10;&#10;Description generated with very high confidence">
+            <a:extLst>
+              <a:ext uri="{FF2B5EF4-FFF2-40B4-BE49-F238E27FC236}">
+                <a16:creationId xmlns:a16="http://schemas.microsoft.com/office/drawing/2014/main" id="{D659A42F-34C4-48C6-9C5E-BBF4EE01746F}"/>
+              </a:ext>
+            </a:extLst>
+          </p:cNvPr>
+          <p:cNvPicPr>
+            <a:picLocks noChangeAspect="1"/>
+          </p:cNvPicPr>
+          <p:nvPr/>
+        </p:nvPicPr>
+        <p:blipFill>
+          <a:blip r:embed="rId4">
+            <a:extLst>
+              <a:ext uri="{28A0092B-C50C-407E-A947-70E740481C1C}">
+                <a14:useLocalDpi xmlns:a14="http://schemas.microsoft.com/office/drawing/2010/main" val="0"/>
+              </a:ext>
+            </a:extLst>
+          </a:blip>
+          <a:stretch>
+            <a:fillRect/>
+          </a:stretch>
+        </p:blipFill>
+        <p:spPr>
+          <a:xfrm>
+            <a:off x="5768331" y="546100"/>
+            <a:ext cx="2052478" cy="2052478"/>
+          </a:xfrm>
+          <a:prstGeom prst="rect">
+            <a:avLst/>
+          </a:prstGeom>
+        </p:spPr>
+      </p:pic>
+      <p:pic>
+        <p:nvPicPr>
+          <p:cNvPr id="17" name="Picture 16">
+            <a:extLst>
+              <a:ext uri="{FF2B5EF4-FFF2-40B4-BE49-F238E27FC236}">
+                <a16:creationId xmlns:a16="http://schemas.microsoft.com/office/drawing/2014/main" id="{250979A8-BC11-4E91-ABA3-CEF2F86A8E22}"/>
+              </a:ext>
+            </a:extLst>
+          </p:cNvPr>
+          <p:cNvPicPr>
+            <a:picLocks noChangeAspect="1"/>
+          </p:cNvPicPr>
+          <p:nvPr/>
+        </p:nvPicPr>
+        <p:blipFill>
+          <a:blip r:embed="rId5">
+            <a:extLst>
+              <a:ext uri="{28A0092B-C50C-407E-A947-70E740481C1C}">
+                <a14:useLocalDpi xmlns:a14="http://schemas.microsoft.com/office/drawing/2010/main" val="0"/>
+              </a:ext>
+            </a:extLst>
+          </a:blip>
+          <a:stretch>
+            <a:fillRect/>
+          </a:stretch>
+        </p:blipFill>
+        <p:spPr>
+          <a:xfrm>
+            <a:off x="9802857" y="488199"/>
+            <a:ext cx="2165192" cy="2165192"/>
+          </a:xfrm>
+          <a:prstGeom prst="rect">
+            <a:avLst/>
+          </a:prstGeom>
+        </p:spPr>
+      </p:pic>
+    </p:spTree>
+    <p:extLst>
+      <p:ext uri="{BB962C8B-B14F-4D97-AF65-F5344CB8AC3E}">
+        <p14:creationId xmlns:p14="http://schemas.microsoft.com/office/powerpoint/2010/main" val="2260458918"/>
       </p:ext>
     </p:extLst>
   </p:cSld>
@@ -3556,7 +5136,7 @@
           <p:cNvPr id="2" name="Title 1">
             <a:extLst>
               <a:ext uri="{FF2B5EF4-FFF2-40B4-BE49-F238E27FC236}">
-                <a16:creationId xmlns:a16="http://schemas.microsoft.com/office/drawing/2014/main" id="{94B9BE62-DD19-0040-A95E-69B8A65E5916}"/>
+                <a16:creationId xmlns:a16="http://schemas.microsoft.com/office/drawing/2014/main" id="{069E1A0C-1953-4800-8DC0-5475EEDDE14F}"/>
               </a:ext>
             </a:extLst>
           </p:cNvPr>
@@ -3574,7 +5154,7 @@
           <a:p>
             <a:r>
               <a:rPr lang="en-US" dirty="0"/>
-              <a:t>background</a:t>
+              <a:t>Background</a:t>
             </a:r>
           </a:p>
         </p:txBody>
@@ -3584,7 +5164,7 @@
           <p:cNvPr id="3" name="Content Placeholder 2">
             <a:extLst>
               <a:ext uri="{FF2B5EF4-FFF2-40B4-BE49-F238E27FC236}">
-                <a16:creationId xmlns:a16="http://schemas.microsoft.com/office/drawing/2014/main" id="{D7D3A78B-5F08-8448-B144-7DE868ABD090}"/>
+                <a16:creationId xmlns:a16="http://schemas.microsoft.com/office/drawing/2014/main" id="{E6456FB6-8BA4-4FC5-959A-D9CBB30E6323}"/>
               </a:ext>
             </a:extLst>
           </p:cNvPr>
@@ -3597,103 +5177,219 @@
         </p:nvSpPr>
         <p:spPr>
           <a:xfrm>
-            <a:off x="1606045" y="2638045"/>
-            <a:ext cx="5937755" cy="3101983"/>
+            <a:off x="838201" y="1825625"/>
+            <a:ext cx="5084804" cy="3957760"/>
           </a:xfrm>
         </p:spPr>
         <p:txBody>
-          <a:bodyPr/>
+          <a:bodyPr>
+            <a:normAutofit fontScale="92500"/>
+          </a:bodyPr>
           <a:lstStyle/>
           <a:p>
             <a:r>
               <a:rPr lang="en-US" dirty="0"/>
-              <a:t>Brief literature review and motivation</a:t>
+              <a:t>Disparities in resources, expertise, and healthcare providers working during weekends may explain the observed differences in weekend mortality. [1]</a:t>
             </a:r>
           </a:p>
           <a:p>
             <a:r>
               <a:rPr lang="en-US" dirty="0"/>
-              <a:t>We have limited understanding of X</a:t>
-            </a:r>
-          </a:p>
-          <a:p>
-            <a:r>
-              <a:rPr lang="en-US" dirty="0"/>
-              <a:t>We can study it in MIMIC-III</a:t>
+              <a:t>Further work to understand the relationship between weekend processes of care and mortality, especially in the elective setting, is required. [2]</a:t>
             </a:r>
           </a:p>
         </p:txBody>
       </p:sp>
       <p:pic>
         <p:nvPicPr>
-          <p:cNvPr id="4" name="Shape 97">
-            <a:extLst>
-              <a:ext uri="{FF2B5EF4-FFF2-40B4-BE49-F238E27FC236}">
-                <a16:creationId xmlns:a16="http://schemas.microsoft.com/office/drawing/2014/main" id="{E43B9776-3C2D-3743-9462-5E1C4D8184BA}"/>
-              </a:ext>
-            </a:extLst>
-          </p:cNvPr>
-          <p:cNvPicPr preferRelativeResize="0"/>
+          <p:cNvPr id="6" name="Picture 5" descr="A close up of a logo&#10;&#10;Description generated with high confidence">
+            <a:extLst>
+              <a:ext uri="{FF2B5EF4-FFF2-40B4-BE49-F238E27FC236}">
+                <a16:creationId xmlns:a16="http://schemas.microsoft.com/office/drawing/2014/main" id="{B11E9A9D-7E98-4F1A-92C9-EF511A262EC0}"/>
+              </a:ext>
+            </a:extLst>
+          </p:cNvPr>
+          <p:cNvPicPr>
+            <a:picLocks noChangeAspect="1"/>
+          </p:cNvPicPr>
           <p:nvPr/>
         </p:nvPicPr>
-        <p:blipFill rotWithShape="1">
+        <p:blipFill>
           <a:blip r:embed="rId2">
-            <a:alphaModFix/>
+            <a:extLst>
+              <a:ext uri="{28A0092B-C50C-407E-A947-70E740481C1C}">
+                <a14:useLocalDpi xmlns:a14="http://schemas.microsoft.com/office/drawing/2010/main" val="0"/>
+              </a:ext>
+            </a:extLst>
           </a:blip>
-          <a:srcRect/>
-          <a:stretch/>
+          <a:stretch>
+            <a:fillRect/>
+          </a:stretch>
         </p:blipFill>
         <p:spPr>
           <a:xfrm>
-            <a:off x="1606045" y="4478204"/>
-            <a:ext cx="3661045" cy="1746457"/>
+            <a:off x="5923005" y="1369412"/>
+            <a:ext cx="6153277" cy="3474436"/>
           </a:xfrm>
           <a:prstGeom prst="rect">
             <a:avLst/>
           </a:prstGeom>
-          <a:noFill/>
+        </p:spPr>
+      </p:pic>
+      <p:sp>
+        <p:nvSpPr>
+          <p:cNvPr id="7" name="Rectangle 6">
+            <a:extLst>
+              <a:ext uri="{FF2B5EF4-FFF2-40B4-BE49-F238E27FC236}">
+                <a16:creationId xmlns:a16="http://schemas.microsoft.com/office/drawing/2014/main" id="{B0906E97-21EC-4FE3-BF7B-6B0819260FDC}"/>
+              </a:ext>
+            </a:extLst>
+          </p:cNvPr>
+          <p:cNvSpPr/>
+          <p:nvPr/>
+        </p:nvSpPr>
+        <p:spPr>
+          <a:xfrm>
+            <a:off x="486036" y="5641026"/>
+            <a:ext cx="11310550" cy="1169551"/>
+          </a:xfrm>
+          <a:prstGeom prst="rect">
+            <a:avLst/>
+          </a:prstGeom>
+        </p:spPr>
+        <p:txBody>
+          <a:bodyPr wrap="square">
+            <a:spAutoFit/>
+          </a:bodyPr>
+          <a:lstStyle/>
+          <a:p>
+            <a:r>
+              <a:rPr lang="en-US" sz="1400" dirty="0"/>
+              <a:t>[1] Mohammed, Mohammed A., </a:t>
+            </a:r>
+            <a:r>
+              <a:rPr lang="en-US" sz="1400" dirty="0" err="1"/>
+              <a:t>Khesh</a:t>
+            </a:r>
+            <a:r>
+              <a:rPr lang="en-US" sz="1400" dirty="0"/>
+              <a:t> S. Sidhu, Gavin Rudge, and Andrew J. Stevens. "Weekend admission to hospital has a higher risk of death in the elective setting than in the emergency setting: a retrospective database study of national health service hospitals in England." </a:t>
+            </a:r>
+            <a:r>
+              <a:rPr lang="en-US" sz="1400" i="1" dirty="0"/>
+              <a:t>BMC health services research</a:t>
+            </a:r>
+            <a:r>
+              <a:rPr lang="en-US" sz="1400" dirty="0"/>
+              <a:t> 12, no. 1 (2012): 87.</a:t>
+            </a:r>
+          </a:p>
+          <a:p>
+            <a:r>
+              <a:rPr lang="en-US" sz="1400" dirty="0"/>
+              <a:t>[2] </a:t>
+            </a:r>
+            <a:r>
+              <a:rPr lang="en-US" sz="1400" dirty="0" err="1"/>
+              <a:t>Saposnik</a:t>
+            </a:r>
+            <a:r>
+              <a:rPr lang="en-US" sz="1400" dirty="0"/>
+              <a:t>, Gustavo, </a:t>
+            </a:r>
+            <a:r>
+              <a:rPr lang="en-US" sz="1400" dirty="0" err="1"/>
+              <a:t>Akerke</a:t>
+            </a:r>
+            <a:r>
+              <a:rPr lang="en-US" sz="1400" dirty="0"/>
+              <a:t> </a:t>
+            </a:r>
+            <a:r>
+              <a:rPr lang="en-US" sz="1400" dirty="0" err="1"/>
+              <a:t>Baibergenova</a:t>
+            </a:r>
+            <a:r>
+              <a:rPr lang="en-US" sz="1400" dirty="0"/>
+              <a:t>, Neville Bayer, and Vladimir </a:t>
+            </a:r>
+            <a:r>
+              <a:rPr lang="en-US" sz="1400" dirty="0" err="1"/>
+              <a:t>Hachinski</a:t>
+            </a:r>
+            <a:r>
+              <a:rPr lang="en-US" sz="1400" dirty="0"/>
+              <a:t>. "Weekends: a dangerous time for having a stroke?." </a:t>
+            </a:r>
+            <a:r>
+              <a:rPr lang="en-US" sz="1400" i="1" dirty="0"/>
+              <a:t>Stroke</a:t>
+            </a:r>
+            <a:r>
+              <a:rPr lang="en-US" sz="1400" dirty="0"/>
+              <a:t> 38, no. 4 (2007): 1211-1215.</a:t>
+            </a:r>
+          </a:p>
+        </p:txBody>
+      </p:sp>
+      <p:sp>
+        <p:nvSpPr>
+          <p:cNvPr id="8" name="Rectangle 7">
+            <a:extLst>
+              <a:ext uri="{FF2B5EF4-FFF2-40B4-BE49-F238E27FC236}">
+                <a16:creationId xmlns:a16="http://schemas.microsoft.com/office/drawing/2014/main" id="{C52BC75D-36FA-4375-9BFA-9DE434AAE034}"/>
+              </a:ext>
+            </a:extLst>
+          </p:cNvPr>
+          <p:cNvSpPr/>
+          <p:nvPr/>
+        </p:nvSpPr>
+        <p:spPr>
+          <a:xfrm>
+            <a:off x="10048876" y="1233297"/>
+            <a:ext cx="1028698" cy="3610551"/>
+          </a:xfrm>
+          <a:prstGeom prst="rect">
+            <a:avLst/>
+          </a:prstGeom>
+          <a:solidFill>
+            <a:schemeClr val="accent1">
+              <a:alpha val="20000"/>
+            </a:schemeClr>
+          </a:solidFill>
           <a:ln>
             <a:noFill/>
           </a:ln>
         </p:spPr>
-      </p:pic>
-      <p:pic>
-        <p:nvPicPr>
-          <p:cNvPr id="5" name="Shape 96">
-            <a:extLst>
-              <a:ext uri="{FF2B5EF4-FFF2-40B4-BE49-F238E27FC236}">
-                <a16:creationId xmlns:a16="http://schemas.microsoft.com/office/drawing/2014/main" id="{C87594F3-5FF6-C34E-828A-4B097F80F92A}"/>
-              </a:ext>
-            </a:extLst>
-          </p:cNvPr>
-          <p:cNvPicPr preferRelativeResize="0"/>
-          <p:nvPr/>
-        </p:nvPicPr>
-        <p:blipFill rotWithShape="1">
-          <a:blip r:embed="rId3">
-            <a:alphaModFix/>
-          </a:blip>
-          <a:srcRect r="42568"/>
-          <a:stretch/>
-        </p:blipFill>
-        <p:spPr>
-          <a:xfrm>
-            <a:off x="5485430" y="3835338"/>
-            <a:ext cx="2058370" cy="2389323"/>
-          </a:xfrm>
-          <a:prstGeom prst="rect">
-            <a:avLst/>
-          </a:prstGeom>
-          <a:noFill/>
-          <a:ln>
-            <a:noFill/>
-          </a:ln>
-        </p:spPr>
-      </p:pic>
+        <p:style>
+          <a:lnRef idx="2">
+            <a:schemeClr val="accent1">
+              <a:shade val="50000"/>
+            </a:schemeClr>
+          </a:lnRef>
+          <a:fillRef idx="1">
+            <a:schemeClr val="accent1"/>
+          </a:fillRef>
+          <a:effectRef idx="0">
+            <a:schemeClr val="accent1"/>
+          </a:effectRef>
+          <a:fontRef idx="minor">
+            <a:schemeClr val="lt1"/>
+          </a:fontRef>
+        </p:style>
+        <p:txBody>
+          <a:bodyPr rtlCol="0" anchor="ctr"/>
+          <a:lstStyle/>
+          <a:p>
+            <a:pPr algn="ctr"/>
+            <a:endParaRPr lang="en-US"/>
+          </a:p>
+        </p:txBody>
+      </p:sp>
     </p:spTree>
     <p:extLst>
       <p:ext uri="{BB962C8B-B14F-4D97-AF65-F5344CB8AC3E}">
-        <p14:creationId xmlns:p14="http://schemas.microsoft.com/office/powerpoint/2010/main" val="3504197623"/>
+        <p14:creationId xmlns:p14="http://schemas.microsoft.com/office/powerpoint/2010/main" val="4208195686"/>
       </p:ext>
     </p:extLst>
   </p:cSld>
@@ -3725,7 +5421,7 @@
           <p:cNvPr id="2" name="Title 1">
             <a:extLst>
               <a:ext uri="{FF2B5EF4-FFF2-40B4-BE49-F238E27FC236}">
-                <a16:creationId xmlns:a16="http://schemas.microsoft.com/office/drawing/2014/main" id="{2B1D6AC6-26B9-D642-8D67-A6852A2086B8}"/>
+                <a16:creationId xmlns:a16="http://schemas.microsoft.com/office/drawing/2014/main" id="{EFD1C033-89C1-4A7D-AC60-314D9EA6A60C}"/>
               </a:ext>
             </a:extLst>
           </p:cNvPr>
@@ -3743,7 +5439,7 @@
           <a:p>
             <a:r>
               <a:rPr lang="en-US" dirty="0"/>
-              <a:t>Study aim</a:t>
+              <a:t>Study Aims</a:t>
             </a:r>
           </a:p>
         </p:txBody>
@@ -3753,7 +5449,7 @@
           <p:cNvPr id="3" name="Content Placeholder 2">
             <a:extLst>
               <a:ext uri="{FF2B5EF4-FFF2-40B4-BE49-F238E27FC236}">
-                <a16:creationId xmlns:a16="http://schemas.microsoft.com/office/drawing/2014/main" id="{766035E9-5E95-C140-9090-038D38AB7C76}"/>
+                <a16:creationId xmlns:a16="http://schemas.microsoft.com/office/drawing/2014/main" id="{90A8FED5-0447-474D-B1E5-C58441979A23}"/>
               </a:ext>
             </a:extLst>
           </p:cNvPr>
@@ -3764,36 +5460,46 @@
             <p:ph idx="1"/>
           </p:nvPr>
         </p:nvSpPr>
-        <p:spPr/>
+        <p:spPr>
+          <a:xfrm>
+            <a:off x="838200" y="1825625"/>
+            <a:ext cx="10515600" cy="4351338"/>
+          </a:xfrm>
+        </p:spPr>
         <p:txBody>
           <a:bodyPr/>
           <a:lstStyle/>
           <a:p>
             <a:r>
               <a:rPr lang="en-US" dirty="0"/>
-              <a:t>A detailed and testable hypothesis</a:t>
+              <a:t>Explore answers for the question: Are patients admitted to the intensive care unit (ICU) on a weekend more likely to die in the hospital than those admitted on a weekday?</a:t>
             </a:r>
           </a:p>
           <a:p>
             <a:r>
               <a:rPr lang="en-US" dirty="0"/>
-              <a:t>e.g. Patients with one or more episodes of hypoglycemia (≤70 mg/</a:t>
-            </a:r>
-            <a:r>
-              <a:rPr lang="en-US" dirty="0" err="1"/>
-              <a:t>dL</a:t>
-            </a:r>
-            <a:r>
-              <a:rPr lang="en-US" dirty="0"/>
-              <a:t>) have a higher in-hospital mortality than patients with no episodes.</a:t>
-            </a:r>
+              <a:t>Further understand the relationship between healthcare processes and mortality towards identifying factors that might be causing the weekend effect</a:t>
+            </a:r>
+          </a:p>
+          <a:p>
+            <a:r>
+              <a:rPr lang="en-US" b="1" i="1" dirty="0"/>
+              <a:t>Hypothesis</a:t>
+            </a:r>
+            <a:r>
+              <a:rPr lang="en-US" i="1" dirty="0"/>
+              <a:t>: Disparities in resources, expertise, and healthcare providers working during weekends may explain the observed differences in weekend mortality.</a:t>
+            </a:r>
+          </a:p>
+          <a:p>
+            <a:endParaRPr lang="en-US" dirty="0"/>
           </a:p>
         </p:txBody>
       </p:sp>
     </p:spTree>
     <p:extLst>
       <p:ext uri="{BB962C8B-B14F-4D97-AF65-F5344CB8AC3E}">
-        <p14:creationId xmlns:p14="http://schemas.microsoft.com/office/powerpoint/2010/main" val="1821965993"/>
+        <p14:creationId xmlns:p14="http://schemas.microsoft.com/office/powerpoint/2010/main" val="4258238254"/>
       </p:ext>
     </p:extLst>
   </p:cSld>
@@ -3825,7 +5531,7 @@
           <p:cNvPr id="2" name="Title 1">
             <a:extLst>
               <a:ext uri="{FF2B5EF4-FFF2-40B4-BE49-F238E27FC236}">
-                <a16:creationId xmlns:a16="http://schemas.microsoft.com/office/drawing/2014/main" id="{F7591D78-803A-044F-8A74-6907A32FF0F8}"/>
+                <a16:creationId xmlns:a16="http://schemas.microsoft.com/office/drawing/2014/main" id="{8198535E-AB39-4F71-B007-C94FFE057A9F}"/>
               </a:ext>
             </a:extLst>
           </p:cNvPr>
@@ -3843,50 +5549,73 @@
           <a:p>
             <a:r>
               <a:rPr lang="en-US" dirty="0"/>
-              <a:t>Cohort selection</a:t>
+              <a:t>Cohort Selection</a:t>
+            </a:r>
+          </a:p>
+        </p:txBody>
+      </p:sp>
+      <p:sp>
+        <p:nvSpPr>
+          <p:cNvPr id="3" name="Content Placeholder 2">
+            <a:extLst>
+              <a:ext uri="{FF2B5EF4-FFF2-40B4-BE49-F238E27FC236}">
+                <a16:creationId xmlns:a16="http://schemas.microsoft.com/office/drawing/2014/main" id="{17111375-70EE-4533-86EA-CFE87031FED6}"/>
+              </a:ext>
+            </a:extLst>
+          </p:cNvPr>
+          <p:cNvSpPr>
+            <a:spLocks noGrp="1"/>
+          </p:cNvSpPr>
+          <p:nvPr>
+            <p:ph idx="1"/>
+          </p:nvPr>
+        </p:nvSpPr>
+        <p:spPr/>
+        <p:txBody>
+          <a:bodyPr/>
+          <a:lstStyle/>
+          <a:p>
+            <a:r>
+              <a:rPr lang="en-US" dirty="0"/>
+              <a:t>Age Category: 40-50years, 4224 patients</a:t>
             </a:r>
           </a:p>
         </p:txBody>
       </p:sp>
       <p:pic>
         <p:nvPicPr>
-          <p:cNvPr id="5" name="Content Placeholder 4">
-            <a:extLst>
-              <a:ext uri="{FF2B5EF4-FFF2-40B4-BE49-F238E27FC236}">
-                <a16:creationId xmlns:a16="http://schemas.microsoft.com/office/drawing/2014/main" id="{47F4EAF8-0A1E-E54A-B190-4C722B612409}"/>
+          <p:cNvPr id="4" name="Picture 3">
+            <a:extLst>
+              <a:ext uri="{FF2B5EF4-FFF2-40B4-BE49-F238E27FC236}">
+                <a16:creationId xmlns:a16="http://schemas.microsoft.com/office/drawing/2014/main" id="{D549B3E9-D7DE-4A9B-99D5-FD317D4C2660}"/>
               </a:ext>
             </a:extLst>
           </p:cNvPr>
           <p:cNvPicPr>
-            <a:picLocks noGrp="1" noChangeAspect="1"/>
+            <a:picLocks noChangeAspect="1"/>
           </p:cNvPicPr>
-          <p:nvPr>
-            <p:ph idx="1"/>
-          </p:nvPr>
+          <p:nvPr/>
         </p:nvPicPr>
         <p:blipFill>
-          <a:blip r:embed="rId2">
-            <a:extLst>
-              <a:ext uri="{28A0092B-C50C-407E-A947-70E740481C1C}">
-                <a14:useLocalDpi xmlns:a14="http://schemas.microsoft.com/office/drawing/2010/main" val="0"/>
-              </a:ext>
-            </a:extLst>
-          </a:blip>
+          <a:blip r:embed="rId2"/>
           <a:stretch>
             <a:fillRect/>
           </a:stretch>
         </p:blipFill>
         <p:spPr>
           <a:xfrm>
-            <a:off x="2004918" y="2393497"/>
-            <a:ext cx="5140008" cy="3671434"/>
+            <a:off x="2682631" y="2381284"/>
+            <a:ext cx="6224314" cy="4394655"/>
           </a:xfrm>
+          <a:prstGeom prst="rect">
+            <a:avLst/>
+          </a:prstGeom>
         </p:spPr>
       </p:pic>
     </p:spTree>
     <p:extLst>
       <p:ext uri="{BB962C8B-B14F-4D97-AF65-F5344CB8AC3E}">
-        <p14:creationId xmlns:p14="http://schemas.microsoft.com/office/powerpoint/2010/main" val="2222881058"/>
+        <p14:creationId xmlns:p14="http://schemas.microsoft.com/office/powerpoint/2010/main" val="2199731410"/>
       </p:ext>
     </p:extLst>
   </p:cSld>
@@ -3918,7 +5647,7 @@
           <p:cNvPr id="2" name="Title 1">
             <a:extLst>
               <a:ext uri="{FF2B5EF4-FFF2-40B4-BE49-F238E27FC236}">
-                <a16:creationId xmlns:a16="http://schemas.microsoft.com/office/drawing/2014/main" id="{3C162118-D35E-2D46-88E2-EA04A54F6AA3}"/>
+                <a16:creationId xmlns:a16="http://schemas.microsoft.com/office/drawing/2014/main" id="{DD8D44DD-9DC3-494D-A039-EAA92BE1DFA5}"/>
               </a:ext>
             </a:extLst>
           </p:cNvPr>
@@ -3946,7 +5675,7 @@
           <p:cNvPr id="3" name="Content Placeholder 2">
             <a:extLst>
               <a:ext uri="{FF2B5EF4-FFF2-40B4-BE49-F238E27FC236}">
-                <a16:creationId xmlns:a16="http://schemas.microsoft.com/office/drawing/2014/main" id="{0726E4DC-087F-9E40-BB92-740A2DB7DA16}"/>
+                <a16:creationId xmlns:a16="http://schemas.microsoft.com/office/drawing/2014/main" id="{9CEC46AD-6851-4069-8814-4A2AC86B48E1}"/>
               </a:ext>
             </a:extLst>
           </p:cNvPr>
@@ -3959,14 +5688,10 @@
         </p:nvSpPr>
         <p:spPr/>
         <p:txBody>
-          <a:bodyPr/>
-          <a:lstStyle/>
-          <a:p>
-            <a:r>
-              <a:rPr lang="en-US" dirty="0"/>
-              <a:t>Logistic regression on in-hospital mortality</a:t>
-            </a:r>
-          </a:p>
+          <a:bodyPr>
+            <a:normAutofit lnSpcReduction="10000"/>
+          </a:bodyPr>
+          <a:lstStyle/>
           <a:p>
             <a:r>
               <a:rPr lang="en-US" dirty="0"/>
@@ -3977,31 +5702,73 @@
             <a:pPr lvl="1"/>
             <a:r>
               <a:rPr lang="en-US" dirty="0"/>
-              <a:t>age, gender, number of events, </a:t>
-            </a:r>
-            <a:r>
-              <a:rPr lang="en-US" dirty="0" err="1"/>
-              <a:t>etc</a:t>
-            </a:r>
+              <a:t>Healthcare processes: number of chart measures, number of caregivers, caregiver average efficacy, number of lab tests</a:t>
+            </a:r>
+          </a:p>
+          <a:p>
+            <a:pPr lvl="1"/>
             <a:r>
               <a:rPr lang="en-US" dirty="0"/>
-              <a:t>…</a:t>
-            </a:r>
-          </a:p>
-          <a:p>
+              <a:t>Severity of illness score: OASIS, OASIS probe</a:t>
+            </a:r>
+          </a:p>
+          <a:p>
+            <a:pPr lvl="1"/>
             <a:r>
               <a:rPr lang="en-US" dirty="0"/>
-              <a:t>Code for reproducing the analysis is available at: </a:t>
-            </a:r>
-            <a:r>
-              <a:rPr lang="en-US" dirty="0">
+              <a:t>Duration: Length of hospital stay, length of the most recent ICU stay</a:t>
+            </a:r>
+          </a:p>
+          <a:p>
+            <a:r>
+              <a:rPr lang="en-US" dirty="0"/>
+              <a:t>Models</a:t>
+            </a:r>
+          </a:p>
+          <a:p>
+            <a:pPr lvl="1"/>
+            <a:r>
+              <a:rPr lang="en-US" dirty="0"/>
+              <a:t>Correlation studies</a:t>
+            </a:r>
+          </a:p>
+          <a:p>
+            <a:pPr lvl="1"/>
+            <a:r>
+              <a:rPr lang="en-US" dirty="0"/>
+              <a:t>Logistic regression model on in-hospital mortality</a:t>
+            </a:r>
+          </a:p>
+          <a:p>
+            <a:pPr lvl="1"/>
+            <a:r>
+              <a:rPr lang="en-US" dirty="0"/>
+              <a:t>Decision tree to identify potential factors</a:t>
+            </a:r>
+          </a:p>
+          <a:p>
+            <a:r>
+              <a:rPr lang="en-US" dirty="0"/>
+              <a:t>Code for reproducing the analysis is available at:</a:t>
+            </a:r>
+          </a:p>
+          <a:p>
+            <a:pPr lvl="1"/>
+            <a:r>
+              <a:rPr lang="en-US" u="sng" dirty="0">
                 <a:hlinkClick r:id="rId2"/>
               </a:rPr>
-              <a:t>http://{your-favorite-code-repository}.com</a:t>
-            </a:r>
-            <a:br>
-              <a:rPr lang="en-US" dirty="0"/>
-            </a:br>
+              <a:t>https://github.com/reneelinmitchell/inertia-sail</a:t>
+            </a:r>
+            <a:endParaRPr lang="en-US" dirty="0"/>
+          </a:p>
+          <a:p>
+            <a:endParaRPr lang="en-US" dirty="0"/>
+          </a:p>
+          <a:p>
+            <a:endParaRPr lang="en-US" dirty="0"/>
+          </a:p>
+          <a:p>
             <a:endParaRPr lang="en-US" dirty="0"/>
           </a:p>
         </p:txBody>
@@ -4009,7 +5776,7 @@
     </p:spTree>
     <p:extLst>
       <p:ext uri="{BB962C8B-B14F-4D97-AF65-F5344CB8AC3E}">
-        <p14:creationId xmlns:p14="http://schemas.microsoft.com/office/powerpoint/2010/main" val="3088370889"/>
+        <p14:creationId xmlns:p14="http://schemas.microsoft.com/office/powerpoint/2010/main" val="4174430044"/>
       </p:ext>
     </p:extLst>
   </p:cSld>
@@ -4036,12 +5803,42 @@
           <a:chExt cx="0" cy="0"/>
         </a:xfrm>
       </p:grpSpPr>
+      <p:pic>
+        <p:nvPicPr>
+          <p:cNvPr id="4" name="Picture 3">
+            <a:extLst>
+              <a:ext uri="{FF2B5EF4-FFF2-40B4-BE49-F238E27FC236}">
+                <a16:creationId xmlns:a16="http://schemas.microsoft.com/office/drawing/2014/main" id="{A5FA1783-64A0-48BD-ACE6-68A818D37E30}"/>
+              </a:ext>
+            </a:extLst>
+          </p:cNvPr>
+          <p:cNvPicPr>
+            <a:picLocks noChangeAspect="1"/>
+          </p:cNvPicPr>
+          <p:nvPr/>
+        </p:nvPicPr>
+        <p:blipFill>
+          <a:blip r:embed="rId2"/>
+          <a:stretch>
+            <a:fillRect/>
+          </a:stretch>
+        </p:blipFill>
+        <p:spPr>
+          <a:xfrm>
+            <a:off x="2661398" y="2198687"/>
+            <a:ext cx="7460172" cy="4351338"/>
+          </a:xfrm>
+          <a:prstGeom prst="rect">
+            <a:avLst/>
+          </a:prstGeom>
+        </p:spPr>
+      </p:pic>
       <p:sp>
         <p:nvSpPr>
           <p:cNvPr id="2" name="Title 1">
             <a:extLst>
               <a:ext uri="{FF2B5EF4-FFF2-40B4-BE49-F238E27FC236}">
-                <a16:creationId xmlns:a16="http://schemas.microsoft.com/office/drawing/2014/main" id="{B0397EEC-C857-184B-8326-DE5ECDB6889A}"/>
+                <a16:creationId xmlns:a16="http://schemas.microsoft.com/office/drawing/2014/main" id="{080B469B-A724-40F3-97B6-37D458B84712}"/>
               </a:ext>
             </a:extLst>
           </p:cNvPr>
@@ -4059,7 +5856,7 @@
           <a:p>
             <a:r>
               <a:rPr lang="en-US" dirty="0"/>
-              <a:t>Results (table)</a:t>
+              <a:t>Results</a:t>
             </a:r>
           </a:p>
         </p:txBody>
@@ -4069,7 +5866,7 @@
           <p:cNvPr id="3" name="Content Placeholder 2">
             <a:extLst>
               <a:ext uri="{FF2B5EF4-FFF2-40B4-BE49-F238E27FC236}">
-                <a16:creationId xmlns:a16="http://schemas.microsoft.com/office/drawing/2014/main" id="{55EAF31B-9392-2045-92CA-5D8430411DE9}"/>
+                <a16:creationId xmlns:a16="http://schemas.microsoft.com/office/drawing/2014/main" id="{A6D051C7-DD49-4A21-BC87-D83EE9D28CBD}"/>
               </a:ext>
             </a:extLst>
           </p:cNvPr>
@@ -4085,1219 +5882,69 @@
           <a:bodyPr/>
           <a:lstStyle/>
           <a:p>
+            <a:r>
+              <a:rPr lang="en-US" dirty="0"/>
+              <a:t>Existing disparities in healthcare processes</a:t>
+            </a:r>
+          </a:p>
+        </p:txBody>
+      </p:sp>
+      <p:sp>
+        <p:nvSpPr>
+          <p:cNvPr id="5" name="Rectangle 4">
+            <a:extLst>
+              <a:ext uri="{FF2B5EF4-FFF2-40B4-BE49-F238E27FC236}">
+                <a16:creationId xmlns:a16="http://schemas.microsoft.com/office/drawing/2014/main" id="{E105B451-19CC-4F4D-8B2F-E9319666FAD8}"/>
+              </a:ext>
+            </a:extLst>
+          </p:cNvPr>
+          <p:cNvSpPr/>
+          <p:nvPr/>
+        </p:nvSpPr>
+        <p:spPr>
+          <a:xfrm>
+            <a:off x="2590799" y="3600450"/>
+            <a:ext cx="7610475" cy="1323975"/>
+          </a:xfrm>
+          <a:prstGeom prst="rect">
+            <a:avLst/>
+          </a:prstGeom>
+          <a:noFill/>
+          <a:ln w="34925">
+            <a:solidFill>
+              <a:srgbClr val="C00000"/>
+            </a:solidFill>
+          </a:ln>
+        </p:spPr>
+        <p:style>
+          <a:lnRef idx="2">
+            <a:schemeClr val="accent1">
+              <a:shade val="50000"/>
+            </a:schemeClr>
+          </a:lnRef>
+          <a:fillRef idx="1">
+            <a:schemeClr val="accent1"/>
+          </a:fillRef>
+          <a:effectRef idx="0">
+            <a:schemeClr val="accent1"/>
+          </a:effectRef>
+          <a:fontRef idx="minor">
+            <a:schemeClr val="lt1"/>
+          </a:fontRef>
+        </p:style>
+        <p:txBody>
+          <a:bodyPr rtlCol="0" anchor="ctr"/>
+          <a:lstStyle/>
+          <a:p>
+            <a:pPr algn="ctr"/>
             <a:endParaRPr lang="en-US"/>
           </a:p>
         </p:txBody>
       </p:sp>
-      <p:graphicFrame>
-        <p:nvGraphicFramePr>
-          <p:cNvPr id="4" name="Shape 124">
-            <a:extLst>
-              <a:ext uri="{FF2B5EF4-FFF2-40B4-BE49-F238E27FC236}">
-                <a16:creationId xmlns:a16="http://schemas.microsoft.com/office/drawing/2014/main" id="{8A02898B-057C-CF40-9AFF-84E51D1897B3}"/>
-              </a:ext>
-            </a:extLst>
-          </p:cNvPr>
-          <p:cNvGraphicFramePr/>
-          <p:nvPr>
-            <p:extLst>
-              <p:ext uri="{D42A27DB-BD31-4B8C-83A1-F6EECF244321}">
-                <p14:modId xmlns:p14="http://schemas.microsoft.com/office/powerpoint/2010/main" val="2232085881"/>
-              </p:ext>
-            </p:extLst>
-          </p:nvPr>
-        </p:nvGraphicFramePr>
-        <p:xfrm>
-          <a:off x="1606045" y="2501023"/>
-          <a:ext cx="5937756" cy="3376026"/>
-        </p:xfrm>
-        <a:graphic>
-          <a:graphicData uri="http://schemas.openxmlformats.org/drawingml/2006/table">
-            <a:tbl>
-              <a:tblPr firstRow="1" bandRow="1">
-                <a:noFill/>
-              </a:tblPr>
-              <a:tblGrid>
-                <a:gridCol w="2037162">
-                  <a:extLst>
-                    <a:ext uri="{9D8B030D-6E8A-4147-A177-3AD203B41FA5}">
-                      <a16:colId xmlns:a16="http://schemas.microsoft.com/office/drawing/2014/main" val="20000"/>
-                    </a:ext>
-                  </a:extLst>
-                </a:gridCol>
-                <a:gridCol w="1556048">
-                  <a:extLst>
-                    <a:ext uri="{9D8B030D-6E8A-4147-A177-3AD203B41FA5}">
-                      <a16:colId xmlns:a16="http://schemas.microsoft.com/office/drawing/2014/main" val="20001"/>
-                    </a:ext>
-                  </a:extLst>
-                </a:gridCol>
-                <a:gridCol w="1467938">
-                  <a:extLst>
-                    <a:ext uri="{9D8B030D-6E8A-4147-A177-3AD203B41FA5}">
-                      <a16:colId xmlns:a16="http://schemas.microsoft.com/office/drawing/2014/main" val="20002"/>
-                    </a:ext>
-                  </a:extLst>
-                </a:gridCol>
-                <a:gridCol w="876608">
-                  <a:extLst>
-                    <a:ext uri="{9D8B030D-6E8A-4147-A177-3AD203B41FA5}">
-                      <a16:colId xmlns:a16="http://schemas.microsoft.com/office/drawing/2014/main" val="20003"/>
-                    </a:ext>
-                  </a:extLst>
-                </a:gridCol>
-              </a:tblGrid>
-              <a:tr h="457306">
-                <a:tc>
-                  <a:txBody>
-                    <a:bodyPr/>
-                    <a:lstStyle/>
-                    <a:p>
-                      <a:pPr marL="0" marR="0" lvl="0" indent="0" algn="l" rtl="0">
-                        <a:spcBef>
-                          <a:spcPts val="0"/>
-                        </a:spcBef>
-                        <a:buSzPct val="25000"/>
-                        <a:buNone/>
-                      </a:pPr>
-                      <a:endParaRPr lang="sv-SE" sz="1300" u="none" strike="noStrike" cap="none" dirty="0">
-                        <a:latin typeface="Arial" panose="020B0604020202020204" pitchFamily="34" charset="0"/>
-                        <a:cs typeface="Arial" panose="020B0604020202020204" pitchFamily="34" charset="0"/>
-                      </a:endParaRPr>
-                    </a:p>
-                  </a:txBody>
-                  <a:tcPr marL="59396" marR="59396" marT="32668" marB="32668"/>
-                </a:tc>
-                <a:tc>
-                  <a:txBody>
-                    <a:bodyPr/>
-                    <a:lstStyle/>
-                    <a:p>
-                      <a:pPr marL="0" marR="0" lvl="0" indent="0" algn="l" rtl="0">
-                        <a:spcBef>
-                          <a:spcPts val="0"/>
-                        </a:spcBef>
-                        <a:buSzPct val="25000"/>
-                        <a:buNone/>
-                      </a:pPr>
-                      <a:r>
-                        <a:rPr lang="sv-SE" sz="1300">
-                          <a:latin typeface="Arial" panose="020B0604020202020204" pitchFamily="34" charset="0"/>
-                          <a:cs typeface="Arial" panose="020B0604020202020204" pitchFamily="34" charset="0"/>
-                        </a:rPr>
-                        <a:t>Hypoglycemia</a:t>
-                      </a:r>
-                    </a:p>
-                    <a:p>
-                      <a:pPr marL="0" marR="0" lvl="0" indent="0" algn="l" rtl="0">
-                        <a:spcBef>
-                          <a:spcPts val="0"/>
-                        </a:spcBef>
-                        <a:buSzPct val="25000"/>
-                        <a:buNone/>
-                      </a:pPr>
-                      <a:r>
-                        <a:rPr lang="sv-SE" sz="1300">
-                          <a:latin typeface="Arial" panose="020B0604020202020204" pitchFamily="34" charset="0"/>
-                          <a:cs typeface="Arial" panose="020B0604020202020204" pitchFamily="34" charset="0"/>
-                        </a:rPr>
-                        <a:t>(n = xxx)</a:t>
-                      </a:r>
-                    </a:p>
-                  </a:txBody>
-                  <a:tcPr marL="59396" marR="59396" marT="32668" marB="32668"/>
-                </a:tc>
-                <a:tc>
-                  <a:txBody>
-                    <a:bodyPr/>
-                    <a:lstStyle/>
-                    <a:p>
-                      <a:pPr marL="0" marR="0" lvl="0" indent="0" algn="l" rtl="0">
-                        <a:spcBef>
-                          <a:spcPts val="0"/>
-                        </a:spcBef>
-                        <a:buSzPct val="25000"/>
-                        <a:buNone/>
-                      </a:pPr>
-                      <a:r>
-                        <a:rPr lang="sv-SE" sz="1300">
-                          <a:latin typeface="Arial" panose="020B0604020202020204" pitchFamily="34" charset="0"/>
-                          <a:cs typeface="Arial" panose="020B0604020202020204" pitchFamily="34" charset="0"/>
-                        </a:rPr>
-                        <a:t>No hypoglycemia</a:t>
-                      </a:r>
-                    </a:p>
-                    <a:p>
-                      <a:pPr marL="0" marR="0" lvl="0" indent="0" algn="l" rtl="0">
-                        <a:spcBef>
-                          <a:spcPts val="0"/>
-                        </a:spcBef>
-                        <a:buSzPct val="25000"/>
-                        <a:buNone/>
-                      </a:pPr>
-                      <a:r>
-                        <a:rPr lang="sv-SE" sz="1300">
-                          <a:latin typeface="Arial" panose="020B0604020202020204" pitchFamily="34" charset="0"/>
-                          <a:cs typeface="Arial" panose="020B0604020202020204" pitchFamily="34" charset="0"/>
-                        </a:rPr>
-                        <a:t>(n = xxx)</a:t>
-                      </a:r>
-                    </a:p>
-                  </a:txBody>
-                  <a:tcPr marL="59396" marR="59396" marT="32668" marB="32668"/>
-                </a:tc>
-                <a:tc>
-                  <a:txBody>
-                    <a:bodyPr/>
-                    <a:lstStyle/>
-                    <a:p>
-                      <a:pPr marL="0" marR="0" lvl="0" indent="0" algn="l" rtl="0">
-                        <a:spcBef>
-                          <a:spcPts val="0"/>
-                        </a:spcBef>
-                        <a:buSzPct val="25000"/>
-                        <a:buNone/>
-                      </a:pPr>
-                      <a:r>
-                        <a:rPr lang="sv-SE" sz="1300">
-                          <a:latin typeface="Arial" panose="020B0604020202020204" pitchFamily="34" charset="0"/>
-                          <a:cs typeface="Arial" panose="020B0604020202020204" pitchFamily="34" charset="0"/>
-                        </a:rPr>
-                        <a:t>P value</a:t>
-                      </a:r>
-                    </a:p>
-                  </a:txBody>
-                  <a:tcPr marL="59396" marR="59396" marT="32668" marB="32668"/>
-                </a:tc>
-                <a:extLst>
-                  <a:ext uri="{0D108BD9-81ED-4DB2-BD59-A6C34878D82A}">
-                    <a16:rowId xmlns:a16="http://schemas.microsoft.com/office/drawing/2014/main" val="10000"/>
-                  </a:ext>
-                </a:extLst>
-              </a:tr>
-              <a:tr h="264950">
-                <a:tc>
-                  <a:txBody>
-                    <a:bodyPr/>
-                    <a:lstStyle/>
-                    <a:p>
-                      <a:pPr marL="0" marR="0" lvl="0" indent="0" algn="l" rtl="0">
-                        <a:spcBef>
-                          <a:spcPts val="0"/>
-                        </a:spcBef>
-                        <a:buSzPct val="25000"/>
-                        <a:buNone/>
-                      </a:pPr>
-                      <a:r>
-                        <a:rPr lang="sv-SE" sz="1300" dirty="0">
-                          <a:latin typeface="Arial" panose="020B0604020202020204" pitchFamily="34" charset="0"/>
-                          <a:cs typeface="Arial" panose="020B0604020202020204" pitchFamily="34" charset="0"/>
-                        </a:rPr>
-                        <a:t>Age, </a:t>
-                      </a:r>
-                      <a:r>
-                        <a:rPr lang="sv-SE" sz="1300" dirty="0" err="1">
-                          <a:latin typeface="Arial" panose="020B0604020202020204" pitchFamily="34" charset="0"/>
-                          <a:cs typeface="Arial" panose="020B0604020202020204" pitchFamily="34" charset="0"/>
-                        </a:rPr>
-                        <a:t>years</a:t>
-                      </a:r>
-                      <a:endParaRPr lang="sv-SE" sz="1300" dirty="0">
-                        <a:latin typeface="Arial" panose="020B0604020202020204" pitchFamily="34" charset="0"/>
-                        <a:cs typeface="Arial" panose="020B0604020202020204" pitchFamily="34" charset="0"/>
-                      </a:endParaRPr>
-                    </a:p>
-                  </a:txBody>
-                  <a:tcPr marL="59396" marR="59396" marT="32668" marB="32668"/>
-                </a:tc>
-                <a:tc>
-                  <a:txBody>
-                    <a:bodyPr/>
-                    <a:lstStyle/>
-                    <a:p>
-                      <a:pPr marL="0" marR="0" lvl="0" indent="0" algn="l" rtl="0">
-                        <a:spcBef>
-                          <a:spcPts val="0"/>
-                        </a:spcBef>
-                        <a:buSzPct val="25000"/>
-                        <a:buNone/>
-                      </a:pPr>
-                      <a:endParaRPr sz="1300">
-                        <a:latin typeface="Arial" panose="020B0604020202020204" pitchFamily="34" charset="0"/>
-                        <a:cs typeface="Arial" panose="020B0604020202020204" pitchFamily="34" charset="0"/>
-                      </a:endParaRPr>
-                    </a:p>
-                  </a:txBody>
-                  <a:tcPr marL="59396" marR="59396" marT="32668" marB="32668"/>
-                </a:tc>
-                <a:tc>
-                  <a:txBody>
-                    <a:bodyPr/>
-                    <a:lstStyle/>
-                    <a:p>
-                      <a:pPr marL="0" marR="0" lvl="0" indent="0" algn="l" rtl="0">
-                        <a:spcBef>
-                          <a:spcPts val="0"/>
-                        </a:spcBef>
-                        <a:buSzPct val="25000"/>
-                        <a:buNone/>
-                      </a:pPr>
-                      <a:endParaRPr sz="1300">
-                        <a:latin typeface="Arial" panose="020B0604020202020204" pitchFamily="34" charset="0"/>
-                        <a:cs typeface="Arial" panose="020B0604020202020204" pitchFamily="34" charset="0"/>
-                      </a:endParaRPr>
-                    </a:p>
-                  </a:txBody>
-                  <a:tcPr marL="59396" marR="59396" marT="32668" marB="32668"/>
-                </a:tc>
-                <a:tc>
-                  <a:txBody>
-                    <a:bodyPr/>
-                    <a:lstStyle/>
-                    <a:p>
-                      <a:pPr marL="0" marR="0" lvl="0" indent="0" algn="l" rtl="0">
-                        <a:spcBef>
-                          <a:spcPts val="0"/>
-                        </a:spcBef>
-                        <a:buSzPct val="25000"/>
-                        <a:buNone/>
-                      </a:pPr>
-                      <a:endParaRPr sz="1300">
-                        <a:latin typeface="Arial" panose="020B0604020202020204" pitchFamily="34" charset="0"/>
-                        <a:cs typeface="Arial" panose="020B0604020202020204" pitchFamily="34" charset="0"/>
-                      </a:endParaRPr>
-                    </a:p>
-                  </a:txBody>
-                  <a:tcPr marL="59396" marR="59396" marT="32668" marB="32668"/>
-                </a:tc>
-                <a:extLst>
-                  <a:ext uri="{0D108BD9-81ED-4DB2-BD59-A6C34878D82A}">
-                    <a16:rowId xmlns:a16="http://schemas.microsoft.com/office/drawing/2014/main" val="10001"/>
-                  </a:ext>
-                </a:extLst>
-              </a:tr>
-              <a:tr h="264950">
-                <a:tc>
-                  <a:txBody>
-                    <a:bodyPr/>
-                    <a:lstStyle/>
-                    <a:p>
-                      <a:pPr marL="0" marR="0" lvl="0" indent="0" algn="l" rtl="0">
-                        <a:spcBef>
-                          <a:spcPts val="0"/>
-                        </a:spcBef>
-                        <a:buSzPct val="25000"/>
-                        <a:buNone/>
-                      </a:pPr>
-                      <a:r>
-                        <a:rPr lang="sv-SE" sz="1300">
-                          <a:latin typeface="Arial" panose="020B0604020202020204" pitchFamily="34" charset="0"/>
-                          <a:cs typeface="Arial" panose="020B0604020202020204" pitchFamily="34" charset="0"/>
-                        </a:rPr>
-                        <a:t>Male sex, n (%)</a:t>
-                      </a:r>
-                    </a:p>
-                  </a:txBody>
-                  <a:tcPr marL="59396" marR="59396" marT="32668" marB="32668"/>
-                </a:tc>
-                <a:tc>
-                  <a:txBody>
-                    <a:bodyPr/>
-                    <a:lstStyle/>
-                    <a:p>
-                      <a:pPr marL="0" marR="0" lvl="0" indent="0" algn="l" rtl="0">
-                        <a:spcBef>
-                          <a:spcPts val="0"/>
-                        </a:spcBef>
-                        <a:buSzPct val="25000"/>
-                        <a:buNone/>
-                      </a:pPr>
-                      <a:endParaRPr sz="1300">
-                        <a:latin typeface="Arial" panose="020B0604020202020204" pitchFamily="34" charset="0"/>
-                        <a:cs typeface="Arial" panose="020B0604020202020204" pitchFamily="34" charset="0"/>
-                      </a:endParaRPr>
-                    </a:p>
-                  </a:txBody>
-                  <a:tcPr marL="59396" marR="59396" marT="32668" marB="32668"/>
-                </a:tc>
-                <a:tc>
-                  <a:txBody>
-                    <a:bodyPr/>
-                    <a:lstStyle/>
-                    <a:p>
-                      <a:pPr marL="0" marR="0" lvl="0" indent="0" algn="l" rtl="0">
-                        <a:spcBef>
-                          <a:spcPts val="0"/>
-                        </a:spcBef>
-                        <a:buSzPct val="25000"/>
-                        <a:buNone/>
-                      </a:pPr>
-                      <a:endParaRPr sz="1300">
-                        <a:latin typeface="Arial" panose="020B0604020202020204" pitchFamily="34" charset="0"/>
-                        <a:cs typeface="Arial" panose="020B0604020202020204" pitchFamily="34" charset="0"/>
-                      </a:endParaRPr>
-                    </a:p>
-                  </a:txBody>
-                  <a:tcPr marL="59396" marR="59396" marT="32668" marB="32668"/>
-                </a:tc>
-                <a:tc>
-                  <a:txBody>
-                    <a:bodyPr/>
-                    <a:lstStyle/>
-                    <a:p>
-                      <a:pPr marL="0" marR="0" lvl="0" indent="0" algn="l" rtl="0">
-                        <a:spcBef>
-                          <a:spcPts val="0"/>
-                        </a:spcBef>
-                        <a:buSzPct val="25000"/>
-                        <a:buNone/>
-                      </a:pPr>
-                      <a:endParaRPr sz="1300">
-                        <a:latin typeface="Arial" panose="020B0604020202020204" pitchFamily="34" charset="0"/>
-                        <a:cs typeface="Arial" panose="020B0604020202020204" pitchFamily="34" charset="0"/>
-                      </a:endParaRPr>
-                    </a:p>
-                  </a:txBody>
-                  <a:tcPr marL="59396" marR="59396" marT="32668" marB="32668"/>
-                </a:tc>
-                <a:extLst>
-                  <a:ext uri="{0D108BD9-81ED-4DB2-BD59-A6C34878D82A}">
-                    <a16:rowId xmlns:a16="http://schemas.microsoft.com/office/drawing/2014/main" val="10002"/>
-                  </a:ext>
-                </a:extLst>
-              </a:tr>
-              <a:tr h="264950">
-                <a:tc>
-                  <a:txBody>
-                    <a:bodyPr/>
-                    <a:lstStyle/>
-                    <a:p>
-                      <a:pPr marL="0" marR="0" lvl="0" indent="0" algn="l" rtl="0">
-                        <a:spcBef>
-                          <a:spcPts val="0"/>
-                        </a:spcBef>
-                        <a:buSzPct val="25000"/>
-                        <a:buNone/>
-                      </a:pPr>
-                      <a:r>
-                        <a:rPr lang="sv-SE" sz="1300" dirty="0">
-                          <a:latin typeface="Arial" panose="020B0604020202020204" pitchFamily="34" charset="0"/>
-                          <a:cs typeface="Arial" panose="020B0604020202020204" pitchFamily="34" charset="0"/>
-                        </a:rPr>
-                        <a:t>APACHE III score</a:t>
-                      </a:r>
-                    </a:p>
-                  </a:txBody>
-                  <a:tcPr marL="59396" marR="59396" marT="32668" marB="32668"/>
-                </a:tc>
-                <a:tc>
-                  <a:txBody>
-                    <a:bodyPr/>
-                    <a:lstStyle/>
-                    <a:p>
-                      <a:pPr marL="0" marR="0" lvl="0" indent="0" algn="l" rtl="0">
-                        <a:spcBef>
-                          <a:spcPts val="0"/>
-                        </a:spcBef>
-                        <a:buSzPct val="25000"/>
-                        <a:buNone/>
-                      </a:pPr>
-                      <a:endParaRPr sz="1300">
-                        <a:latin typeface="Arial" panose="020B0604020202020204" pitchFamily="34" charset="0"/>
-                        <a:cs typeface="Arial" panose="020B0604020202020204" pitchFamily="34" charset="0"/>
-                      </a:endParaRPr>
-                    </a:p>
-                  </a:txBody>
-                  <a:tcPr marL="59396" marR="59396" marT="32668" marB="32668"/>
-                </a:tc>
-                <a:tc>
-                  <a:txBody>
-                    <a:bodyPr/>
-                    <a:lstStyle/>
-                    <a:p>
-                      <a:pPr marL="0" marR="0" lvl="0" indent="0" algn="l" rtl="0">
-                        <a:spcBef>
-                          <a:spcPts val="0"/>
-                        </a:spcBef>
-                        <a:buSzPct val="25000"/>
-                        <a:buNone/>
-                      </a:pPr>
-                      <a:endParaRPr sz="1300">
-                        <a:latin typeface="Arial" panose="020B0604020202020204" pitchFamily="34" charset="0"/>
-                        <a:cs typeface="Arial" panose="020B0604020202020204" pitchFamily="34" charset="0"/>
-                      </a:endParaRPr>
-                    </a:p>
-                  </a:txBody>
-                  <a:tcPr marL="59396" marR="59396" marT="32668" marB="32668"/>
-                </a:tc>
-                <a:tc>
-                  <a:txBody>
-                    <a:bodyPr/>
-                    <a:lstStyle/>
-                    <a:p>
-                      <a:pPr marL="0" marR="0" lvl="0" indent="0" algn="l" rtl="0">
-                        <a:spcBef>
-                          <a:spcPts val="0"/>
-                        </a:spcBef>
-                        <a:buSzPct val="25000"/>
-                        <a:buNone/>
-                      </a:pPr>
-                      <a:endParaRPr sz="1300">
-                        <a:latin typeface="Arial" panose="020B0604020202020204" pitchFamily="34" charset="0"/>
-                        <a:cs typeface="Arial" panose="020B0604020202020204" pitchFamily="34" charset="0"/>
-                      </a:endParaRPr>
-                    </a:p>
-                  </a:txBody>
-                  <a:tcPr marL="59396" marR="59396" marT="32668" marB="32668"/>
-                </a:tc>
-                <a:extLst>
-                  <a:ext uri="{0D108BD9-81ED-4DB2-BD59-A6C34878D82A}">
-                    <a16:rowId xmlns:a16="http://schemas.microsoft.com/office/drawing/2014/main" val="10003"/>
-                  </a:ext>
-                </a:extLst>
-              </a:tr>
-              <a:tr h="264950">
-                <a:tc>
-                  <a:txBody>
-                    <a:bodyPr/>
-                    <a:lstStyle/>
-                    <a:p>
-                      <a:pPr marL="0" marR="0" lvl="0" indent="0" algn="l" rtl="0">
-                        <a:spcBef>
-                          <a:spcPts val="0"/>
-                        </a:spcBef>
-                        <a:buSzPct val="25000"/>
-                        <a:buNone/>
-                      </a:pPr>
-                      <a:r>
-                        <a:rPr lang="sv-SE" sz="1300">
-                          <a:latin typeface="Arial" panose="020B0604020202020204" pitchFamily="34" charset="0"/>
-                          <a:cs typeface="Arial" panose="020B0604020202020204" pitchFamily="34" charset="0"/>
-                        </a:rPr>
-                        <a:t>Diabetes, n (%)</a:t>
-                      </a:r>
-                    </a:p>
-                  </a:txBody>
-                  <a:tcPr marL="59396" marR="59396" marT="32668" marB="32668"/>
-                </a:tc>
-                <a:tc>
-                  <a:txBody>
-                    <a:bodyPr/>
-                    <a:lstStyle/>
-                    <a:p>
-                      <a:pPr marL="0" marR="0" lvl="0" indent="0" algn="l" rtl="0">
-                        <a:spcBef>
-                          <a:spcPts val="0"/>
-                        </a:spcBef>
-                        <a:buSzPct val="25000"/>
-                        <a:buNone/>
-                      </a:pPr>
-                      <a:endParaRPr sz="1300" dirty="0">
-                        <a:latin typeface="Arial" panose="020B0604020202020204" pitchFamily="34" charset="0"/>
-                        <a:cs typeface="Arial" panose="020B0604020202020204" pitchFamily="34" charset="0"/>
-                      </a:endParaRPr>
-                    </a:p>
-                  </a:txBody>
-                  <a:tcPr marL="59396" marR="59396" marT="32668" marB="32668"/>
-                </a:tc>
-                <a:tc>
-                  <a:txBody>
-                    <a:bodyPr/>
-                    <a:lstStyle/>
-                    <a:p>
-                      <a:pPr marL="0" marR="0" lvl="0" indent="0" algn="l" rtl="0">
-                        <a:spcBef>
-                          <a:spcPts val="0"/>
-                        </a:spcBef>
-                        <a:buSzPct val="25000"/>
-                        <a:buNone/>
-                      </a:pPr>
-                      <a:endParaRPr sz="1300">
-                        <a:latin typeface="Arial" panose="020B0604020202020204" pitchFamily="34" charset="0"/>
-                        <a:cs typeface="Arial" panose="020B0604020202020204" pitchFamily="34" charset="0"/>
-                      </a:endParaRPr>
-                    </a:p>
-                  </a:txBody>
-                  <a:tcPr marL="59396" marR="59396" marT="32668" marB="32668"/>
-                </a:tc>
-                <a:tc>
-                  <a:txBody>
-                    <a:bodyPr/>
-                    <a:lstStyle/>
-                    <a:p>
-                      <a:pPr marL="0" marR="0" lvl="0" indent="0" algn="l" rtl="0">
-                        <a:spcBef>
-                          <a:spcPts val="0"/>
-                        </a:spcBef>
-                        <a:buSzPct val="25000"/>
-                        <a:buNone/>
-                      </a:pPr>
-                      <a:endParaRPr sz="1300" dirty="0">
-                        <a:latin typeface="Arial" panose="020B0604020202020204" pitchFamily="34" charset="0"/>
-                        <a:cs typeface="Arial" panose="020B0604020202020204" pitchFamily="34" charset="0"/>
-                      </a:endParaRPr>
-                    </a:p>
-                  </a:txBody>
-                  <a:tcPr marL="59396" marR="59396" marT="32668" marB="32668"/>
-                </a:tc>
-                <a:extLst>
-                  <a:ext uri="{0D108BD9-81ED-4DB2-BD59-A6C34878D82A}">
-                    <a16:rowId xmlns:a16="http://schemas.microsoft.com/office/drawing/2014/main" val="10004"/>
-                  </a:ext>
-                </a:extLst>
-              </a:tr>
-              <a:tr h="264950">
-                <a:tc>
-                  <a:txBody>
-                    <a:bodyPr/>
-                    <a:lstStyle/>
-                    <a:p>
-                      <a:pPr marL="0" marR="0" lvl="0" indent="177800" algn="l" rtl="0">
-                        <a:spcBef>
-                          <a:spcPts val="0"/>
-                        </a:spcBef>
-                        <a:buSzPct val="25000"/>
-                        <a:buNone/>
-                      </a:pPr>
-                      <a:r>
-                        <a:rPr lang="sv-SE" sz="1300" dirty="0" err="1">
-                          <a:latin typeface="Arial" panose="020B0604020202020204" pitchFamily="34" charset="0"/>
-                          <a:cs typeface="Arial" panose="020B0604020202020204" pitchFamily="34" charset="0"/>
-                        </a:rPr>
-                        <a:t>Type</a:t>
-                      </a:r>
-                      <a:r>
-                        <a:rPr lang="sv-SE" sz="1300" dirty="0">
-                          <a:latin typeface="Arial" panose="020B0604020202020204" pitchFamily="34" charset="0"/>
-                          <a:cs typeface="Arial" panose="020B0604020202020204" pitchFamily="34" charset="0"/>
-                        </a:rPr>
-                        <a:t> 1</a:t>
-                      </a:r>
-                    </a:p>
-                  </a:txBody>
-                  <a:tcPr marL="59396" marR="59396" marT="32668" marB="32668"/>
-                </a:tc>
-                <a:tc>
-                  <a:txBody>
-                    <a:bodyPr/>
-                    <a:lstStyle/>
-                    <a:p>
-                      <a:pPr marL="0" marR="0" lvl="0" indent="0" algn="l" rtl="0">
-                        <a:spcBef>
-                          <a:spcPts val="0"/>
-                        </a:spcBef>
-                        <a:buSzPct val="25000"/>
-                        <a:buNone/>
-                      </a:pPr>
-                      <a:endParaRPr sz="1300">
-                        <a:latin typeface="Arial" panose="020B0604020202020204" pitchFamily="34" charset="0"/>
-                        <a:cs typeface="Arial" panose="020B0604020202020204" pitchFamily="34" charset="0"/>
-                      </a:endParaRPr>
-                    </a:p>
-                  </a:txBody>
-                  <a:tcPr marL="59396" marR="59396" marT="32668" marB="32668"/>
-                </a:tc>
-                <a:tc>
-                  <a:txBody>
-                    <a:bodyPr/>
-                    <a:lstStyle/>
-                    <a:p>
-                      <a:pPr marL="0" marR="0" lvl="0" indent="0" algn="l" rtl="0">
-                        <a:spcBef>
-                          <a:spcPts val="0"/>
-                        </a:spcBef>
-                        <a:buSzPct val="25000"/>
-                        <a:buNone/>
-                      </a:pPr>
-                      <a:endParaRPr sz="1300">
-                        <a:latin typeface="Arial" panose="020B0604020202020204" pitchFamily="34" charset="0"/>
-                        <a:cs typeface="Arial" panose="020B0604020202020204" pitchFamily="34" charset="0"/>
-                      </a:endParaRPr>
-                    </a:p>
-                  </a:txBody>
-                  <a:tcPr marL="59396" marR="59396" marT="32668" marB="32668"/>
-                </a:tc>
-                <a:tc>
-                  <a:txBody>
-                    <a:bodyPr/>
-                    <a:lstStyle/>
-                    <a:p>
-                      <a:pPr marL="0" marR="0" lvl="0" indent="0" algn="l" rtl="0">
-                        <a:spcBef>
-                          <a:spcPts val="0"/>
-                        </a:spcBef>
-                        <a:buSzPct val="25000"/>
-                        <a:buNone/>
-                      </a:pPr>
-                      <a:endParaRPr sz="1300">
-                        <a:latin typeface="Arial" panose="020B0604020202020204" pitchFamily="34" charset="0"/>
-                        <a:cs typeface="Arial" panose="020B0604020202020204" pitchFamily="34" charset="0"/>
-                      </a:endParaRPr>
-                    </a:p>
-                  </a:txBody>
-                  <a:tcPr marL="59396" marR="59396" marT="32668" marB="32668"/>
-                </a:tc>
-                <a:extLst>
-                  <a:ext uri="{0D108BD9-81ED-4DB2-BD59-A6C34878D82A}">
-                    <a16:rowId xmlns:a16="http://schemas.microsoft.com/office/drawing/2014/main" val="10005"/>
-                  </a:ext>
-                </a:extLst>
-              </a:tr>
-              <a:tr h="264950">
-                <a:tc>
-                  <a:txBody>
-                    <a:bodyPr/>
-                    <a:lstStyle/>
-                    <a:p>
-                      <a:pPr marL="0" marR="0" lvl="0" indent="177800" algn="l" rtl="0">
-                        <a:spcBef>
-                          <a:spcPts val="0"/>
-                        </a:spcBef>
-                        <a:buSzPct val="25000"/>
-                        <a:buNone/>
-                      </a:pPr>
-                      <a:r>
-                        <a:rPr lang="sv-SE" sz="1300" dirty="0" err="1">
-                          <a:latin typeface="Arial" panose="020B0604020202020204" pitchFamily="34" charset="0"/>
-                          <a:cs typeface="Arial" panose="020B0604020202020204" pitchFamily="34" charset="0"/>
-                        </a:rPr>
-                        <a:t>Type</a:t>
-                      </a:r>
-                      <a:r>
-                        <a:rPr lang="sv-SE" sz="1300" dirty="0">
-                          <a:latin typeface="Arial" panose="020B0604020202020204" pitchFamily="34" charset="0"/>
-                          <a:cs typeface="Arial" panose="020B0604020202020204" pitchFamily="34" charset="0"/>
-                        </a:rPr>
-                        <a:t> 2</a:t>
-                      </a:r>
-                    </a:p>
-                  </a:txBody>
-                  <a:tcPr marL="59396" marR="59396" marT="32668" marB="32668"/>
-                </a:tc>
-                <a:tc>
-                  <a:txBody>
-                    <a:bodyPr/>
-                    <a:lstStyle/>
-                    <a:p>
-                      <a:pPr marL="0" marR="0" lvl="0" indent="0" algn="l" rtl="0">
-                        <a:spcBef>
-                          <a:spcPts val="0"/>
-                        </a:spcBef>
-                        <a:buSzPct val="25000"/>
-                        <a:buNone/>
-                      </a:pPr>
-                      <a:endParaRPr sz="1300">
-                        <a:latin typeface="Arial" panose="020B0604020202020204" pitchFamily="34" charset="0"/>
-                        <a:cs typeface="Arial" panose="020B0604020202020204" pitchFamily="34" charset="0"/>
-                      </a:endParaRPr>
-                    </a:p>
-                  </a:txBody>
-                  <a:tcPr marL="59396" marR="59396" marT="32668" marB="32668"/>
-                </a:tc>
-                <a:tc>
-                  <a:txBody>
-                    <a:bodyPr/>
-                    <a:lstStyle/>
-                    <a:p>
-                      <a:pPr marL="0" marR="0" lvl="0" indent="0" algn="l" rtl="0">
-                        <a:spcBef>
-                          <a:spcPts val="0"/>
-                        </a:spcBef>
-                        <a:buSzPct val="25000"/>
-                        <a:buNone/>
-                      </a:pPr>
-                      <a:endParaRPr sz="1300">
-                        <a:latin typeface="Arial" panose="020B0604020202020204" pitchFamily="34" charset="0"/>
-                        <a:cs typeface="Arial" panose="020B0604020202020204" pitchFamily="34" charset="0"/>
-                      </a:endParaRPr>
-                    </a:p>
-                  </a:txBody>
-                  <a:tcPr marL="59396" marR="59396" marT="32668" marB="32668"/>
-                </a:tc>
-                <a:tc>
-                  <a:txBody>
-                    <a:bodyPr/>
-                    <a:lstStyle/>
-                    <a:p>
-                      <a:pPr marL="0" marR="0" lvl="0" indent="0" algn="l" rtl="0">
-                        <a:spcBef>
-                          <a:spcPts val="0"/>
-                        </a:spcBef>
-                        <a:buSzPct val="25000"/>
-                        <a:buNone/>
-                      </a:pPr>
-                      <a:endParaRPr sz="1300">
-                        <a:latin typeface="Arial" panose="020B0604020202020204" pitchFamily="34" charset="0"/>
-                        <a:cs typeface="Arial" panose="020B0604020202020204" pitchFamily="34" charset="0"/>
-                      </a:endParaRPr>
-                    </a:p>
-                  </a:txBody>
-                  <a:tcPr marL="59396" marR="59396" marT="32668" marB="32668"/>
-                </a:tc>
-                <a:extLst>
-                  <a:ext uri="{0D108BD9-81ED-4DB2-BD59-A6C34878D82A}">
-                    <a16:rowId xmlns:a16="http://schemas.microsoft.com/office/drawing/2014/main" val="10006"/>
-                  </a:ext>
-                </a:extLst>
-              </a:tr>
-              <a:tr h="264950">
-                <a:tc>
-                  <a:txBody>
-                    <a:bodyPr/>
-                    <a:lstStyle/>
-                    <a:p>
-                      <a:pPr marL="0" marR="0" lvl="0" indent="177800" algn="l" rtl="0">
-                        <a:spcBef>
-                          <a:spcPts val="0"/>
-                        </a:spcBef>
-                        <a:buSzPct val="25000"/>
-                        <a:buNone/>
-                      </a:pPr>
-                      <a:r>
-                        <a:rPr lang="sv-SE" sz="1300">
-                          <a:latin typeface="Arial" panose="020B0604020202020204" pitchFamily="34" charset="0"/>
-                          <a:cs typeface="Arial" panose="020B0604020202020204" pitchFamily="34" charset="0"/>
-                        </a:rPr>
-                        <a:t>Unknown</a:t>
-                      </a:r>
-                    </a:p>
-                  </a:txBody>
-                  <a:tcPr marL="59396" marR="59396" marT="32668" marB="32668"/>
-                </a:tc>
-                <a:tc>
-                  <a:txBody>
-                    <a:bodyPr/>
-                    <a:lstStyle/>
-                    <a:p>
-                      <a:pPr marL="0" marR="0" lvl="0" indent="0" algn="l" rtl="0">
-                        <a:spcBef>
-                          <a:spcPts val="0"/>
-                        </a:spcBef>
-                        <a:buSzPct val="25000"/>
-                        <a:buNone/>
-                      </a:pPr>
-                      <a:endParaRPr sz="1300">
-                        <a:latin typeface="Arial" panose="020B0604020202020204" pitchFamily="34" charset="0"/>
-                        <a:cs typeface="Arial" panose="020B0604020202020204" pitchFamily="34" charset="0"/>
-                      </a:endParaRPr>
-                    </a:p>
-                  </a:txBody>
-                  <a:tcPr marL="59396" marR="59396" marT="32668" marB="32668"/>
-                </a:tc>
-                <a:tc>
-                  <a:txBody>
-                    <a:bodyPr/>
-                    <a:lstStyle/>
-                    <a:p>
-                      <a:pPr marL="0" marR="0" lvl="0" indent="0" algn="l" rtl="0">
-                        <a:spcBef>
-                          <a:spcPts val="0"/>
-                        </a:spcBef>
-                        <a:buSzPct val="25000"/>
-                        <a:buNone/>
-                      </a:pPr>
-                      <a:endParaRPr sz="1300">
-                        <a:latin typeface="Arial" panose="020B0604020202020204" pitchFamily="34" charset="0"/>
-                        <a:cs typeface="Arial" panose="020B0604020202020204" pitchFamily="34" charset="0"/>
-                      </a:endParaRPr>
-                    </a:p>
-                  </a:txBody>
-                  <a:tcPr marL="59396" marR="59396" marT="32668" marB="32668"/>
-                </a:tc>
-                <a:tc>
-                  <a:txBody>
-                    <a:bodyPr/>
-                    <a:lstStyle/>
-                    <a:p>
-                      <a:pPr marL="0" marR="0" lvl="0" indent="0" algn="l" rtl="0">
-                        <a:spcBef>
-                          <a:spcPts val="0"/>
-                        </a:spcBef>
-                        <a:buSzPct val="25000"/>
-                        <a:buNone/>
-                      </a:pPr>
-                      <a:endParaRPr sz="1300">
-                        <a:latin typeface="Arial" panose="020B0604020202020204" pitchFamily="34" charset="0"/>
-                        <a:cs typeface="Arial" panose="020B0604020202020204" pitchFamily="34" charset="0"/>
-                      </a:endParaRPr>
-                    </a:p>
-                  </a:txBody>
-                  <a:tcPr marL="59396" marR="59396" marT="32668" marB="32668"/>
-                </a:tc>
-                <a:extLst>
-                  <a:ext uri="{0D108BD9-81ED-4DB2-BD59-A6C34878D82A}">
-                    <a16:rowId xmlns:a16="http://schemas.microsoft.com/office/drawing/2014/main" val="10007"/>
-                  </a:ext>
-                </a:extLst>
-              </a:tr>
-              <a:tr h="264950">
-                <a:tc>
-                  <a:txBody>
-                    <a:bodyPr/>
-                    <a:lstStyle/>
-                    <a:p>
-                      <a:pPr marL="0" marR="0" lvl="0" indent="0" algn="l" rtl="0">
-                        <a:spcBef>
-                          <a:spcPts val="0"/>
-                        </a:spcBef>
-                        <a:buSzPct val="25000"/>
-                        <a:buNone/>
-                      </a:pPr>
-                      <a:r>
-                        <a:rPr lang="sv-SE" sz="1300">
-                          <a:latin typeface="Arial" panose="020B0604020202020204" pitchFamily="34" charset="0"/>
-                          <a:cs typeface="Arial" panose="020B0604020202020204" pitchFamily="34" charset="0"/>
-                        </a:rPr>
-                        <a:t>Liver disease</a:t>
-                      </a:r>
-                    </a:p>
-                  </a:txBody>
-                  <a:tcPr marL="59396" marR="59396" marT="32668" marB="32668"/>
-                </a:tc>
-                <a:tc>
-                  <a:txBody>
-                    <a:bodyPr/>
-                    <a:lstStyle/>
-                    <a:p>
-                      <a:pPr marL="0" marR="0" lvl="0" indent="0" algn="l" rtl="0">
-                        <a:spcBef>
-                          <a:spcPts val="0"/>
-                        </a:spcBef>
-                        <a:buSzPct val="25000"/>
-                        <a:buNone/>
-                      </a:pPr>
-                      <a:endParaRPr sz="1300">
-                        <a:latin typeface="Arial" panose="020B0604020202020204" pitchFamily="34" charset="0"/>
-                        <a:cs typeface="Arial" panose="020B0604020202020204" pitchFamily="34" charset="0"/>
-                      </a:endParaRPr>
-                    </a:p>
-                  </a:txBody>
-                  <a:tcPr marL="59396" marR="59396" marT="32668" marB="32668"/>
-                </a:tc>
-                <a:tc>
-                  <a:txBody>
-                    <a:bodyPr/>
-                    <a:lstStyle/>
-                    <a:p>
-                      <a:pPr marL="0" marR="0" lvl="0" indent="0" algn="l" rtl="0">
-                        <a:spcBef>
-                          <a:spcPts val="0"/>
-                        </a:spcBef>
-                        <a:buSzPct val="25000"/>
-                        <a:buNone/>
-                      </a:pPr>
-                      <a:endParaRPr sz="1300">
-                        <a:latin typeface="Arial" panose="020B0604020202020204" pitchFamily="34" charset="0"/>
-                        <a:cs typeface="Arial" panose="020B0604020202020204" pitchFamily="34" charset="0"/>
-                      </a:endParaRPr>
-                    </a:p>
-                  </a:txBody>
-                  <a:tcPr marL="59396" marR="59396" marT="32668" marB="32668"/>
-                </a:tc>
-                <a:tc>
-                  <a:txBody>
-                    <a:bodyPr/>
-                    <a:lstStyle/>
-                    <a:p>
-                      <a:pPr marL="0" marR="0" lvl="0" indent="0" algn="l" rtl="0">
-                        <a:spcBef>
-                          <a:spcPts val="0"/>
-                        </a:spcBef>
-                        <a:buSzPct val="25000"/>
-                        <a:buNone/>
-                      </a:pPr>
-                      <a:endParaRPr sz="1300">
-                        <a:latin typeface="Arial" panose="020B0604020202020204" pitchFamily="34" charset="0"/>
-                        <a:cs typeface="Arial" panose="020B0604020202020204" pitchFamily="34" charset="0"/>
-                      </a:endParaRPr>
-                    </a:p>
-                  </a:txBody>
-                  <a:tcPr marL="59396" marR="59396" marT="32668" marB="32668"/>
-                </a:tc>
-                <a:extLst>
-                  <a:ext uri="{0D108BD9-81ED-4DB2-BD59-A6C34878D82A}">
-                    <a16:rowId xmlns:a16="http://schemas.microsoft.com/office/drawing/2014/main" val="10008"/>
-                  </a:ext>
-                </a:extLst>
-              </a:tr>
-              <a:tr h="264950">
-                <a:tc>
-                  <a:txBody>
-                    <a:bodyPr/>
-                    <a:lstStyle/>
-                    <a:p>
-                      <a:pPr marL="0" marR="0" lvl="0" indent="0" algn="l" rtl="0">
-                        <a:spcBef>
-                          <a:spcPts val="0"/>
-                        </a:spcBef>
-                        <a:buSzPct val="25000"/>
-                        <a:buNone/>
-                      </a:pPr>
-                      <a:r>
-                        <a:rPr lang="sv-SE" sz="1300">
-                          <a:latin typeface="Arial" panose="020B0604020202020204" pitchFamily="34" charset="0"/>
-                          <a:cs typeface="Arial" panose="020B0604020202020204" pitchFamily="34" charset="0"/>
-                        </a:rPr>
-                        <a:t>Admission diagnosis</a:t>
-                      </a:r>
-                    </a:p>
-                  </a:txBody>
-                  <a:tcPr marL="59396" marR="59396" marT="32668" marB="32668"/>
-                </a:tc>
-                <a:tc>
-                  <a:txBody>
-                    <a:bodyPr/>
-                    <a:lstStyle/>
-                    <a:p>
-                      <a:pPr marL="0" marR="0" lvl="0" indent="0" algn="l" rtl="0">
-                        <a:spcBef>
-                          <a:spcPts val="0"/>
-                        </a:spcBef>
-                        <a:buSzPct val="25000"/>
-                        <a:buNone/>
-                      </a:pPr>
-                      <a:endParaRPr sz="1300">
-                        <a:latin typeface="Arial" panose="020B0604020202020204" pitchFamily="34" charset="0"/>
-                        <a:cs typeface="Arial" panose="020B0604020202020204" pitchFamily="34" charset="0"/>
-                      </a:endParaRPr>
-                    </a:p>
-                  </a:txBody>
-                  <a:tcPr marL="59396" marR="59396" marT="32668" marB="32668"/>
-                </a:tc>
-                <a:tc>
-                  <a:txBody>
-                    <a:bodyPr/>
-                    <a:lstStyle/>
-                    <a:p>
-                      <a:pPr marL="0" marR="0" lvl="0" indent="0" algn="l" rtl="0">
-                        <a:spcBef>
-                          <a:spcPts val="0"/>
-                        </a:spcBef>
-                        <a:buSzPct val="25000"/>
-                        <a:buNone/>
-                      </a:pPr>
-                      <a:endParaRPr sz="1300">
-                        <a:latin typeface="Arial" panose="020B0604020202020204" pitchFamily="34" charset="0"/>
-                        <a:cs typeface="Arial" panose="020B0604020202020204" pitchFamily="34" charset="0"/>
-                      </a:endParaRPr>
-                    </a:p>
-                  </a:txBody>
-                  <a:tcPr marL="59396" marR="59396" marT="32668" marB="32668"/>
-                </a:tc>
-                <a:tc>
-                  <a:txBody>
-                    <a:bodyPr/>
-                    <a:lstStyle/>
-                    <a:p>
-                      <a:pPr marL="0" marR="0" lvl="0" indent="0" algn="l" rtl="0">
-                        <a:spcBef>
-                          <a:spcPts val="0"/>
-                        </a:spcBef>
-                        <a:buSzPct val="25000"/>
-                        <a:buNone/>
-                      </a:pPr>
-                      <a:endParaRPr sz="1300">
-                        <a:latin typeface="Arial" panose="020B0604020202020204" pitchFamily="34" charset="0"/>
-                        <a:cs typeface="Arial" panose="020B0604020202020204" pitchFamily="34" charset="0"/>
-                      </a:endParaRPr>
-                    </a:p>
-                  </a:txBody>
-                  <a:tcPr marL="59396" marR="59396" marT="32668" marB="32668"/>
-                </a:tc>
-                <a:extLst>
-                  <a:ext uri="{0D108BD9-81ED-4DB2-BD59-A6C34878D82A}">
-                    <a16:rowId xmlns:a16="http://schemas.microsoft.com/office/drawing/2014/main" val="10009"/>
-                  </a:ext>
-                </a:extLst>
-              </a:tr>
-              <a:tr h="264950">
-                <a:tc>
-                  <a:txBody>
-                    <a:bodyPr/>
-                    <a:lstStyle/>
-                    <a:p>
-                      <a:pPr marL="0" marR="0" lvl="0" indent="177800" algn="l" rtl="0">
-                        <a:spcBef>
-                          <a:spcPts val="0"/>
-                        </a:spcBef>
-                        <a:buSzPct val="25000"/>
-                        <a:buNone/>
-                      </a:pPr>
-                      <a:r>
-                        <a:rPr lang="sv-SE" sz="1300">
-                          <a:latin typeface="Arial" panose="020B0604020202020204" pitchFamily="34" charset="0"/>
-                          <a:cs typeface="Arial" panose="020B0604020202020204" pitchFamily="34" charset="0"/>
-                        </a:rPr>
-                        <a:t>Operative</a:t>
-                      </a:r>
-                    </a:p>
-                  </a:txBody>
-                  <a:tcPr marL="59396" marR="59396" marT="32668" marB="32668"/>
-                </a:tc>
-                <a:tc>
-                  <a:txBody>
-                    <a:bodyPr/>
-                    <a:lstStyle/>
-                    <a:p>
-                      <a:pPr marL="0" marR="0" lvl="0" indent="0" algn="l" rtl="0">
-                        <a:spcBef>
-                          <a:spcPts val="0"/>
-                        </a:spcBef>
-                        <a:buSzPct val="25000"/>
-                        <a:buNone/>
-                      </a:pPr>
-                      <a:endParaRPr sz="1300">
-                        <a:latin typeface="Arial" panose="020B0604020202020204" pitchFamily="34" charset="0"/>
-                        <a:cs typeface="Arial" panose="020B0604020202020204" pitchFamily="34" charset="0"/>
-                      </a:endParaRPr>
-                    </a:p>
-                  </a:txBody>
-                  <a:tcPr marL="59396" marR="59396" marT="32668" marB="32668"/>
-                </a:tc>
-                <a:tc>
-                  <a:txBody>
-                    <a:bodyPr/>
-                    <a:lstStyle/>
-                    <a:p>
-                      <a:pPr marL="0" marR="0" lvl="0" indent="0" algn="l" rtl="0">
-                        <a:spcBef>
-                          <a:spcPts val="0"/>
-                        </a:spcBef>
-                        <a:buSzPct val="25000"/>
-                        <a:buNone/>
-                      </a:pPr>
-                      <a:endParaRPr sz="1300">
-                        <a:latin typeface="Arial" panose="020B0604020202020204" pitchFamily="34" charset="0"/>
-                        <a:cs typeface="Arial" panose="020B0604020202020204" pitchFamily="34" charset="0"/>
-                      </a:endParaRPr>
-                    </a:p>
-                  </a:txBody>
-                  <a:tcPr marL="59396" marR="59396" marT="32668" marB="32668"/>
-                </a:tc>
-                <a:tc>
-                  <a:txBody>
-                    <a:bodyPr/>
-                    <a:lstStyle/>
-                    <a:p>
-                      <a:pPr marL="0" marR="0" lvl="0" indent="0" algn="l" rtl="0">
-                        <a:spcBef>
-                          <a:spcPts val="0"/>
-                        </a:spcBef>
-                        <a:buSzPct val="25000"/>
-                        <a:buNone/>
-                      </a:pPr>
-                      <a:endParaRPr sz="1300">
-                        <a:latin typeface="Arial" panose="020B0604020202020204" pitchFamily="34" charset="0"/>
-                        <a:cs typeface="Arial" panose="020B0604020202020204" pitchFamily="34" charset="0"/>
-                      </a:endParaRPr>
-                    </a:p>
-                  </a:txBody>
-                  <a:tcPr marL="59396" marR="59396" marT="32668" marB="32668"/>
-                </a:tc>
-                <a:extLst>
-                  <a:ext uri="{0D108BD9-81ED-4DB2-BD59-A6C34878D82A}">
-                    <a16:rowId xmlns:a16="http://schemas.microsoft.com/office/drawing/2014/main" val="10010"/>
-                  </a:ext>
-                </a:extLst>
-              </a:tr>
-              <a:tr h="264950">
-                <a:tc>
-                  <a:txBody>
-                    <a:bodyPr/>
-                    <a:lstStyle/>
-                    <a:p>
-                      <a:pPr marL="0" marR="0" lvl="0" indent="177800" algn="l" rtl="0">
-                        <a:spcBef>
-                          <a:spcPts val="0"/>
-                        </a:spcBef>
-                        <a:buSzPct val="25000"/>
-                        <a:buNone/>
-                      </a:pPr>
-                      <a:r>
-                        <a:rPr lang="sv-SE" sz="1300">
-                          <a:latin typeface="Arial" panose="020B0604020202020204" pitchFamily="34" charset="0"/>
-                          <a:cs typeface="Arial" panose="020B0604020202020204" pitchFamily="34" charset="0"/>
-                        </a:rPr>
-                        <a:t>Non-operative</a:t>
-                      </a:r>
-                    </a:p>
-                  </a:txBody>
-                  <a:tcPr marL="59396" marR="59396" marT="32668" marB="32668"/>
-                </a:tc>
-                <a:tc>
-                  <a:txBody>
-                    <a:bodyPr/>
-                    <a:lstStyle/>
-                    <a:p>
-                      <a:pPr marL="0" marR="0" lvl="0" indent="0" algn="l" rtl="0">
-                        <a:spcBef>
-                          <a:spcPts val="0"/>
-                        </a:spcBef>
-                        <a:buSzPct val="25000"/>
-                        <a:buNone/>
-                      </a:pPr>
-                      <a:endParaRPr sz="1300">
-                        <a:latin typeface="Arial" panose="020B0604020202020204" pitchFamily="34" charset="0"/>
-                        <a:cs typeface="Arial" panose="020B0604020202020204" pitchFamily="34" charset="0"/>
-                      </a:endParaRPr>
-                    </a:p>
-                  </a:txBody>
-                  <a:tcPr marL="59396" marR="59396" marT="32668" marB="32668"/>
-                </a:tc>
-                <a:tc>
-                  <a:txBody>
-                    <a:bodyPr/>
-                    <a:lstStyle/>
-                    <a:p>
-                      <a:pPr marL="0" marR="0" lvl="0" indent="0" algn="l" rtl="0">
-                        <a:spcBef>
-                          <a:spcPts val="0"/>
-                        </a:spcBef>
-                        <a:buSzPct val="25000"/>
-                        <a:buNone/>
-                      </a:pPr>
-                      <a:endParaRPr sz="1300">
-                        <a:latin typeface="Arial" panose="020B0604020202020204" pitchFamily="34" charset="0"/>
-                        <a:cs typeface="Arial" panose="020B0604020202020204" pitchFamily="34" charset="0"/>
-                      </a:endParaRPr>
-                    </a:p>
-                  </a:txBody>
-                  <a:tcPr marL="59396" marR="59396" marT="32668" marB="32668"/>
-                </a:tc>
-                <a:tc>
-                  <a:txBody>
-                    <a:bodyPr/>
-                    <a:lstStyle/>
-                    <a:p>
-                      <a:pPr marL="0" marR="0" lvl="0" indent="0" algn="l" rtl="0">
-                        <a:spcBef>
-                          <a:spcPts val="0"/>
-                        </a:spcBef>
-                        <a:buSzPct val="25000"/>
-                        <a:buNone/>
-                      </a:pPr>
-                      <a:endParaRPr sz="1300" dirty="0">
-                        <a:latin typeface="Arial" panose="020B0604020202020204" pitchFamily="34" charset="0"/>
-                        <a:cs typeface="Arial" panose="020B0604020202020204" pitchFamily="34" charset="0"/>
-                      </a:endParaRPr>
-                    </a:p>
-                  </a:txBody>
-                  <a:tcPr marL="59396" marR="59396" marT="32668" marB="32668"/>
-                </a:tc>
-                <a:extLst>
-                  <a:ext uri="{0D108BD9-81ED-4DB2-BD59-A6C34878D82A}">
-                    <a16:rowId xmlns:a16="http://schemas.microsoft.com/office/drawing/2014/main" val="10011"/>
-                  </a:ext>
-                </a:extLst>
-              </a:tr>
-            </a:tbl>
-          </a:graphicData>
-        </a:graphic>
-      </p:graphicFrame>
     </p:spTree>
     <p:extLst>
       <p:ext uri="{BB962C8B-B14F-4D97-AF65-F5344CB8AC3E}">
-        <p14:creationId xmlns:p14="http://schemas.microsoft.com/office/powerpoint/2010/main" val="1048665390"/>
+        <p14:creationId xmlns:p14="http://schemas.microsoft.com/office/powerpoint/2010/main" val="3632663684"/>
       </p:ext>
     </p:extLst>
   </p:cSld>
@@ -5329,7 +5976,7 @@
           <p:cNvPr id="2" name="Title 1">
             <a:extLst>
               <a:ext uri="{FF2B5EF4-FFF2-40B4-BE49-F238E27FC236}">
-                <a16:creationId xmlns:a16="http://schemas.microsoft.com/office/drawing/2014/main" id="{0F241460-522B-BF40-A902-6E3850185944}"/>
+                <a16:creationId xmlns:a16="http://schemas.microsoft.com/office/drawing/2014/main" id="{812D2B3E-9C2F-4C04-9704-15A59FA3BFD7}"/>
               </a:ext>
             </a:extLst>
           </p:cNvPr>
@@ -5347,50 +5994,73 @@
           <a:p>
             <a:r>
               <a:rPr lang="en-US" dirty="0"/>
-              <a:t>Results (figure)</a:t>
+              <a:t>Results</a:t>
+            </a:r>
+          </a:p>
+        </p:txBody>
+      </p:sp>
+      <p:sp>
+        <p:nvSpPr>
+          <p:cNvPr id="3" name="Content Placeholder 2">
+            <a:extLst>
+              <a:ext uri="{FF2B5EF4-FFF2-40B4-BE49-F238E27FC236}">
+                <a16:creationId xmlns:a16="http://schemas.microsoft.com/office/drawing/2014/main" id="{1B29498D-23FD-41DB-A287-5C03A6933EA5}"/>
+              </a:ext>
+            </a:extLst>
+          </p:cNvPr>
+          <p:cNvSpPr>
+            <a:spLocks noGrp="1"/>
+          </p:cNvSpPr>
+          <p:nvPr>
+            <p:ph idx="1"/>
+          </p:nvPr>
+        </p:nvSpPr>
+        <p:spPr/>
+        <p:txBody>
+          <a:bodyPr/>
+          <a:lstStyle/>
+          <a:p>
+            <a:r>
+              <a:rPr lang="en-US" dirty="0"/>
+              <a:t>No disparities between weekend and weekday</a:t>
             </a:r>
           </a:p>
         </p:txBody>
       </p:sp>
       <p:pic>
         <p:nvPicPr>
-          <p:cNvPr id="6" name="Content Placeholder 5">
-            <a:extLst>
-              <a:ext uri="{FF2B5EF4-FFF2-40B4-BE49-F238E27FC236}">
-                <a16:creationId xmlns:a16="http://schemas.microsoft.com/office/drawing/2014/main" id="{78B83DDD-E8CD-FD4E-9D0F-E5EE6E1F52E1}"/>
+          <p:cNvPr id="4" name="Picture 3">
+            <a:extLst>
+              <a:ext uri="{FF2B5EF4-FFF2-40B4-BE49-F238E27FC236}">
+                <a16:creationId xmlns:a16="http://schemas.microsoft.com/office/drawing/2014/main" id="{23B70A1F-39DA-4584-841A-51AAB8EE28F0}"/>
               </a:ext>
             </a:extLst>
           </p:cNvPr>
           <p:cNvPicPr>
-            <a:picLocks noGrp="1" noChangeAspect="1"/>
+            <a:picLocks noChangeAspect="1"/>
           </p:cNvPicPr>
-          <p:nvPr>
-            <p:ph idx="1"/>
-          </p:nvPr>
+          <p:nvPr/>
         </p:nvPicPr>
         <p:blipFill>
-          <a:blip r:embed="rId2">
-            <a:extLst>
-              <a:ext uri="{28A0092B-C50C-407E-A947-70E740481C1C}">
-                <a14:useLocalDpi xmlns:a14="http://schemas.microsoft.com/office/drawing/2010/main" val="0"/>
-              </a:ext>
-            </a:extLst>
-          </a:blip>
+          <a:blip r:embed="rId2"/>
           <a:stretch>
             <a:fillRect/>
           </a:stretch>
         </p:blipFill>
         <p:spPr>
           <a:xfrm>
-            <a:off x="2490287" y="2409825"/>
-            <a:ext cx="4169269" cy="3802740"/>
+            <a:off x="2671154" y="2265195"/>
+            <a:ext cx="7090261" cy="4373975"/>
           </a:xfrm>
+          <a:prstGeom prst="rect">
+            <a:avLst/>
+          </a:prstGeom>
         </p:spPr>
       </p:pic>
     </p:spTree>
     <p:extLst>
       <p:ext uri="{BB962C8B-B14F-4D97-AF65-F5344CB8AC3E}">
-        <p14:creationId xmlns:p14="http://schemas.microsoft.com/office/powerpoint/2010/main" val="2977178372"/>
+        <p14:creationId xmlns:p14="http://schemas.microsoft.com/office/powerpoint/2010/main" val="3144686926"/>
       </p:ext>
     </p:extLst>
   </p:cSld>
@@ -5422,7 +6092,7 @@
           <p:cNvPr id="2" name="Title 1">
             <a:extLst>
               <a:ext uri="{FF2B5EF4-FFF2-40B4-BE49-F238E27FC236}">
-                <a16:creationId xmlns:a16="http://schemas.microsoft.com/office/drawing/2014/main" id="{2D8CB235-8B8A-3E47-98E0-88C937694F36}"/>
+                <a16:creationId xmlns:a16="http://schemas.microsoft.com/office/drawing/2014/main" id="{57E76B57-D58F-4D61-AD83-AE6436571D34}"/>
               </a:ext>
             </a:extLst>
           </p:cNvPr>
@@ -5440,49 +6110,767 @@
           <a:p>
             <a:r>
               <a:rPr lang="en-US" dirty="0"/>
-              <a:t>Discussion</a:t>
-            </a:r>
-          </a:p>
-        </p:txBody>
-      </p:sp>
-      <p:sp>
-        <p:nvSpPr>
-          <p:cNvPr id="3" name="Content Placeholder 2">
-            <a:extLst>
-              <a:ext uri="{FF2B5EF4-FFF2-40B4-BE49-F238E27FC236}">
-                <a16:creationId xmlns:a16="http://schemas.microsoft.com/office/drawing/2014/main" id="{B5D08146-DEEF-8A4F-9C9E-351FB5BE9E73}"/>
-              </a:ext>
-            </a:extLst>
-          </p:cNvPr>
-          <p:cNvSpPr>
-            <a:spLocks noGrp="1"/>
-          </p:cNvSpPr>
+              <a:t>Correlation studies</a:t>
+            </a:r>
+          </a:p>
+        </p:txBody>
+      </p:sp>
+      <p:graphicFrame>
+        <p:nvGraphicFramePr>
+          <p:cNvPr id="4" name="Content Placeholder 3">
+            <a:extLst>
+              <a:ext uri="{FF2B5EF4-FFF2-40B4-BE49-F238E27FC236}">
+                <a16:creationId xmlns:a16="http://schemas.microsoft.com/office/drawing/2014/main" id="{ACD9CF65-5E3C-4168-9E0F-75F9C8823A03}"/>
+              </a:ext>
+            </a:extLst>
+          </p:cNvPr>
+          <p:cNvGraphicFramePr>
+            <a:graphicFrameLocks noGrp="1"/>
+          </p:cNvGraphicFramePr>
           <p:nvPr>
             <p:ph idx="1"/>
-          </p:nvPr>
-        </p:nvSpPr>
-        <p:spPr/>
-        <p:txBody>
-          <a:bodyPr/>
+            <p:extLst>
+              <p:ext uri="{D42A27DB-BD31-4B8C-83A1-F6EECF244321}">
+                <p14:modId xmlns:p14="http://schemas.microsoft.com/office/powerpoint/2010/main" val="1307947282"/>
+              </p:ext>
+            </p:extLst>
+          </p:nvPr>
+        </p:nvGraphicFramePr>
+        <p:xfrm>
+          <a:off x="212970" y="1690688"/>
+          <a:ext cx="6148755" cy="2105811"/>
+        </p:xfrm>
+        <a:graphic>
+          <a:graphicData uri="http://schemas.openxmlformats.org/drawingml/2006/table">
+            <a:tbl>
+              <a:tblPr firstRow="1" bandRow="1">
+                <a:tableStyleId>{5C22544A-7EE6-4342-B048-85BDC9FD1C3A}</a:tableStyleId>
+              </a:tblPr>
+              <a:tblGrid>
+                <a:gridCol w="2826955">
+                  <a:extLst>
+                    <a:ext uri="{9D8B030D-6E8A-4147-A177-3AD203B41FA5}">
+                      <a16:colId xmlns:a16="http://schemas.microsoft.com/office/drawing/2014/main" val="2277835371"/>
+                    </a:ext>
+                  </a:extLst>
+                </a:gridCol>
+                <a:gridCol w="960575">
+                  <a:extLst>
+                    <a:ext uri="{9D8B030D-6E8A-4147-A177-3AD203B41FA5}">
+                      <a16:colId xmlns:a16="http://schemas.microsoft.com/office/drawing/2014/main" val="1633612544"/>
+                    </a:ext>
+                  </a:extLst>
+                </a:gridCol>
+                <a:gridCol w="1258524">
+                  <a:extLst>
+                    <a:ext uri="{9D8B030D-6E8A-4147-A177-3AD203B41FA5}">
+                      <a16:colId xmlns:a16="http://schemas.microsoft.com/office/drawing/2014/main" val="773102165"/>
+                    </a:ext>
+                  </a:extLst>
+                </a:gridCol>
+                <a:gridCol w="1102701">
+                  <a:extLst>
+                    <a:ext uri="{9D8B030D-6E8A-4147-A177-3AD203B41FA5}">
+                      <a16:colId xmlns:a16="http://schemas.microsoft.com/office/drawing/2014/main" val="1679871448"/>
+                    </a:ext>
+                  </a:extLst>
+                </a:gridCol>
+              </a:tblGrid>
+              <a:tr h="513644">
+                <a:tc>
+                  <a:txBody>
+                    <a:bodyPr/>
+                    <a:lstStyle/>
+                    <a:p>
+                      <a:endParaRPr lang="en-US" sz="1800" dirty="0"/>
+                    </a:p>
+                  </a:txBody>
+                  <a:tcPr/>
+                </a:tc>
+                <a:tc>
+                  <a:txBody>
+                    <a:bodyPr/>
+                    <a:lstStyle/>
+                    <a:p>
+                      <a:pPr algn="ctr"/>
+                      <a:r>
+                        <a:rPr lang="en-US" sz="1800" dirty="0"/>
+                        <a:t>Elective</a:t>
+                      </a:r>
+                    </a:p>
+                  </a:txBody>
+                  <a:tcPr/>
+                </a:tc>
+                <a:tc>
+                  <a:txBody>
+                    <a:bodyPr/>
+                    <a:lstStyle/>
+                    <a:p>
+                      <a:pPr algn="ctr"/>
+                      <a:r>
+                        <a:rPr lang="en-US" sz="1800" dirty="0"/>
+                        <a:t>Emergency</a:t>
+                      </a:r>
+                    </a:p>
+                  </a:txBody>
+                  <a:tcPr/>
+                </a:tc>
+                <a:tc>
+                  <a:txBody>
+                    <a:bodyPr/>
+                    <a:lstStyle/>
+                    <a:p>
+                      <a:pPr algn="ctr"/>
+                      <a:r>
+                        <a:rPr lang="en-US" sz="1800" dirty="0"/>
+                        <a:t>Urgent</a:t>
+                      </a:r>
+                    </a:p>
+                  </a:txBody>
+                  <a:tcPr/>
+                </a:tc>
+                <a:extLst>
+                  <a:ext uri="{0D108BD9-81ED-4DB2-BD59-A6C34878D82A}">
+                    <a16:rowId xmlns:a16="http://schemas.microsoft.com/office/drawing/2014/main" val="3564522025"/>
+                  </a:ext>
+                </a:extLst>
+              </a:tr>
+              <a:tr h="390381">
+                <a:tc>
+                  <a:txBody>
+                    <a:bodyPr/>
+                    <a:lstStyle/>
+                    <a:p>
+                      <a:r>
+                        <a:rPr lang="en-US" sz="1800" dirty="0"/>
+                        <a:t>Number of Caregivers</a:t>
+                      </a:r>
+                    </a:p>
+                  </a:txBody>
+                  <a:tcPr/>
+                </a:tc>
+                <a:tc>
+                  <a:txBody>
+                    <a:bodyPr/>
+                    <a:lstStyle/>
+                    <a:p>
+                      <a:pPr algn="ctr"/>
+                      <a:r>
+                        <a:rPr lang="en-US" sz="1800" dirty="0">
+                          <a:solidFill>
+                            <a:srgbClr val="FF0000"/>
+                          </a:solidFill>
+                        </a:rPr>
+                        <a:t>0.88</a:t>
+                      </a:r>
+                    </a:p>
+                  </a:txBody>
+                  <a:tcPr/>
+                </a:tc>
+                <a:tc>
+                  <a:txBody>
+                    <a:bodyPr/>
+                    <a:lstStyle/>
+                    <a:p>
+                      <a:pPr algn="ctr"/>
+                      <a:r>
+                        <a:rPr lang="en-US" sz="1800" dirty="0"/>
+                        <a:t>0.64</a:t>
+                      </a:r>
+                    </a:p>
+                  </a:txBody>
+                  <a:tcPr/>
+                </a:tc>
+                <a:tc>
+                  <a:txBody>
+                    <a:bodyPr/>
+                    <a:lstStyle/>
+                    <a:p>
+                      <a:pPr algn="ctr"/>
+                      <a:r>
+                        <a:rPr lang="en-US" sz="1800" dirty="0"/>
+                        <a:t>0.55</a:t>
+                      </a:r>
+                    </a:p>
+                  </a:txBody>
+                  <a:tcPr/>
+                </a:tc>
+                <a:extLst>
+                  <a:ext uri="{0D108BD9-81ED-4DB2-BD59-A6C34878D82A}">
+                    <a16:rowId xmlns:a16="http://schemas.microsoft.com/office/drawing/2014/main" val="2562100955"/>
+                  </a:ext>
+                </a:extLst>
+              </a:tr>
+              <a:tr h="405005">
+                <a:tc>
+                  <a:txBody>
+                    <a:bodyPr/>
+                    <a:lstStyle/>
+                    <a:p>
+                      <a:r>
+                        <a:rPr lang="en-US" sz="1800" dirty="0"/>
+                        <a:t>Number of Chart Measures</a:t>
+                      </a:r>
+                    </a:p>
+                  </a:txBody>
+                  <a:tcPr/>
+                </a:tc>
+                <a:tc>
+                  <a:txBody>
+                    <a:bodyPr/>
+                    <a:lstStyle/>
+                    <a:p>
+                      <a:pPr algn="ctr"/>
+                      <a:r>
+                        <a:rPr lang="en-US" sz="1800" dirty="0"/>
+                        <a:t>0.46</a:t>
+                      </a:r>
+                    </a:p>
+                  </a:txBody>
+                  <a:tcPr/>
+                </a:tc>
+                <a:tc>
+                  <a:txBody>
+                    <a:bodyPr/>
+                    <a:lstStyle/>
+                    <a:p>
+                      <a:pPr algn="ctr"/>
+                      <a:r>
+                        <a:rPr lang="en-US" sz="1800" dirty="0"/>
+                        <a:t>0.76</a:t>
+                      </a:r>
+                    </a:p>
+                  </a:txBody>
+                  <a:tcPr/>
+                </a:tc>
+                <a:tc>
+                  <a:txBody>
+                    <a:bodyPr/>
+                    <a:lstStyle/>
+                    <a:p>
+                      <a:pPr algn="ctr"/>
+                      <a:r>
+                        <a:rPr lang="en-US" sz="1800" dirty="0"/>
+                        <a:t>0.40</a:t>
+                      </a:r>
+                    </a:p>
+                  </a:txBody>
+                  <a:tcPr/>
+                </a:tc>
+                <a:extLst>
+                  <a:ext uri="{0D108BD9-81ED-4DB2-BD59-A6C34878D82A}">
+                    <a16:rowId xmlns:a16="http://schemas.microsoft.com/office/drawing/2014/main" val="4209862759"/>
+                  </a:ext>
+                </a:extLst>
+              </a:tr>
+              <a:tr h="406400">
+                <a:tc>
+                  <a:txBody>
+                    <a:bodyPr/>
+                    <a:lstStyle/>
+                    <a:p>
+                      <a:r>
+                        <a:rPr lang="en-US" sz="1800" dirty="0"/>
+                        <a:t>Caregiver Average Efficacy</a:t>
+                      </a:r>
+                    </a:p>
+                  </a:txBody>
+                  <a:tcPr/>
+                </a:tc>
+                <a:tc>
+                  <a:txBody>
+                    <a:bodyPr/>
+                    <a:lstStyle/>
+                    <a:p>
+                      <a:pPr algn="ctr"/>
+                      <a:r>
+                        <a:rPr lang="en-US" sz="1800" dirty="0"/>
+                        <a:t>-0.26</a:t>
+                      </a:r>
+                    </a:p>
+                  </a:txBody>
+                  <a:tcPr/>
+                </a:tc>
+                <a:tc>
+                  <a:txBody>
+                    <a:bodyPr/>
+                    <a:lstStyle/>
+                    <a:p>
+                      <a:pPr algn="ctr"/>
+                      <a:r>
+                        <a:rPr lang="en-US" sz="1800" dirty="0"/>
+                        <a:t>-0.30</a:t>
+                      </a:r>
+                    </a:p>
+                  </a:txBody>
+                  <a:tcPr/>
+                </a:tc>
+                <a:tc>
+                  <a:txBody>
+                    <a:bodyPr/>
+                    <a:lstStyle/>
+                    <a:p>
+                      <a:pPr algn="ctr"/>
+                      <a:r>
+                        <a:rPr lang="en-US" sz="1800" dirty="0"/>
+                        <a:t>0.48</a:t>
+                      </a:r>
+                    </a:p>
+                  </a:txBody>
+                  <a:tcPr/>
+                </a:tc>
+                <a:extLst>
+                  <a:ext uri="{0D108BD9-81ED-4DB2-BD59-A6C34878D82A}">
+                    <a16:rowId xmlns:a16="http://schemas.microsoft.com/office/drawing/2014/main" val="2015587716"/>
+                  </a:ext>
+                </a:extLst>
+              </a:tr>
+              <a:tr h="390381">
+                <a:tc>
+                  <a:txBody>
+                    <a:bodyPr/>
+                    <a:lstStyle/>
+                    <a:p>
+                      <a:r>
+                        <a:rPr lang="en-US" sz="1800" dirty="0"/>
+                        <a:t>Number of Lab Tests</a:t>
+                      </a:r>
+                    </a:p>
+                  </a:txBody>
+                  <a:tcPr/>
+                </a:tc>
+                <a:tc>
+                  <a:txBody>
+                    <a:bodyPr/>
+                    <a:lstStyle/>
+                    <a:p>
+                      <a:pPr algn="ctr"/>
+                      <a:r>
+                        <a:rPr lang="en-US" sz="1800" dirty="0"/>
+                        <a:t>0.30</a:t>
+                      </a:r>
+                    </a:p>
+                  </a:txBody>
+                  <a:tcPr/>
+                </a:tc>
+                <a:tc>
+                  <a:txBody>
+                    <a:bodyPr/>
+                    <a:lstStyle/>
+                    <a:p>
+                      <a:pPr algn="ctr"/>
+                      <a:r>
+                        <a:rPr lang="en-US" sz="1800" dirty="0">
+                          <a:solidFill>
+                            <a:srgbClr val="FF0000"/>
+                          </a:solidFill>
+                        </a:rPr>
+                        <a:t>0.90</a:t>
+                      </a:r>
+                    </a:p>
+                  </a:txBody>
+                  <a:tcPr/>
+                </a:tc>
+                <a:tc>
+                  <a:txBody>
+                    <a:bodyPr/>
+                    <a:lstStyle/>
+                    <a:p>
+                      <a:pPr algn="ctr"/>
+                      <a:r>
+                        <a:rPr lang="en-US" sz="1800" dirty="0"/>
+                        <a:t>0.40</a:t>
+                      </a:r>
+                    </a:p>
+                  </a:txBody>
+                  <a:tcPr/>
+                </a:tc>
+                <a:extLst>
+                  <a:ext uri="{0D108BD9-81ED-4DB2-BD59-A6C34878D82A}">
+                    <a16:rowId xmlns:a16="http://schemas.microsoft.com/office/drawing/2014/main" val="4251422500"/>
+                  </a:ext>
+                </a:extLst>
+              </a:tr>
+            </a:tbl>
+          </a:graphicData>
+        </a:graphic>
+      </p:graphicFrame>
+      <p:pic>
+        <p:nvPicPr>
+          <p:cNvPr id="5" name="Picture 4" descr="A close up of a logo&#10;&#10;Description generated with high confidence">
+            <a:extLst>
+              <a:ext uri="{FF2B5EF4-FFF2-40B4-BE49-F238E27FC236}">
+                <a16:creationId xmlns:a16="http://schemas.microsoft.com/office/drawing/2014/main" id="{6B8021CC-36B8-4981-88A6-5A085B2D678A}"/>
+              </a:ext>
+            </a:extLst>
+          </p:cNvPr>
+          <p:cNvPicPr>
+            <a:picLocks noChangeAspect="1"/>
+          </p:cNvPicPr>
+          <p:nvPr/>
+        </p:nvPicPr>
+        <p:blipFill>
+          <a:blip r:embed="rId2">
+            <a:extLst>
+              <a:ext uri="{28A0092B-C50C-407E-A947-70E740481C1C}">
+                <a14:useLocalDpi xmlns:a14="http://schemas.microsoft.com/office/drawing/2010/main" val="0"/>
+              </a:ext>
+            </a:extLst>
+          </a:blip>
+          <a:stretch>
+            <a:fillRect/>
+          </a:stretch>
+        </p:blipFill>
+        <p:spPr>
+          <a:xfrm>
+            <a:off x="6712195" y="58439"/>
+            <a:ext cx="5349921" cy="3020823"/>
+          </a:xfrm>
+          <a:prstGeom prst="rect">
+            <a:avLst/>
+          </a:prstGeom>
+        </p:spPr>
+      </p:pic>
+      <p:pic>
+        <p:nvPicPr>
+          <p:cNvPr id="7" name="Picture 6" descr="A picture containing text&#10;&#10;Description generated with very high confidence">
+            <a:extLst>
+              <a:ext uri="{FF2B5EF4-FFF2-40B4-BE49-F238E27FC236}">
+                <a16:creationId xmlns:a16="http://schemas.microsoft.com/office/drawing/2014/main" id="{7D8DDFD4-FFB3-46F0-B211-441CED7E4422}"/>
+              </a:ext>
+            </a:extLst>
+          </p:cNvPr>
+          <p:cNvPicPr>
+            <a:picLocks noChangeAspect="1"/>
+          </p:cNvPicPr>
+          <p:nvPr/>
+        </p:nvPicPr>
+        <p:blipFill>
+          <a:blip r:embed="rId3">
+            <a:extLst>
+              <a:ext uri="{28A0092B-C50C-407E-A947-70E740481C1C}">
+                <a14:useLocalDpi xmlns:a14="http://schemas.microsoft.com/office/drawing/2010/main" val="0"/>
+              </a:ext>
+            </a:extLst>
+          </a:blip>
+          <a:stretch>
+            <a:fillRect/>
+          </a:stretch>
+        </p:blipFill>
+        <p:spPr>
+          <a:xfrm>
+            <a:off x="6712196" y="3569677"/>
+            <a:ext cx="5393065" cy="3099919"/>
+          </a:xfrm>
+          <a:prstGeom prst="rect">
+            <a:avLst/>
+          </a:prstGeom>
+        </p:spPr>
+      </p:pic>
+      <p:pic>
+        <p:nvPicPr>
+          <p:cNvPr id="9" name="Picture 8">
+            <a:extLst>
+              <a:ext uri="{FF2B5EF4-FFF2-40B4-BE49-F238E27FC236}">
+                <a16:creationId xmlns:a16="http://schemas.microsoft.com/office/drawing/2014/main" id="{36C4A550-460C-475C-9966-870C283D248C}"/>
+              </a:ext>
+            </a:extLst>
+          </p:cNvPr>
+          <p:cNvPicPr>
+            <a:picLocks noChangeAspect="1"/>
+          </p:cNvPicPr>
+          <p:nvPr/>
+        </p:nvPicPr>
+        <p:blipFill>
+          <a:blip r:embed="rId4">
+            <a:extLst>
+              <a:ext uri="{28A0092B-C50C-407E-A947-70E740481C1C}">
+                <a14:useLocalDpi xmlns:a14="http://schemas.microsoft.com/office/drawing/2010/main" val="0"/>
+              </a:ext>
+            </a:extLst>
+          </a:blip>
+          <a:stretch>
+            <a:fillRect/>
+          </a:stretch>
+        </p:blipFill>
+        <p:spPr>
+          <a:xfrm>
+            <a:off x="838200" y="4089900"/>
+            <a:ext cx="4815784" cy="2768100"/>
+          </a:xfrm>
+          <a:prstGeom prst="rect">
+            <a:avLst/>
+          </a:prstGeom>
+        </p:spPr>
+      </p:pic>
+      <p:sp>
+        <p:nvSpPr>
+          <p:cNvPr id="10" name="Rectangle 9">
+            <a:extLst>
+              <a:ext uri="{FF2B5EF4-FFF2-40B4-BE49-F238E27FC236}">
+                <a16:creationId xmlns:a16="http://schemas.microsoft.com/office/drawing/2014/main" id="{803623D2-BA6D-4982-B9AE-D07AE2D93A74}"/>
+              </a:ext>
+            </a:extLst>
+          </p:cNvPr>
+          <p:cNvSpPr/>
+          <p:nvPr/>
+        </p:nvSpPr>
+        <p:spPr>
+          <a:xfrm rot="16200000">
+            <a:off x="5537254" y="4791777"/>
+            <a:ext cx="2227276" cy="369332"/>
+          </a:xfrm>
+          <a:prstGeom prst="rect">
+            <a:avLst/>
+          </a:prstGeom>
+        </p:spPr>
+        <p:txBody>
+          <a:bodyPr wrap="none">
+            <a:spAutoFit/>
+          </a:bodyPr>
           <a:lstStyle/>
           <a:p>
             <a:r>
               <a:rPr lang="en-US" dirty="0"/>
-              <a:t>Promising results?</a:t>
-            </a:r>
-          </a:p>
+              <a:t>Number of Caregivers</a:t>
+            </a:r>
+          </a:p>
+        </p:txBody>
+      </p:sp>
+      <p:sp>
+        <p:nvSpPr>
+          <p:cNvPr id="11" name="Rectangle 10">
+            <a:extLst>
+              <a:ext uri="{FF2B5EF4-FFF2-40B4-BE49-F238E27FC236}">
+                <a16:creationId xmlns:a16="http://schemas.microsoft.com/office/drawing/2014/main" id="{D958E36D-1DF2-49F9-A3C1-50578342F549}"/>
+              </a:ext>
+            </a:extLst>
+          </p:cNvPr>
+          <p:cNvSpPr/>
+          <p:nvPr/>
+        </p:nvSpPr>
+        <p:spPr>
+          <a:xfrm rot="16200000">
+            <a:off x="5615409" y="1243599"/>
+            <a:ext cx="2086597" cy="369332"/>
+          </a:xfrm>
+          <a:prstGeom prst="rect">
+            <a:avLst/>
+          </a:prstGeom>
+        </p:spPr>
+        <p:txBody>
+          <a:bodyPr wrap="none">
+            <a:spAutoFit/>
+          </a:bodyPr>
+          <a:lstStyle/>
           <a:p>
             <a:r>
               <a:rPr lang="en-US" dirty="0"/>
-              <a:t>Limitations?</a:t>
-            </a:r>
+              <a:t>in-hospital mortality</a:t>
+            </a:r>
+          </a:p>
+        </p:txBody>
+      </p:sp>
+      <p:sp>
+        <p:nvSpPr>
+          <p:cNvPr id="12" name="Rectangle 11">
+            <a:extLst>
+              <a:ext uri="{FF2B5EF4-FFF2-40B4-BE49-F238E27FC236}">
+                <a16:creationId xmlns:a16="http://schemas.microsoft.com/office/drawing/2014/main" id="{746DDAC9-379A-4845-A6BF-2E0A9E5CD93B}"/>
+              </a:ext>
+            </a:extLst>
+          </p:cNvPr>
+          <p:cNvSpPr/>
+          <p:nvPr/>
+        </p:nvSpPr>
+        <p:spPr>
+          <a:xfrm rot="16200000">
+            <a:off x="-346430" y="5166915"/>
+            <a:ext cx="2099614" cy="369332"/>
+          </a:xfrm>
+          <a:prstGeom prst="rect">
+            <a:avLst/>
+          </a:prstGeom>
+        </p:spPr>
+        <p:txBody>
+          <a:bodyPr wrap="none">
+            <a:spAutoFit/>
+          </a:bodyPr>
+          <a:lstStyle/>
+          <a:p>
+            <a:r>
+              <a:rPr lang="en-US" dirty="0"/>
+              <a:t>Number of Lab Tests</a:t>
+            </a:r>
+          </a:p>
+        </p:txBody>
+      </p:sp>
+      <p:sp>
+        <p:nvSpPr>
+          <p:cNvPr id="14" name="Rectangle 13">
+            <a:extLst>
+              <a:ext uri="{FF2B5EF4-FFF2-40B4-BE49-F238E27FC236}">
+                <a16:creationId xmlns:a16="http://schemas.microsoft.com/office/drawing/2014/main" id="{F2E5A76F-F60D-420F-9952-C154F974772F}"/>
+              </a:ext>
+            </a:extLst>
+          </p:cNvPr>
+          <p:cNvSpPr/>
+          <p:nvPr/>
+        </p:nvSpPr>
+        <p:spPr>
+          <a:xfrm>
+            <a:off x="10330248" y="58439"/>
+            <a:ext cx="947351" cy="3229884"/>
+          </a:xfrm>
+          <a:prstGeom prst="rect">
+            <a:avLst/>
+          </a:prstGeom>
+          <a:solidFill>
+            <a:schemeClr val="accent1">
+              <a:alpha val="20000"/>
+            </a:schemeClr>
+          </a:solidFill>
+          <a:ln>
+            <a:noFill/>
+          </a:ln>
+        </p:spPr>
+        <p:style>
+          <a:lnRef idx="2">
+            <a:schemeClr val="accent1">
+              <a:shade val="50000"/>
+            </a:schemeClr>
+          </a:lnRef>
+          <a:fillRef idx="1">
+            <a:schemeClr val="accent1"/>
+          </a:fillRef>
+          <a:effectRef idx="0">
+            <a:schemeClr val="accent1"/>
+          </a:effectRef>
+          <a:fontRef idx="minor">
+            <a:schemeClr val="lt1"/>
+          </a:fontRef>
+        </p:style>
+        <p:txBody>
+          <a:bodyPr rtlCol="0" anchor="ctr"/>
+          <a:lstStyle/>
+          <a:p>
+            <a:pPr algn="ctr"/>
+            <a:endParaRPr lang="en-US"/>
+          </a:p>
+        </p:txBody>
+      </p:sp>
+      <p:sp>
+        <p:nvSpPr>
+          <p:cNvPr id="15" name="Rectangle 14">
+            <a:extLst>
+              <a:ext uri="{FF2B5EF4-FFF2-40B4-BE49-F238E27FC236}">
+                <a16:creationId xmlns:a16="http://schemas.microsoft.com/office/drawing/2014/main" id="{B9DF43BF-2CEE-4461-A0D4-209A016F0FD0}"/>
+              </a:ext>
+            </a:extLst>
+          </p:cNvPr>
+          <p:cNvSpPr/>
+          <p:nvPr/>
+        </p:nvSpPr>
+        <p:spPr>
+          <a:xfrm>
+            <a:off x="10330247" y="3385948"/>
+            <a:ext cx="947351" cy="3229884"/>
+          </a:xfrm>
+          <a:prstGeom prst="rect">
+            <a:avLst/>
+          </a:prstGeom>
+          <a:solidFill>
+            <a:schemeClr val="accent1">
+              <a:alpha val="20000"/>
+            </a:schemeClr>
+          </a:solidFill>
+          <a:ln>
+            <a:noFill/>
+          </a:ln>
+        </p:spPr>
+        <p:style>
+          <a:lnRef idx="2">
+            <a:schemeClr val="accent1">
+              <a:shade val="50000"/>
+            </a:schemeClr>
+          </a:lnRef>
+          <a:fillRef idx="1">
+            <a:schemeClr val="accent1"/>
+          </a:fillRef>
+          <a:effectRef idx="0">
+            <a:schemeClr val="accent1"/>
+          </a:effectRef>
+          <a:fontRef idx="minor">
+            <a:schemeClr val="lt1"/>
+          </a:fontRef>
+        </p:style>
+        <p:txBody>
+          <a:bodyPr rtlCol="0" anchor="ctr"/>
+          <a:lstStyle/>
+          <a:p>
+            <a:pPr algn="ctr"/>
+            <a:endParaRPr lang="en-US"/>
+          </a:p>
+        </p:txBody>
+      </p:sp>
+      <p:sp>
+        <p:nvSpPr>
+          <p:cNvPr id="16" name="Rectangle 15">
+            <a:extLst>
+              <a:ext uri="{FF2B5EF4-FFF2-40B4-BE49-F238E27FC236}">
+                <a16:creationId xmlns:a16="http://schemas.microsoft.com/office/drawing/2014/main" id="{AA918CFA-B70A-49E3-AA63-0CA20BACAFAB}"/>
+              </a:ext>
+            </a:extLst>
+          </p:cNvPr>
+          <p:cNvSpPr/>
+          <p:nvPr/>
+        </p:nvSpPr>
+        <p:spPr>
+          <a:xfrm>
+            <a:off x="4032418" y="4019878"/>
+            <a:ext cx="992663" cy="2768100"/>
+          </a:xfrm>
+          <a:prstGeom prst="rect">
+            <a:avLst/>
+          </a:prstGeom>
+          <a:solidFill>
+            <a:schemeClr val="accent1">
+              <a:alpha val="20000"/>
+            </a:schemeClr>
+          </a:solidFill>
+          <a:ln>
+            <a:noFill/>
+          </a:ln>
+        </p:spPr>
+        <p:style>
+          <a:lnRef idx="2">
+            <a:schemeClr val="accent1">
+              <a:shade val="50000"/>
+            </a:schemeClr>
+          </a:lnRef>
+          <a:fillRef idx="1">
+            <a:schemeClr val="accent1"/>
+          </a:fillRef>
+          <a:effectRef idx="0">
+            <a:schemeClr val="accent1"/>
+          </a:effectRef>
+          <a:fontRef idx="minor">
+            <a:schemeClr val="lt1"/>
+          </a:fontRef>
+        </p:style>
+        <p:txBody>
+          <a:bodyPr rtlCol="0" anchor="ctr"/>
+          <a:lstStyle/>
+          <a:p>
+            <a:pPr algn="ctr"/>
+            <a:endParaRPr lang="en-US"/>
           </a:p>
         </p:txBody>
       </p:sp>
     </p:spTree>
     <p:extLst>
       <p:ext uri="{BB962C8B-B14F-4D97-AF65-F5344CB8AC3E}">
-        <p14:creationId xmlns:p14="http://schemas.microsoft.com/office/powerpoint/2010/main" val="2142224404"/>
+        <p14:creationId xmlns:p14="http://schemas.microsoft.com/office/powerpoint/2010/main" val="1883270977"/>
       </p:ext>
     </p:extLst>
   </p:cSld>
@@ -5514,7 +6902,7 @@
           <p:cNvPr id="2" name="Title 1">
             <a:extLst>
               <a:ext uri="{FF2B5EF4-FFF2-40B4-BE49-F238E27FC236}">
-                <a16:creationId xmlns:a16="http://schemas.microsoft.com/office/drawing/2014/main" id="{21138A8A-8816-FC42-8476-1D18F83189A9}"/>
+                <a16:creationId xmlns:a16="http://schemas.microsoft.com/office/drawing/2014/main" id="{A3F7B899-D8F2-4F33-B441-BDB4AE8C543F}"/>
               </a:ext>
             </a:extLst>
           </p:cNvPr>
@@ -5532,7 +6920,7 @@
           <a:p>
             <a:r>
               <a:rPr lang="en-US" dirty="0"/>
-              <a:t>Future aims</a:t>
+              <a:t>Logistic regression model</a:t>
             </a:r>
           </a:p>
         </p:txBody>
@@ -5542,7 +6930,7 @@
           <p:cNvPr id="3" name="Content Placeholder 2">
             <a:extLst>
               <a:ext uri="{FF2B5EF4-FFF2-40B4-BE49-F238E27FC236}">
-                <a16:creationId xmlns:a16="http://schemas.microsoft.com/office/drawing/2014/main" id="{6EC67D5D-5D2F-074D-880F-8E47FAAFFEA5}"/>
+                <a16:creationId xmlns:a16="http://schemas.microsoft.com/office/drawing/2014/main" id="{031768C4-D61A-4A30-A945-3804979307BC}"/>
               </a:ext>
             </a:extLst>
           </p:cNvPr>
@@ -5560,29 +6948,75 @@
           <a:p>
             <a:r>
               <a:rPr lang="en-US" dirty="0"/>
-              <a:t>Plan to:</a:t>
-            </a:r>
-          </a:p>
-          <a:p>
-            <a:pPr lvl="1"/>
-            <a:r>
-              <a:rPr lang="en-US" dirty="0"/>
-              <a:t>Adjust for A, B, C.</a:t>
-            </a:r>
-          </a:p>
-          <a:p>
-            <a:pPr lvl="1"/>
-            <a:r>
-              <a:rPr lang="en-US" dirty="0"/>
-              <a:t>Try in subgroup D and E.</a:t>
-            </a:r>
-          </a:p>
-        </p:txBody>
-      </p:sp>
+              <a:t>Elective admission group demonstrated significant weekend effect.</a:t>
+            </a:r>
+          </a:p>
+        </p:txBody>
+      </p:sp>
+      <p:pic>
+        <p:nvPicPr>
+          <p:cNvPr id="4" name="Picture 3">
+            <a:extLst>
+              <a:ext uri="{FF2B5EF4-FFF2-40B4-BE49-F238E27FC236}">
+                <a16:creationId xmlns:a16="http://schemas.microsoft.com/office/drawing/2014/main" id="{3D5E85B7-F00C-467B-885F-1F9453583E71}"/>
+              </a:ext>
+            </a:extLst>
+          </p:cNvPr>
+          <p:cNvPicPr>
+            <a:picLocks noChangeAspect="1"/>
+          </p:cNvPicPr>
+          <p:nvPr/>
+        </p:nvPicPr>
+        <p:blipFill>
+          <a:blip r:embed="rId2"/>
+          <a:stretch>
+            <a:fillRect/>
+          </a:stretch>
+        </p:blipFill>
+        <p:spPr>
+          <a:xfrm>
+            <a:off x="5961290" y="2513920"/>
+            <a:ext cx="5189764" cy="3221010"/>
+          </a:xfrm>
+          <a:prstGeom prst="rect">
+            <a:avLst/>
+          </a:prstGeom>
+        </p:spPr>
+      </p:pic>
+      <p:pic>
+        <p:nvPicPr>
+          <p:cNvPr id="6" name="Picture 5">
+            <a:extLst>
+              <a:ext uri="{FF2B5EF4-FFF2-40B4-BE49-F238E27FC236}">
+                <a16:creationId xmlns:a16="http://schemas.microsoft.com/office/drawing/2014/main" id="{7AEF5AB8-2F68-42DC-9402-0609F713D29C}"/>
+              </a:ext>
+            </a:extLst>
+          </p:cNvPr>
+          <p:cNvPicPr>
+            <a:picLocks noChangeAspect="1"/>
+          </p:cNvPicPr>
+          <p:nvPr/>
+        </p:nvPicPr>
+        <p:blipFill>
+          <a:blip r:embed="rId3"/>
+          <a:stretch>
+            <a:fillRect/>
+          </a:stretch>
+        </p:blipFill>
+        <p:spPr>
+          <a:xfrm>
+            <a:off x="1040946" y="3429000"/>
+            <a:ext cx="4906551" cy="1674458"/>
+          </a:xfrm>
+          <a:prstGeom prst="rect">
+            <a:avLst/>
+          </a:prstGeom>
+        </p:spPr>
+      </p:pic>
     </p:spTree>
     <p:extLst>
       <p:ext uri="{BB962C8B-B14F-4D97-AF65-F5344CB8AC3E}">
-        <p14:creationId xmlns:p14="http://schemas.microsoft.com/office/powerpoint/2010/main" val="3556437075"/>
+        <p14:creationId xmlns:p14="http://schemas.microsoft.com/office/powerpoint/2010/main" val="1822881590"/>
       </p:ext>
     </p:extLst>
   </p:cSld>
@@ -5593,58 +7027,108 @@
 </file>
 
 <file path=ppt/theme/theme1.xml><?xml version="1.0" encoding="utf-8"?>
-<a:theme xmlns:a="http://schemas.openxmlformats.org/drawingml/2006/main" name="Parcel">
+<a:theme xmlns:a="http://schemas.openxmlformats.org/drawingml/2006/main" name="Office Theme">
   <a:themeElements>
-    <a:clrScheme name="Parcel">
+    <a:clrScheme name="Office">
       <a:dk1>
-        <a:srgbClr val="000000"/>
+        <a:sysClr val="windowText" lastClr="000000"/>
       </a:dk1>
       <a:lt1>
-        <a:srgbClr val="FFFFFF"/>
+        <a:sysClr val="window" lastClr="FFFFFF"/>
       </a:lt1>
       <a:dk2>
-        <a:srgbClr val="4A5356"/>
+        <a:srgbClr val="44546A"/>
       </a:dk2>
       <a:lt2>
-        <a:srgbClr val="E8E3CE"/>
+        <a:srgbClr val="E7E6E6"/>
       </a:lt2>
       <a:accent1>
-        <a:srgbClr val="F6A21D"/>
+        <a:srgbClr val="4472C4"/>
       </a:accent1>
       <a:accent2>
-        <a:srgbClr val="9BAFB5"/>
+        <a:srgbClr val="ED7D31"/>
       </a:accent2>
       <a:accent3>
-        <a:srgbClr val="C96731"/>
+        <a:srgbClr val="A5A5A5"/>
       </a:accent3>
       <a:accent4>
-        <a:srgbClr val="9CA383"/>
+        <a:srgbClr val="FFC000"/>
       </a:accent4>
       <a:accent5>
-        <a:srgbClr val="87795D"/>
+        <a:srgbClr val="5B9BD5"/>
       </a:accent5>
       <a:accent6>
-        <a:srgbClr val="A0988C"/>
+        <a:srgbClr val="70AD47"/>
       </a:accent6>
       <a:hlink>
-        <a:srgbClr val="00B0F0"/>
+        <a:srgbClr val="0563C1"/>
       </a:hlink>
       <a:folHlink>
-        <a:srgbClr val="738F97"/>
+        <a:srgbClr val="954F72"/>
       </a:folHlink>
     </a:clrScheme>
-    <a:fontScheme name="Parcel">
+    <a:fontScheme name="Office">
       <a:majorFont>
-        <a:latin typeface="Gill Sans MT" panose="020B0502020104020203"/>
+        <a:latin typeface="Calibri Light" panose="020F0302020204030204"/>
         <a:ea typeface=""/>
         <a:cs typeface=""/>
-        <a:font script="Grek" typeface="Corbel"/>
-        <a:font script="Cyrl" typeface="Corbel"/>
-        <a:font script="Jpan" typeface="HGｺﾞｼｯｸE"/>
-        <a:font script="Hang" typeface="휴먼매직체"/>
-        <a:font script="Hans" typeface="华文中宋"/>
-        <a:font script="Hant" typeface="微軟正黑體"/>
-        <a:font script="Arab" typeface="Majalla UI"/>
+        <a:font script="Jpan" typeface="游ゴシック Light"/>
+        <a:font script="Hang" typeface="맑은 고딕"/>
+        <a:font script="Hans" typeface="等线 Light"/>
+        <a:font script="Hant" typeface="新細明體"/>
+        <a:font script="Arab" typeface="Times New Roman"/>
+        <a:font script="Hebr" typeface="Times New Roman"/>
+        <a:font script="Thai" typeface="Angsana New"/>
+        <a:font script="Ethi" typeface="Nyala"/>
+        <a:font script="Beng" typeface="Vrinda"/>
+        <a:font script="Gujr" typeface="Shruti"/>
+        <a:font script="Khmr" typeface="MoolBoran"/>
+        <a:font script="Knda" typeface="Tunga"/>
+        <a:font script="Guru" typeface="Raavi"/>
+        <a:font script="Cans" typeface="Euphemia"/>
+        <a:font script="Cher" typeface="Plantagenet Cherokee"/>
+        <a:font script="Yiii" typeface="Microsoft Yi Baiti"/>
+        <a:font script="Tibt" typeface="Microsoft Himalaya"/>
+        <a:font script="Thaa" typeface="MV Boli"/>
+        <a:font script="Deva" typeface="Mangal"/>
+        <a:font script="Telu" typeface="Gautami"/>
+        <a:font script="Taml" typeface="Latha"/>
+        <a:font script="Syrc" typeface="Estrangelo Edessa"/>
+        <a:font script="Orya" typeface="Kalinga"/>
+        <a:font script="Mlym" typeface="Kartika"/>
+        <a:font script="Laoo" typeface="DokChampa"/>
+        <a:font script="Sinh" typeface="Iskoola Pota"/>
+        <a:font script="Mong" typeface="Mongolian Baiti"/>
+        <a:font script="Viet" typeface="Times New Roman"/>
+        <a:font script="Uigh" typeface="Microsoft Uighur"/>
+        <a:font script="Geor" typeface="Sylfaen"/>
+        <a:font script="Armn" typeface="Arial"/>
+        <a:font script="Bugi" typeface="Leelawadee UI"/>
+        <a:font script="Bopo" typeface="Microsoft JhengHei"/>
+        <a:font script="Java" typeface="Javanese Text"/>
+        <a:font script="Lisu" typeface="Segoe UI"/>
+        <a:font script="Mymr" typeface="Myanmar Text"/>
+        <a:font script="Nkoo" typeface="Ebrima"/>
+        <a:font script="Olck" typeface="Nirmala UI"/>
+        <a:font script="Osma" typeface="Ebrima"/>
+        <a:font script="Phag" typeface="Phagspa"/>
+        <a:font script="Syrn" typeface="Estrangelo Edessa"/>
+        <a:font script="Syrj" typeface="Estrangelo Edessa"/>
+        <a:font script="Syre" typeface="Estrangelo Edessa"/>
+        <a:font script="Sora" typeface="Nirmala UI"/>
+        <a:font script="Tale" typeface="Microsoft Tai Le"/>
+        <a:font script="Talu" typeface="Microsoft New Tai Lue"/>
+        <a:font script="Tfng" typeface="Ebrima"/>
+      </a:majorFont>
+      <a:minorFont>
+        <a:latin typeface="Calibri" panose="020F0502020204030204"/>
+        <a:ea typeface=""/>
+        <a:cs typeface=""/>
+        <a:font script="Jpan" typeface="游ゴシック"/>
+        <a:font script="Hang" typeface="맑은 고딕"/>
+        <a:font script="Hans" typeface="等线"/>
+        <a:font script="Hant" typeface="新細明體"/>
+        <a:font script="Arab" typeface="Arial"/>
         <a:font script="Hebr" typeface="Arial"/>
         <a:font script="Thai" typeface="Cordia New"/>
         <a:font script="Ethi" typeface="Nyala"/>
@@ -5667,21 +7151,279 @@
         <a:font script="Laoo" typeface="DokChampa"/>
         <a:font script="Sinh" typeface="Iskoola Pota"/>
         <a:font script="Mong" typeface="Mongolian Baiti"/>
-        <a:font script="Viet" typeface="Tahoma"/>
+        <a:font script="Viet" typeface="Arial"/>
         <a:font script="Uigh" typeface="Microsoft Uighur"/>
         <a:font script="Geor" typeface="Sylfaen"/>
+        <a:font script="Armn" typeface="Arial"/>
+        <a:font script="Bugi" typeface="Leelawadee UI"/>
+        <a:font script="Bopo" typeface="Microsoft JhengHei"/>
+        <a:font script="Java" typeface="Javanese Text"/>
+        <a:font script="Lisu" typeface="Segoe UI"/>
+        <a:font script="Mymr" typeface="Myanmar Text"/>
+        <a:font script="Nkoo" typeface="Ebrima"/>
+        <a:font script="Olck" typeface="Nirmala UI"/>
+        <a:font script="Osma" typeface="Ebrima"/>
+        <a:font script="Phag" typeface="Phagspa"/>
+        <a:font script="Syrn" typeface="Estrangelo Edessa"/>
+        <a:font script="Syrj" typeface="Estrangelo Edessa"/>
+        <a:font script="Syre" typeface="Estrangelo Edessa"/>
+        <a:font script="Sora" typeface="Nirmala UI"/>
+        <a:font script="Tale" typeface="Microsoft Tai Le"/>
+        <a:font script="Talu" typeface="Microsoft New Tai Lue"/>
+        <a:font script="Tfng" typeface="Ebrima"/>
+      </a:minorFont>
+    </a:fontScheme>
+    <a:fmtScheme name="Office">
+      <a:fillStyleLst>
+        <a:solidFill>
+          <a:schemeClr val="phClr"/>
+        </a:solidFill>
+        <a:gradFill rotWithShape="1">
+          <a:gsLst>
+            <a:gs pos="0">
+              <a:schemeClr val="phClr">
+                <a:lumMod val="110000"/>
+                <a:satMod val="105000"/>
+                <a:tint val="67000"/>
+              </a:schemeClr>
+            </a:gs>
+            <a:gs pos="50000">
+              <a:schemeClr val="phClr">
+                <a:lumMod val="105000"/>
+                <a:satMod val="103000"/>
+                <a:tint val="73000"/>
+              </a:schemeClr>
+            </a:gs>
+            <a:gs pos="100000">
+              <a:schemeClr val="phClr">
+                <a:lumMod val="105000"/>
+                <a:satMod val="109000"/>
+                <a:tint val="81000"/>
+              </a:schemeClr>
+            </a:gs>
+          </a:gsLst>
+          <a:lin ang="5400000" scaled="0"/>
+        </a:gradFill>
+        <a:gradFill rotWithShape="1">
+          <a:gsLst>
+            <a:gs pos="0">
+              <a:schemeClr val="phClr">
+                <a:satMod val="103000"/>
+                <a:lumMod val="102000"/>
+                <a:tint val="94000"/>
+              </a:schemeClr>
+            </a:gs>
+            <a:gs pos="50000">
+              <a:schemeClr val="phClr">
+                <a:satMod val="110000"/>
+                <a:lumMod val="100000"/>
+                <a:shade val="100000"/>
+              </a:schemeClr>
+            </a:gs>
+            <a:gs pos="100000">
+              <a:schemeClr val="phClr">
+                <a:lumMod val="99000"/>
+                <a:satMod val="120000"/>
+                <a:shade val="78000"/>
+              </a:schemeClr>
+            </a:gs>
+          </a:gsLst>
+          <a:lin ang="5400000" scaled="0"/>
+        </a:gradFill>
+      </a:fillStyleLst>
+      <a:lnStyleLst>
+        <a:ln w="6350" cap="flat" cmpd="sng" algn="ctr">
+          <a:solidFill>
+            <a:schemeClr val="phClr"/>
+          </a:solidFill>
+          <a:prstDash val="solid"/>
+          <a:miter lim="800000"/>
+        </a:ln>
+        <a:ln w="12700" cap="flat" cmpd="sng" algn="ctr">
+          <a:solidFill>
+            <a:schemeClr val="phClr"/>
+          </a:solidFill>
+          <a:prstDash val="solid"/>
+          <a:miter lim="800000"/>
+        </a:ln>
+        <a:ln w="19050" cap="flat" cmpd="sng" algn="ctr">
+          <a:solidFill>
+            <a:schemeClr val="phClr"/>
+          </a:solidFill>
+          <a:prstDash val="solid"/>
+          <a:miter lim="800000"/>
+        </a:ln>
+      </a:lnStyleLst>
+      <a:effectStyleLst>
+        <a:effectStyle>
+          <a:effectLst/>
+        </a:effectStyle>
+        <a:effectStyle>
+          <a:effectLst/>
+        </a:effectStyle>
+        <a:effectStyle>
+          <a:effectLst>
+            <a:outerShdw blurRad="57150" dist="19050" dir="5400000" algn="ctr" rotWithShape="0">
+              <a:srgbClr val="000000">
+                <a:alpha val="63000"/>
+              </a:srgbClr>
+            </a:outerShdw>
+          </a:effectLst>
+        </a:effectStyle>
+      </a:effectStyleLst>
+      <a:bgFillStyleLst>
+        <a:solidFill>
+          <a:schemeClr val="phClr"/>
+        </a:solidFill>
+        <a:solidFill>
+          <a:schemeClr val="phClr">
+            <a:tint val="95000"/>
+            <a:satMod val="170000"/>
+          </a:schemeClr>
+        </a:solidFill>
+        <a:gradFill rotWithShape="1">
+          <a:gsLst>
+            <a:gs pos="0">
+              <a:schemeClr val="phClr">
+                <a:tint val="93000"/>
+                <a:satMod val="150000"/>
+                <a:shade val="98000"/>
+                <a:lumMod val="102000"/>
+              </a:schemeClr>
+            </a:gs>
+            <a:gs pos="50000">
+              <a:schemeClr val="phClr">
+                <a:tint val="98000"/>
+                <a:satMod val="130000"/>
+                <a:shade val="90000"/>
+                <a:lumMod val="103000"/>
+              </a:schemeClr>
+            </a:gs>
+            <a:gs pos="100000">
+              <a:schemeClr val="phClr">
+                <a:shade val="63000"/>
+                <a:satMod val="120000"/>
+              </a:schemeClr>
+            </a:gs>
+          </a:gsLst>
+          <a:lin ang="5400000" scaled="0"/>
+        </a:gradFill>
+      </a:bgFillStyleLst>
+    </a:fmtScheme>
+  </a:themeElements>
+  <a:objectDefaults/>
+  <a:extraClrSchemeLst/>
+  <a:extLst>
+    <a:ext uri="{05A4C25C-085E-4340-85A3-A5531E510DB2}">
+      <thm15:themeFamily xmlns:thm15="http://schemas.microsoft.com/office/thememl/2012/main" name="Office Theme" id="{62F939B6-93AF-4DB8-9C6B-D6C7DFDC589F}" vid="{4A3C46E8-61CC-4603-A589-7422A47A8E4A}"/>
+    </a:ext>
+  </a:extLst>
+</a:theme>
+</file>
+
+<file path=ppt/theme/theme2.xml><?xml version="1.0" encoding="utf-8"?>
+<a:theme xmlns:a="http://schemas.openxmlformats.org/drawingml/2006/main" name="Office Theme">
+  <a:themeElements>
+    <a:clrScheme name="Office">
+      <a:dk1>
+        <a:sysClr val="windowText" lastClr="000000"/>
+      </a:dk1>
+      <a:lt1>
+        <a:sysClr val="window" lastClr="FFFFFF"/>
+      </a:lt1>
+      <a:dk2>
+        <a:srgbClr val="44546A"/>
+      </a:dk2>
+      <a:lt2>
+        <a:srgbClr val="E7E6E6"/>
+      </a:lt2>
+      <a:accent1>
+        <a:srgbClr val="4472C4"/>
+      </a:accent1>
+      <a:accent2>
+        <a:srgbClr val="ED7D31"/>
+      </a:accent2>
+      <a:accent3>
+        <a:srgbClr val="A5A5A5"/>
+      </a:accent3>
+      <a:accent4>
+        <a:srgbClr val="FFC000"/>
+      </a:accent4>
+      <a:accent5>
+        <a:srgbClr val="5B9BD5"/>
+      </a:accent5>
+      <a:accent6>
+        <a:srgbClr val="70AD47"/>
+      </a:accent6>
+      <a:hlink>
+        <a:srgbClr val="0563C1"/>
+      </a:hlink>
+      <a:folHlink>
+        <a:srgbClr val="954F72"/>
+      </a:folHlink>
+    </a:clrScheme>
+    <a:fontScheme name="Office">
+      <a:majorFont>
+        <a:latin typeface="Calibri Light" panose="020F0302020204030204"/>
+        <a:ea typeface=""/>
+        <a:cs typeface=""/>
+        <a:font script="Jpan" typeface="游ゴシック Light"/>
+        <a:font script="Hang" typeface="맑은 고딕"/>
+        <a:font script="Hans" typeface="等线 Light"/>
+        <a:font script="Hant" typeface="新細明體"/>
+        <a:font script="Arab" typeface="Times New Roman"/>
+        <a:font script="Hebr" typeface="Times New Roman"/>
+        <a:font script="Thai" typeface="Angsana New"/>
+        <a:font script="Ethi" typeface="Nyala"/>
+        <a:font script="Beng" typeface="Vrinda"/>
+        <a:font script="Gujr" typeface="Shruti"/>
+        <a:font script="Khmr" typeface="MoolBoran"/>
+        <a:font script="Knda" typeface="Tunga"/>
+        <a:font script="Guru" typeface="Raavi"/>
+        <a:font script="Cans" typeface="Euphemia"/>
+        <a:font script="Cher" typeface="Plantagenet Cherokee"/>
+        <a:font script="Yiii" typeface="Microsoft Yi Baiti"/>
+        <a:font script="Tibt" typeface="Microsoft Himalaya"/>
+        <a:font script="Thaa" typeface="MV Boli"/>
+        <a:font script="Deva" typeface="Mangal"/>
+        <a:font script="Telu" typeface="Gautami"/>
+        <a:font script="Taml" typeface="Latha"/>
+        <a:font script="Syrc" typeface="Estrangelo Edessa"/>
+        <a:font script="Orya" typeface="Kalinga"/>
+        <a:font script="Mlym" typeface="Kartika"/>
+        <a:font script="Laoo" typeface="DokChampa"/>
+        <a:font script="Sinh" typeface="Iskoola Pota"/>
+        <a:font script="Mong" typeface="Mongolian Baiti"/>
+        <a:font script="Viet" typeface="Times New Roman"/>
+        <a:font script="Uigh" typeface="Microsoft Uighur"/>
+        <a:font script="Geor" typeface="Sylfaen"/>
+        <a:font script="Armn" typeface="Arial"/>
+        <a:font script="Bugi" typeface="Leelawadee UI"/>
+        <a:font script="Bopo" typeface="Microsoft JhengHei"/>
+        <a:font script="Java" typeface="Javanese Text"/>
+        <a:font script="Lisu" typeface="Segoe UI"/>
+        <a:font script="Mymr" typeface="Myanmar Text"/>
+        <a:font script="Nkoo" typeface="Ebrima"/>
+        <a:font script="Olck" typeface="Nirmala UI"/>
+        <a:font script="Osma" typeface="Ebrima"/>
+        <a:font script="Phag" typeface="Phagspa"/>
+        <a:font script="Syrn" typeface="Estrangelo Edessa"/>
+        <a:font script="Syrj" typeface="Estrangelo Edessa"/>
+        <a:font script="Syre" typeface="Estrangelo Edessa"/>
+        <a:font script="Sora" typeface="Nirmala UI"/>
+        <a:font script="Tale" typeface="Microsoft Tai Le"/>
+        <a:font script="Talu" typeface="Microsoft New Tai Lue"/>
+        <a:font script="Tfng" typeface="Ebrima"/>
       </a:majorFont>
       <a:minorFont>
-        <a:latin typeface="Gill Sans MT" panose="020B0502020104020203"/>
+        <a:latin typeface="Calibri" panose="020F0502020204030204"/>
         <a:ea typeface=""/>
         <a:cs typeface=""/>
-        <a:font script="Grek" typeface="Corbel"/>
-        <a:font script="Cyrl" typeface="Corbel"/>
-        <a:font script="Jpan" typeface="HGｺﾞｼｯｸE"/>
-        <a:font script="Hang" typeface="휴먼매직체"/>
-        <a:font script="Hans" typeface="华文中宋"/>
-        <a:font script="Hant" typeface="微軟正黑體"/>
-        <a:font script="Arab" typeface="Majalla UI"/>
+        <a:font script="Jpan" typeface="游ゴシック"/>
+        <a:font script="Hang" typeface="맑은 고딕"/>
+        <a:font script="Hans" typeface="等线"/>
+        <a:font script="Hant" typeface="新細明體"/>
+        <a:font script="Arab" typeface="Arial"/>
         <a:font script="Hebr" typeface="Arial"/>
         <a:font script="Thai" typeface="Cordia New"/>
         <a:font script="Ethi" typeface="Nyala"/>
@@ -5704,12 +7446,29 @@
         <a:font script="Laoo" typeface="DokChampa"/>
         <a:font script="Sinh" typeface="Iskoola Pota"/>
         <a:font script="Mong" typeface="Mongolian Baiti"/>
-        <a:font script="Viet" typeface="Tahoma"/>
+        <a:font script="Viet" typeface="Arial"/>
         <a:font script="Uigh" typeface="Microsoft Uighur"/>
         <a:font script="Geor" typeface="Sylfaen"/>
+        <a:font script="Armn" typeface="Arial"/>
+        <a:font script="Bugi" typeface="Leelawadee UI"/>
+        <a:font script="Bopo" typeface="Microsoft JhengHei"/>
+        <a:font script="Java" typeface="Javanese Text"/>
+        <a:font script="Lisu" typeface="Segoe UI"/>
+        <a:font script="Mymr" typeface="Myanmar Text"/>
+        <a:font script="Nkoo" typeface="Ebrima"/>
+        <a:font script="Olck" typeface="Nirmala UI"/>
+        <a:font script="Osma" typeface="Ebrima"/>
+        <a:font script="Phag" typeface="Phagspa"/>
+        <a:font script="Syrn" typeface="Estrangelo Edessa"/>
+        <a:font script="Syrj" typeface="Estrangelo Edessa"/>
+        <a:font script="Syre" typeface="Estrangelo Edessa"/>
+        <a:font script="Sora" typeface="Nirmala UI"/>
+        <a:font script="Tale" typeface="Microsoft Tai Le"/>
+        <a:font script="Talu" typeface="Microsoft New Tai Lue"/>
+        <a:font script="Tfng" typeface="Ebrima"/>
       </a:minorFont>
     </a:fontScheme>
-    <a:fmtScheme name="Parcel">
+    <a:fmtScheme name="Office">
       <a:fillStyleLst>
         <a:solidFill>
           <a:schemeClr val="phClr"/>
@@ -5718,16 +7477,23 @@
           <a:gsLst>
             <a:gs pos="0">
               <a:schemeClr val="phClr">
-                <a:tint val="80000"/>
-                <a:satMod val="107000"/>
-                <a:lumMod val="103000"/>
+                <a:lumMod val="110000"/>
+                <a:satMod val="105000"/>
+                <a:tint val="67000"/>
+              </a:schemeClr>
+            </a:gs>
+            <a:gs pos="50000">
+              <a:schemeClr val="phClr">
+                <a:lumMod val="105000"/>
+                <a:satMod val="103000"/>
+                <a:tint val="73000"/>
               </a:schemeClr>
             </a:gs>
             <a:gs pos="100000">
               <a:schemeClr val="phClr">
-                <a:tint val="82000"/>
+                <a:lumMod val="105000"/>
                 <a:satMod val="109000"/>
-                <a:lumMod val="103000"/>
+                <a:tint val="81000"/>
               </a:schemeClr>
             </a:gs>
           </a:gsLst>
@@ -5737,23 +7503,23 @@
           <a:gsLst>
             <a:gs pos="0">
               <a:schemeClr val="phClr">
-                <a:tint val="97000"/>
-                <a:satMod val="100000"/>
+                <a:satMod val="103000"/>
                 <a:lumMod val="102000"/>
+                <a:tint val="94000"/>
               </a:schemeClr>
             </a:gs>
             <a:gs pos="50000">
               <a:schemeClr val="phClr">
+                <a:satMod val="110000"/>
+                <a:lumMod val="100000"/>
                 <a:shade val="100000"/>
-                <a:satMod val="103000"/>
-                <a:lumMod val="100000"/>
               </a:schemeClr>
             </a:gs>
             <a:gs pos="100000">
               <a:schemeClr val="phClr">
-                <a:shade val="93000"/>
-                <a:satMod val="110000"/>
                 <a:lumMod val="99000"/>
+                <a:satMod val="120000"/>
+                <a:shade val="78000"/>
               </a:schemeClr>
             </a:gs>
           </a:gsLst>
@@ -5766,18 +7532,21 @@
             <a:schemeClr val="phClr"/>
           </a:solidFill>
           <a:prstDash val="solid"/>
+          <a:miter lim="800000"/>
         </a:ln>
         <a:ln w="12700" cap="flat" cmpd="sng" algn="ctr">
           <a:solidFill>
             <a:schemeClr val="phClr"/>
           </a:solidFill>
           <a:prstDash val="solid"/>
+          <a:miter lim="800000"/>
         </a:ln>
-        <a:ln w="31750" cap="flat" cmpd="sng" algn="ctr">
+        <a:ln w="19050" cap="flat" cmpd="sng" algn="ctr">
           <a:solidFill>
             <a:schemeClr val="phClr"/>
           </a:solidFill>
           <a:prstDash val="solid"/>
+          <a:miter lim="800000"/>
         </a:ln>
       </a:lnStyleLst>
       <a:effectStyleLst>
@@ -5789,21 +7558,12 @@
         </a:effectStyle>
         <a:effectStyle>
           <a:effectLst>
-            <a:outerShdw blurRad="55880" dist="15240" dir="5400000" algn="ctr" rotWithShape="0">
+            <a:outerShdw blurRad="57150" dist="19050" dir="5400000" algn="ctr" rotWithShape="0">
               <a:srgbClr val="000000">
-                <a:alpha val="45000"/>
+                <a:alpha val="63000"/>
               </a:srgbClr>
             </a:outerShdw>
           </a:effectLst>
-          <a:scene3d>
-            <a:camera prst="orthographicFront">
-              <a:rot lat="0" lon="0" rev="0"/>
-            </a:camera>
-            <a:lightRig rig="brightRoom" dir="tl"/>
-          </a:scene3d>
-          <a:sp3d prstMaterial="dkEdge">
-            <a:bevelT w="0" h="0"/>
-          </a:sp3d>
         </a:effectStyle>
       </a:effectStyleLst>
       <a:bgFillStyleLst>
@@ -5820,24 +7580,28 @@
           <a:gsLst>
             <a:gs pos="0">
               <a:schemeClr val="phClr">
-                <a:tint val="97000"/>
-                <a:shade val="100000"/>
-                <a:satMod val="185000"/>
-                <a:lumMod val="120000"/>
+                <a:tint val="93000"/>
+                <a:satMod val="150000"/>
+                <a:shade val="98000"/>
+                <a:lumMod val="102000"/>
+              </a:schemeClr>
+            </a:gs>
+            <a:gs pos="50000">
+              <a:schemeClr val="phClr">
+                <a:tint val="98000"/>
+                <a:satMod val="130000"/>
+                <a:shade val="90000"/>
+                <a:lumMod val="103000"/>
               </a:schemeClr>
             </a:gs>
             <a:gs pos="100000">
               <a:schemeClr val="phClr">
-                <a:tint val="96000"/>
-                <a:shade val="95000"/>
-                <a:satMod val="215000"/>
-                <a:lumMod val="80000"/>
+                <a:shade val="63000"/>
+                <a:satMod val="120000"/>
               </a:schemeClr>
             </a:gs>
           </a:gsLst>
-          <a:path path="circle">
-            <a:fillToRect l="50000" t="55000" r="125000" b="100000"/>
-          </a:path>
+          <a:lin ang="5400000" scaled="0"/>
         </a:gradFill>
       </a:bgFillStyleLst>
     </a:fmtScheme>
@@ -5846,7 +7610,7 @@
   <a:extraClrSchemeLst/>
   <a:extLst>
     <a:ext uri="{05A4C25C-085E-4340-85A3-A5531E510DB2}">
-      <thm15:themeFamily xmlns:thm15="http://schemas.microsoft.com/office/thememl/2012/main" name="Parcel" id="{8BEC4385-4EB9-4D53-BFB5-0EA123736B6D}" vid="{71C241A9-A460-4AD1-916F-25308628A5BC}"/>
+      <thm15:themeFamily xmlns:thm15="http://schemas.microsoft.com/office/thememl/2012/main" name="Office Theme" id="{62F939B6-93AF-4DB8-9C6B-D6C7DFDC589F}" vid="{4A3C46E8-61CC-4603-A589-7422A47A8E4A}"/>
     </a:ext>
   </a:extLst>
 </a:theme>
